--- a/slides/Unit 2 - LC 101 - Class 12.pptx
+++ b/slides/Unit 2 - LC 101 - Class 12.pptx
@@ -1,13 +1,16 @@
 
 <file path=ppt/presentation.xml><?xml version="1.0" encoding="utf-8"?>
-<p:presentation xmlns:a="http://schemas.openxmlformats.org/drawingml/2006/main" xmlns:r="http://schemas.openxmlformats.org/officeDocument/2006/relationships" xmlns:mc="http://schemas.openxmlformats.org/markup-compatibility/2006" xmlns:mv="urn:schemas-microsoft-com:mac:vml" xmlns:p="http://schemas.openxmlformats.org/presentationml/2006/main" xmlns:c="http://schemas.openxmlformats.org/drawingml/2006/chart" xmlns:dgm="http://schemas.openxmlformats.org/drawingml/2006/diagram" xmlns:o="urn:schemas-microsoft-com:office:office" xmlns:v="urn:schemas-microsoft-com:vml" xmlns:pvml="urn:schemas-microsoft-com:office:powerpoint" xmlns:com="http://schemas.openxmlformats.org/drawingml/2006/compatibility" xmlns:p14="http://schemas.microsoft.com/office/powerpoint/2010/main" xmlns:p15="http://schemas.microsoft.com/office/powerpoint/2012/main" autoCompressPictures="0" strictFirstAndLastChars="0" saveSubsetFonts="1">
+<p:presentation xmlns:a="http://schemas.openxmlformats.org/drawingml/2006/main" xmlns:r="http://schemas.openxmlformats.org/officeDocument/2006/relationships" xmlns:p="http://schemas.openxmlformats.org/presentationml/2006/main" strictFirstAndLastChars="0" saveSubsetFonts="1" autoCompressPictures="0">
   <p:sldMasterIdLst>
-    <p:sldMasterId id="2147483659" r:id="rId3"/>
+    <p:sldMasterId id="2147483659" r:id="rId1"/>
   </p:sldMasterIdLst>
   <p:notesMasterIdLst>
-    <p:notesMasterId r:id="rId4"/>
+    <p:notesMasterId r:id="rId14"/>
   </p:notesMasterIdLst>
   <p:sldIdLst>
+    <p:sldId id="265" r:id="rId2"/>
+    <p:sldId id="266" r:id="rId3"/>
+    <p:sldId id="267" r:id="rId4"/>
     <p:sldId id="256" r:id="rId5"/>
     <p:sldId id="257" r:id="rId6"/>
     <p:sldId id="258" r:id="rId7"/>
@@ -15,11 +18,13 @@
     <p:sldId id="260" r:id="rId9"/>
     <p:sldId id="261" r:id="rId10"/>
     <p:sldId id="262" r:id="rId11"/>
+    <p:sldId id="269" r:id="rId12"/>
+    <p:sldId id="270" r:id="rId13"/>
   </p:sldIdLst>
-  <p:sldSz cy="5143500" cx="9144000"/>
+  <p:sldSz cx="9144000" cy="5143500" type="screen16x9"/>
   <p:notesSz cx="6858000" cy="9144000"/>
   <p:defaultTextStyle>
-    <a:defPPr lvl="0" marR="0" rtl="0" algn="l">
+    <a:defPPr marR="0" lvl="0" algn="l" rtl="0">
       <a:lnSpc>
         <a:spcPct val="100000"/>
       </a:lnSpc>
@@ -30,7 +35,7 @@
         <a:spcPts val="0"/>
       </a:spcAft>
     </a:defPPr>
-    <a:lvl1pPr lvl="0" marR="0" rtl="0" algn="l">
+    <a:lvl1pPr marR="0" lvl="0" algn="l" rtl="0">
       <a:lnSpc>
         <a:spcPct val="100000"/>
       </a:lnSpc>
@@ -44,7 +49,7 @@
         <a:srgbClr val="000000"/>
       </a:buClr>
       <a:buFont typeface="Arial"/>
-      <a:defRPr b="0" i="0" sz="1400" u="none" cap="none" strike="noStrike">
+      <a:defRPr sz="1400" b="0" i="0" u="none" strike="noStrike" cap="none">
         <a:solidFill>
           <a:srgbClr val="000000"/>
         </a:solidFill>
@@ -54,7 +59,7 @@
         <a:sym typeface="Arial"/>
       </a:defRPr>
     </a:lvl1pPr>
-    <a:lvl2pPr lvl="1" marR="0" rtl="0" algn="l">
+    <a:lvl2pPr marR="0" lvl="1" algn="l" rtl="0">
       <a:lnSpc>
         <a:spcPct val="100000"/>
       </a:lnSpc>
@@ -68,7 +73,7 @@
         <a:srgbClr val="000000"/>
       </a:buClr>
       <a:buFont typeface="Arial"/>
-      <a:defRPr b="0" i="0" sz="1400" u="none" cap="none" strike="noStrike">
+      <a:defRPr sz="1400" b="0" i="0" u="none" strike="noStrike" cap="none">
         <a:solidFill>
           <a:srgbClr val="000000"/>
         </a:solidFill>
@@ -78,7 +83,7 @@
         <a:sym typeface="Arial"/>
       </a:defRPr>
     </a:lvl2pPr>
-    <a:lvl3pPr lvl="2" marR="0" rtl="0" algn="l">
+    <a:lvl3pPr marR="0" lvl="2" algn="l" rtl="0">
       <a:lnSpc>
         <a:spcPct val="100000"/>
       </a:lnSpc>
@@ -92,7 +97,7 @@
         <a:srgbClr val="000000"/>
       </a:buClr>
       <a:buFont typeface="Arial"/>
-      <a:defRPr b="0" i="0" sz="1400" u="none" cap="none" strike="noStrike">
+      <a:defRPr sz="1400" b="0" i="0" u="none" strike="noStrike" cap="none">
         <a:solidFill>
           <a:srgbClr val="000000"/>
         </a:solidFill>
@@ -102,7 +107,7 @@
         <a:sym typeface="Arial"/>
       </a:defRPr>
     </a:lvl3pPr>
-    <a:lvl4pPr lvl="3" marR="0" rtl="0" algn="l">
+    <a:lvl4pPr marR="0" lvl="3" algn="l" rtl="0">
       <a:lnSpc>
         <a:spcPct val="100000"/>
       </a:lnSpc>
@@ -116,7 +121,7 @@
         <a:srgbClr val="000000"/>
       </a:buClr>
       <a:buFont typeface="Arial"/>
-      <a:defRPr b="0" i="0" sz="1400" u="none" cap="none" strike="noStrike">
+      <a:defRPr sz="1400" b="0" i="0" u="none" strike="noStrike" cap="none">
         <a:solidFill>
           <a:srgbClr val="000000"/>
         </a:solidFill>
@@ -126,7 +131,7 @@
         <a:sym typeface="Arial"/>
       </a:defRPr>
     </a:lvl4pPr>
-    <a:lvl5pPr lvl="4" marR="0" rtl="0" algn="l">
+    <a:lvl5pPr marR="0" lvl="4" algn="l" rtl="0">
       <a:lnSpc>
         <a:spcPct val="100000"/>
       </a:lnSpc>
@@ -140,7 +145,7 @@
         <a:srgbClr val="000000"/>
       </a:buClr>
       <a:buFont typeface="Arial"/>
-      <a:defRPr b="0" i="0" sz="1400" u="none" cap="none" strike="noStrike">
+      <a:defRPr sz="1400" b="0" i="0" u="none" strike="noStrike" cap="none">
         <a:solidFill>
           <a:srgbClr val="000000"/>
         </a:solidFill>
@@ -150,7 +155,7 @@
         <a:sym typeface="Arial"/>
       </a:defRPr>
     </a:lvl5pPr>
-    <a:lvl6pPr lvl="5" marR="0" rtl="0" algn="l">
+    <a:lvl6pPr marR="0" lvl="5" algn="l" rtl="0">
       <a:lnSpc>
         <a:spcPct val="100000"/>
       </a:lnSpc>
@@ -164,7 +169,7 @@
         <a:srgbClr val="000000"/>
       </a:buClr>
       <a:buFont typeface="Arial"/>
-      <a:defRPr b="0" i="0" sz="1400" u="none" cap="none" strike="noStrike">
+      <a:defRPr sz="1400" b="0" i="0" u="none" strike="noStrike" cap="none">
         <a:solidFill>
           <a:srgbClr val="000000"/>
         </a:solidFill>
@@ -174,7 +179,7 @@
         <a:sym typeface="Arial"/>
       </a:defRPr>
     </a:lvl6pPr>
-    <a:lvl7pPr lvl="6" marR="0" rtl="0" algn="l">
+    <a:lvl7pPr marR="0" lvl="6" algn="l" rtl="0">
       <a:lnSpc>
         <a:spcPct val="100000"/>
       </a:lnSpc>
@@ -188,7 +193,7 @@
         <a:srgbClr val="000000"/>
       </a:buClr>
       <a:buFont typeface="Arial"/>
-      <a:defRPr b="0" i="0" sz="1400" u="none" cap="none" strike="noStrike">
+      <a:defRPr sz="1400" b="0" i="0" u="none" strike="noStrike" cap="none">
         <a:solidFill>
           <a:srgbClr val="000000"/>
         </a:solidFill>
@@ -198,7 +203,7 @@
         <a:sym typeface="Arial"/>
       </a:defRPr>
     </a:lvl7pPr>
-    <a:lvl8pPr lvl="7" marR="0" rtl="0" algn="l">
+    <a:lvl8pPr marR="0" lvl="7" algn="l" rtl="0">
       <a:lnSpc>
         <a:spcPct val="100000"/>
       </a:lnSpc>
@@ -212,7 +217,7 @@
         <a:srgbClr val="000000"/>
       </a:buClr>
       <a:buFont typeface="Arial"/>
-      <a:defRPr b="0" i="0" sz="1400" u="none" cap="none" strike="noStrike">
+      <a:defRPr sz="1400" b="0" i="0" u="none" strike="noStrike" cap="none">
         <a:solidFill>
           <a:srgbClr val="000000"/>
         </a:solidFill>
@@ -222,7 +227,7 @@
         <a:sym typeface="Arial"/>
       </a:defRPr>
     </a:lvl8pPr>
-    <a:lvl9pPr lvl="8" marR="0" rtl="0" algn="l">
+    <a:lvl9pPr marR="0" lvl="8" algn="l" rtl="0">
       <a:lnSpc>
         <a:spcPct val="100000"/>
       </a:lnSpc>
@@ -236,7 +241,7 @@
         <a:srgbClr val="000000"/>
       </a:buClr>
       <a:buFont typeface="Arial"/>
-      <a:defRPr b="0" i="0" sz="1400" u="none" cap="none" strike="noStrike">
+      <a:defRPr sz="1400" b="0" i="0" u="none" strike="noStrike" cap="none">
         <a:solidFill>
           <a:srgbClr val="000000"/>
         </a:solidFill>
@@ -251,11 +256,16 @@
 </file>
 
 <file path=ppt/notesMasters/notesMaster1.xml><?xml version="1.0" encoding="utf-8"?>
-<p:notesMaster xmlns:a="http://schemas.openxmlformats.org/drawingml/2006/main" xmlns:r="http://schemas.openxmlformats.org/officeDocument/2006/relationships" xmlns:mc="http://schemas.openxmlformats.org/markup-compatibility/2006" xmlns:mv="urn:schemas-microsoft-com:mac:vml" xmlns:p="http://schemas.openxmlformats.org/presentationml/2006/main" xmlns:c="http://schemas.openxmlformats.org/drawingml/2006/chart" xmlns:dgm="http://schemas.openxmlformats.org/drawingml/2006/diagram" xmlns:o="urn:schemas-microsoft-com:office:office" xmlns:v="urn:schemas-microsoft-com:vml" xmlns:pvml="urn:schemas-microsoft-com:office:powerpoint" xmlns:com="http://schemas.openxmlformats.org/drawingml/2006/compatibility" xmlns:p14="http://schemas.microsoft.com/office/powerpoint/2010/main" xmlns:p15="http://schemas.microsoft.com/office/powerpoint/2012/main">
+<p:notesMaster xmlns:a="http://schemas.openxmlformats.org/drawingml/2006/main" xmlns:r="http://schemas.openxmlformats.org/officeDocument/2006/relationships" xmlns:p="http://schemas.openxmlformats.org/presentationml/2006/main">
   <p:cSld>
+    <p:bg>
+      <p:bgRef idx="1001">
+        <a:schemeClr val="bg1"/>
+      </p:bgRef>
+    </p:bg>
     <p:spTree>
       <p:nvGrpSpPr>
-        <p:cNvPr id="2" name="Shape 2"/>
+        <p:cNvPr id="1" name="Shape 2"/>
         <p:cNvGrpSpPr/>
         <p:nvPr/>
       </p:nvGrpSpPr>
@@ -270,9 +280,11 @@
       <p:sp>
         <p:nvSpPr>
           <p:cNvPr id="3" name="Shape 3"/>
-          <p:cNvSpPr/>
+          <p:cNvSpPr>
+            <a:spLocks noGrp="1" noRot="1" noChangeAspect="1"/>
+          </p:cNvSpPr>
           <p:nvPr>
-            <p:ph idx="2" type="sldImg"/>
+            <p:ph type="sldImg" idx="2"/>
           </p:nvPr>
         </p:nvSpPr>
         <p:spPr>
@@ -281,8 +293,13 @@
             <a:ext cx="6096075" cy="3429000"/>
           </a:xfrm>
           <a:custGeom>
+            <a:avLst/>
+            <a:gdLst/>
+            <a:ahLst/>
+            <a:cxnLst/>
+            <a:rect l="0" t="0" r="0" b="0"/>
             <a:pathLst>
-              <a:path extrusionOk="0" h="120000" w="120000">
+              <a:path w="120000" h="120000" extrusionOk="0">
                 <a:moveTo>
                   <a:pt x="0" y="0"/>
                 </a:moveTo>
@@ -300,23 +317,25 @@
             </a:pathLst>
           </a:custGeom>
           <a:noFill/>
-          <a:ln cap="flat" cmpd="sng" w="9525">
+          <a:ln w="9525" cap="flat" cmpd="sng">
             <a:solidFill>
               <a:srgbClr val="000000"/>
             </a:solidFill>
             <a:prstDash val="solid"/>
             <a:round/>
-            <a:headEnd len="sm" w="sm" type="none"/>
-            <a:tailEnd len="sm" w="sm" type="none"/>
+            <a:headEnd type="none" w="sm" len="sm"/>
+            <a:tailEnd type="none" w="sm" len="sm"/>
           </a:ln>
         </p:spPr>
       </p:sp>
       <p:sp>
         <p:nvSpPr>
           <p:cNvPr id="4" name="Shape 4"/>
-          <p:cNvSpPr txBox="1"/>
+          <p:cNvSpPr txBox="1">
+            <a:spLocks noGrp="1"/>
+          </p:cNvSpPr>
           <p:nvPr>
-            <p:ph idx="1" type="body"/>
+            <p:ph type="body" idx="1"/>
           </p:nvPr>
         </p:nvSpPr>
         <p:spPr>
@@ -333,9 +352,9 @@
           </a:ln>
         </p:spPr>
         <p:txBody>
-          <a:bodyPr anchorCtr="0" anchor="t" bIns="91425" lIns="91425" spcFirstLastPara="1" rIns="91425" wrap="square" tIns="91425"/>
+          <a:bodyPr spcFirstLastPara="1" wrap="square" lIns="91425" tIns="91425" rIns="91425" bIns="91425" anchor="t" anchorCtr="0"/>
           <a:lstStyle>
-            <a:lvl1pPr indent="-317500" lvl="0" marL="457200">
+            <a:lvl1pPr marL="457200" lvl="0" indent="-317500">
               <a:spcBef>
                 <a:spcPts val="0"/>
               </a:spcBef>
@@ -346,7 +365,7 @@
               <a:buChar char="●"/>
               <a:defRPr sz="1100"/>
             </a:lvl1pPr>
-            <a:lvl2pPr indent="-317500" lvl="1" marL="914400">
+            <a:lvl2pPr marL="914400" lvl="1" indent="-317500">
               <a:spcBef>
                 <a:spcPts val="0"/>
               </a:spcBef>
@@ -357,7 +376,7 @@
               <a:buChar char="○"/>
               <a:defRPr sz="1100"/>
             </a:lvl2pPr>
-            <a:lvl3pPr indent="-317500" lvl="2" marL="1371600">
+            <a:lvl3pPr marL="1371600" lvl="2" indent="-317500">
               <a:spcBef>
                 <a:spcPts val="0"/>
               </a:spcBef>
@@ -368,7 +387,7 @@
               <a:buChar char="■"/>
               <a:defRPr sz="1100"/>
             </a:lvl3pPr>
-            <a:lvl4pPr indent="-317500" lvl="3" marL="1828800">
+            <a:lvl4pPr marL="1828800" lvl="3" indent="-317500">
               <a:spcBef>
                 <a:spcPts val="0"/>
               </a:spcBef>
@@ -379,7 +398,7 @@
               <a:buChar char="●"/>
               <a:defRPr sz="1100"/>
             </a:lvl4pPr>
-            <a:lvl5pPr indent="-317500" lvl="4" marL="2286000">
+            <a:lvl5pPr marL="2286000" lvl="4" indent="-317500">
               <a:spcBef>
                 <a:spcPts val="0"/>
               </a:spcBef>
@@ -390,7 +409,7 @@
               <a:buChar char="○"/>
               <a:defRPr sz="1100"/>
             </a:lvl5pPr>
-            <a:lvl6pPr indent="-317500" lvl="5" marL="2743200">
+            <a:lvl6pPr marL="2743200" lvl="5" indent="-317500">
               <a:spcBef>
                 <a:spcPts val="0"/>
               </a:spcBef>
@@ -401,7 +420,7 @@
               <a:buChar char="■"/>
               <a:defRPr sz="1100"/>
             </a:lvl6pPr>
-            <a:lvl7pPr indent="-317500" lvl="6" marL="3200400">
+            <a:lvl7pPr marL="3200400" lvl="6" indent="-317500">
               <a:spcBef>
                 <a:spcPts val="0"/>
               </a:spcBef>
@@ -412,7 +431,7 @@
               <a:buChar char="●"/>
               <a:defRPr sz="1100"/>
             </a:lvl7pPr>
-            <a:lvl8pPr indent="-317500" lvl="7" marL="3657600">
+            <a:lvl8pPr marL="3657600" lvl="7" indent="-317500">
               <a:spcBef>
                 <a:spcPts val="0"/>
               </a:spcBef>
@@ -423,7 +442,7 @@
               <a:buChar char="○"/>
               <a:defRPr sz="1100"/>
             </a:lvl8pPr>
-            <a:lvl9pPr indent="-317500" lvl="8" marL="4114800">
+            <a:lvl9pPr marL="4114800" lvl="8" indent="-317500">
               <a:spcBef>
                 <a:spcPts val="0"/>
               </a:spcBef>
@@ -435,14 +454,16 @@
               <a:defRPr sz="1100"/>
             </a:lvl9pPr>
           </a:lstStyle>
-          <a:p/>
+          <a:p>
+            <a:endParaRPr/>
+          </a:p>
         </p:txBody>
       </p:sp>
     </p:spTree>
   </p:cSld>
-  <p:clrMap accent1="accent1" accent2="accent2" accent3="accent3" accent4="accent4" accent5="accent5" accent6="accent6" bg1="lt1" bg2="dk2" tx1="dk1" tx2="lt2" folHlink="folHlink" hlink="hlink"/>
+  <p:clrMap bg1="lt1" tx1="dk1" bg2="dk2" tx2="lt2" accent1="accent1" accent2="accent2" accent3="accent3" accent4="accent4" accent5="accent5" accent6="accent6" hlink="hlink" folHlink="folHlink"/>
   <p:notesStyle>
-    <a:defPPr lvl="0" marR="0" rtl="0" algn="l">
+    <a:defPPr marR="0" lvl="0" algn="l" rtl="0">
       <a:lnSpc>
         <a:spcPct val="100000"/>
       </a:lnSpc>
@@ -453,7 +474,7 @@
         <a:spcPts val="0"/>
       </a:spcAft>
     </a:defPPr>
-    <a:lvl1pPr lvl="0" marR="0" rtl="0" algn="l">
+    <a:lvl1pPr marR="0" lvl="0" algn="l" rtl="0">
       <a:lnSpc>
         <a:spcPct val="100000"/>
       </a:lnSpc>
@@ -467,7 +488,7 @@
         <a:srgbClr val="000000"/>
       </a:buClr>
       <a:buFont typeface="Arial"/>
-      <a:defRPr b="0" i="0" sz="1400" u="none" cap="none" strike="noStrike">
+      <a:defRPr sz="1400" b="0" i="0" u="none" strike="noStrike" cap="none">
         <a:solidFill>
           <a:srgbClr val="000000"/>
         </a:solidFill>
@@ -477,7 +498,7 @@
         <a:sym typeface="Arial"/>
       </a:defRPr>
     </a:lvl1pPr>
-    <a:lvl2pPr lvl="1" marR="0" rtl="0" algn="l">
+    <a:lvl2pPr marR="0" lvl="1" algn="l" rtl="0">
       <a:lnSpc>
         <a:spcPct val="100000"/>
       </a:lnSpc>
@@ -491,7 +512,7 @@
         <a:srgbClr val="000000"/>
       </a:buClr>
       <a:buFont typeface="Arial"/>
-      <a:defRPr b="0" i="0" sz="1400" u="none" cap="none" strike="noStrike">
+      <a:defRPr sz="1400" b="0" i="0" u="none" strike="noStrike" cap="none">
         <a:solidFill>
           <a:srgbClr val="000000"/>
         </a:solidFill>
@@ -501,7 +522,7 @@
         <a:sym typeface="Arial"/>
       </a:defRPr>
     </a:lvl2pPr>
-    <a:lvl3pPr lvl="2" marR="0" rtl="0" algn="l">
+    <a:lvl3pPr marR="0" lvl="2" algn="l" rtl="0">
       <a:lnSpc>
         <a:spcPct val="100000"/>
       </a:lnSpc>
@@ -515,7 +536,7 @@
         <a:srgbClr val="000000"/>
       </a:buClr>
       <a:buFont typeface="Arial"/>
-      <a:defRPr b="0" i="0" sz="1400" u="none" cap="none" strike="noStrike">
+      <a:defRPr sz="1400" b="0" i="0" u="none" strike="noStrike" cap="none">
         <a:solidFill>
           <a:srgbClr val="000000"/>
         </a:solidFill>
@@ -525,7 +546,7 @@
         <a:sym typeface="Arial"/>
       </a:defRPr>
     </a:lvl3pPr>
-    <a:lvl4pPr lvl="3" marR="0" rtl="0" algn="l">
+    <a:lvl4pPr marR="0" lvl="3" algn="l" rtl="0">
       <a:lnSpc>
         <a:spcPct val="100000"/>
       </a:lnSpc>
@@ -539,7 +560,7 @@
         <a:srgbClr val="000000"/>
       </a:buClr>
       <a:buFont typeface="Arial"/>
-      <a:defRPr b="0" i="0" sz="1400" u="none" cap="none" strike="noStrike">
+      <a:defRPr sz="1400" b="0" i="0" u="none" strike="noStrike" cap="none">
         <a:solidFill>
           <a:srgbClr val="000000"/>
         </a:solidFill>
@@ -549,7 +570,7 @@
         <a:sym typeface="Arial"/>
       </a:defRPr>
     </a:lvl4pPr>
-    <a:lvl5pPr lvl="4" marR="0" rtl="0" algn="l">
+    <a:lvl5pPr marR="0" lvl="4" algn="l" rtl="0">
       <a:lnSpc>
         <a:spcPct val="100000"/>
       </a:lnSpc>
@@ -563,7 +584,7 @@
         <a:srgbClr val="000000"/>
       </a:buClr>
       <a:buFont typeface="Arial"/>
-      <a:defRPr b="0" i="0" sz="1400" u="none" cap="none" strike="noStrike">
+      <a:defRPr sz="1400" b="0" i="0" u="none" strike="noStrike" cap="none">
         <a:solidFill>
           <a:srgbClr val="000000"/>
         </a:solidFill>
@@ -573,7 +594,7 @@
         <a:sym typeface="Arial"/>
       </a:defRPr>
     </a:lvl5pPr>
-    <a:lvl6pPr lvl="5" marR="0" rtl="0" algn="l">
+    <a:lvl6pPr marR="0" lvl="5" algn="l" rtl="0">
       <a:lnSpc>
         <a:spcPct val="100000"/>
       </a:lnSpc>
@@ -587,7 +608,7 @@
         <a:srgbClr val="000000"/>
       </a:buClr>
       <a:buFont typeface="Arial"/>
-      <a:defRPr b="0" i="0" sz="1400" u="none" cap="none" strike="noStrike">
+      <a:defRPr sz="1400" b="0" i="0" u="none" strike="noStrike" cap="none">
         <a:solidFill>
           <a:srgbClr val="000000"/>
         </a:solidFill>
@@ -597,7 +618,7 @@
         <a:sym typeface="Arial"/>
       </a:defRPr>
     </a:lvl6pPr>
-    <a:lvl7pPr lvl="6" marR="0" rtl="0" algn="l">
+    <a:lvl7pPr marR="0" lvl="6" algn="l" rtl="0">
       <a:lnSpc>
         <a:spcPct val="100000"/>
       </a:lnSpc>
@@ -611,7 +632,7 @@
         <a:srgbClr val="000000"/>
       </a:buClr>
       <a:buFont typeface="Arial"/>
-      <a:defRPr b="0" i="0" sz="1400" u="none" cap="none" strike="noStrike">
+      <a:defRPr sz="1400" b="0" i="0" u="none" strike="noStrike" cap="none">
         <a:solidFill>
           <a:srgbClr val="000000"/>
         </a:solidFill>
@@ -621,7 +642,7 @@
         <a:sym typeface="Arial"/>
       </a:defRPr>
     </a:lvl7pPr>
-    <a:lvl8pPr lvl="7" marR="0" rtl="0" algn="l">
+    <a:lvl8pPr marR="0" lvl="7" algn="l" rtl="0">
       <a:lnSpc>
         <a:spcPct val="100000"/>
       </a:lnSpc>
@@ -635,7 +656,7 @@
         <a:srgbClr val="000000"/>
       </a:buClr>
       <a:buFont typeface="Arial"/>
-      <a:defRPr b="0" i="0" sz="1400" u="none" cap="none" strike="noStrike">
+      <a:defRPr sz="1400" b="0" i="0" u="none" strike="noStrike" cap="none">
         <a:solidFill>
           <a:srgbClr val="000000"/>
         </a:solidFill>
@@ -645,7 +666,7 @@
         <a:sym typeface="Arial"/>
       </a:defRPr>
     </a:lvl8pPr>
-    <a:lvl9pPr lvl="8" marR="0" rtl="0" algn="l">
+    <a:lvl9pPr marR="0" lvl="8" algn="l" rtl="0">
       <a:lnSpc>
         <a:spcPct val="100000"/>
       </a:lnSpc>
@@ -659,7 +680,7 @@
         <a:srgbClr val="000000"/>
       </a:buClr>
       <a:buFont typeface="Arial"/>
-      <a:defRPr b="0" i="0" sz="1400" u="none" cap="none" strike="noStrike">
+      <a:defRPr sz="1400" b="0" i="0" u="none" strike="noStrike" cap="none">
         <a:solidFill>
           <a:srgbClr val="000000"/>
         </a:solidFill>
@@ -674,11 +695,536 @@
 </file>
 
 <file path=ppt/notesSlides/notesSlide1.xml><?xml version="1.0" encoding="utf-8"?>
-<p:notes xmlns:a="http://schemas.openxmlformats.org/drawingml/2006/main" xmlns:r="http://schemas.openxmlformats.org/officeDocument/2006/relationships" xmlns:mc="http://schemas.openxmlformats.org/markup-compatibility/2006" xmlns:mv="urn:schemas-microsoft-com:mac:vml" xmlns:p="http://schemas.openxmlformats.org/presentationml/2006/main" xmlns:c="http://schemas.openxmlformats.org/drawingml/2006/chart" xmlns:dgm="http://schemas.openxmlformats.org/drawingml/2006/diagram" xmlns:o="urn:schemas-microsoft-com:office:office" xmlns:v="urn:schemas-microsoft-com:vml" xmlns:pvml="urn:schemas-microsoft-com:office:powerpoint" xmlns:com="http://schemas.openxmlformats.org/drawingml/2006/compatibility" xmlns:p14="http://schemas.microsoft.com/office/powerpoint/2010/main" xmlns:p15="http://schemas.microsoft.com/office/powerpoint/2012/main" showMasterPhAnim="0" showMasterSp="0">
+<p:notes xmlns:a="http://schemas.openxmlformats.org/drawingml/2006/main" xmlns:r="http://schemas.openxmlformats.org/officeDocument/2006/relationships" xmlns:p="http://schemas.openxmlformats.org/presentationml/2006/main">
   <p:cSld>
     <p:spTree>
       <p:nvGrpSpPr>
-        <p:cNvPr id="50" name="Shape 50"/>
+        <p:cNvPr id="1" name=""/>
+        <p:cNvGrpSpPr/>
+        <p:nvPr/>
+      </p:nvGrpSpPr>
+      <p:grpSpPr>
+        <a:xfrm>
+          <a:off x="0" y="0"/>
+          <a:ext cx="0" cy="0"/>
+          <a:chOff x="0" y="0"/>
+          <a:chExt cx="0" cy="0"/>
+        </a:xfrm>
+      </p:grpSpPr>
+      <p:sp>
+        <p:nvSpPr>
+          <p:cNvPr id="2" name="Slide Image Placeholder 1"/>
+          <p:cNvSpPr>
+            <a:spLocks noGrp="1" noRot="1" noChangeAspect="1"/>
+          </p:cNvSpPr>
+          <p:nvPr>
+            <p:ph type="sldImg"/>
+          </p:nvPr>
+        </p:nvSpPr>
+        <p:spPr>
+          <a:xfrm>
+            <a:off x="381000" y="685800"/>
+            <a:ext cx="6096000" cy="3429000"/>
+          </a:xfrm>
+        </p:spPr>
+      </p:sp>
+      <p:sp>
+        <p:nvSpPr>
+          <p:cNvPr id="3" name="Notes Placeholder 2"/>
+          <p:cNvSpPr>
+            <a:spLocks noGrp="1"/>
+          </p:cNvSpPr>
+          <p:nvPr>
+            <p:ph type="body" idx="1"/>
+          </p:nvPr>
+        </p:nvSpPr>
+        <p:spPr/>
+        <p:txBody>
+          <a:bodyPr/>
+          <a:lstStyle/>
+          <a:p>
+            <a:r>
+              <a:rPr lang="en-US" dirty="0"/>
+              <a:t>Nothing is happening.</a:t>
+            </a:r>
+          </a:p>
+        </p:txBody>
+      </p:sp>
+    </p:spTree>
+    <p:extLst>
+      <p:ext uri="{BB962C8B-B14F-4D97-AF65-F5344CB8AC3E}">
+        <p14:creationId xmlns:p14="http://schemas.microsoft.com/office/powerpoint/2010/main" val="967038808"/>
+      </p:ext>
+    </p:extLst>
+  </p:cSld>
+  <p:clrMapOvr>
+    <a:masterClrMapping/>
+  </p:clrMapOvr>
+</p:notes>
+</file>
+
+<file path=ppt/notesSlides/notesSlide10.xml><?xml version="1.0" encoding="utf-8"?>
+<p:notes xmlns:a="http://schemas.openxmlformats.org/drawingml/2006/main" xmlns:r="http://schemas.openxmlformats.org/officeDocument/2006/relationships" xmlns:p="http://schemas.openxmlformats.org/presentationml/2006/main" showMasterSp="0" showMasterPhAnim="0">
+  <p:cSld>
+    <p:spTree>
+      <p:nvGrpSpPr>
+        <p:cNvPr id="1" name="Shape 87"/>
+        <p:cNvGrpSpPr/>
+        <p:nvPr/>
+      </p:nvGrpSpPr>
+      <p:grpSpPr>
+        <a:xfrm>
+          <a:off x="0" y="0"/>
+          <a:ext cx="0" cy="0"/>
+          <a:chOff x="0" y="0"/>
+          <a:chExt cx="0" cy="0"/>
+        </a:xfrm>
+      </p:grpSpPr>
+      <p:sp>
+        <p:nvSpPr>
+          <p:cNvPr id="88" name="Shape 88"/>
+          <p:cNvSpPr>
+            <a:spLocks noGrp="1" noRot="1" noChangeAspect="1"/>
+          </p:cNvSpPr>
+          <p:nvPr>
+            <p:ph type="sldImg" idx="2"/>
+          </p:nvPr>
+        </p:nvSpPr>
+        <p:spPr>
+          <a:xfrm>
+            <a:off x="381000" y="685800"/>
+            <a:ext cx="6096000" cy="3429000"/>
+          </a:xfrm>
+          <a:custGeom>
+            <a:avLst/>
+            <a:gdLst/>
+            <a:ahLst/>
+            <a:cxnLst/>
+            <a:rect l="0" t="0" r="0" b="0"/>
+            <a:pathLst>
+              <a:path w="120000" h="120000" extrusionOk="0">
+                <a:moveTo>
+                  <a:pt x="0" y="0"/>
+                </a:moveTo>
+                <a:lnTo>
+                  <a:pt x="120000" y="0"/>
+                </a:lnTo>
+                <a:lnTo>
+                  <a:pt x="120000" y="120000"/>
+                </a:lnTo>
+                <a:lnTo>
+                  <a:pt x="0" y="120000"/>
+                </a:lnTo>
+                <a:close/>
+              </a:path>
+            </a:pathLst>
+          </a:custGeom>
+        </p:spPr>
+      </p:sp>
+      <p:sp>
+        <p:nvSpPr>
+          <p:cNvPr id="89" name="Shape 89"/>
+          <p:cNvSpPr txBox="1">
+            <a:spLocks noGrp="1"/>
+          </p:cNvSpPr>
+          <p:nvPr>
+            <p:ph type="body" idx="1"/>
+          </p:nvPr>
+        </p:nvSpPr>
+        <p:spPr>
+          <a:xfrm>
+            <a:off x="685800" y="4343400"/>
+            <a:ext cx="5486400" cy="4114800"/>
+          </a:xfrm>
+          <a:prstGeom prst="rect">
+            <a:avLst/>
+          </a:prstGeom>
+        </p:spPr>
+        <p:txBody>
+          <a:bodyPr spcFirstLastPara="1" wrap="square" lIns="91425" tIns="91425" rIns="91425" bIns="91425" anchor="t" anchorCtr="0">
+            <a:noAutofit/>
+          </a:bodyPr>
+          <a:lstStyle/>
+          <a:p>
+            <a:pPr marL="0" lvl="0" indent="0" rtl="0">
+              <a:spcBef>
+                <a:spcPts val="0"/>
+              </a:spcBef>
+              <a:spcAft>
+                <a:spcPts val="0"/>
+              </a:spcAft>
+              <a:buNone/>
+            </a:pPr>
+            <a:endParaRPr/>
+          </a:p>
+        </p:txBody>
+      </p:sp>
+    </p:spTree>
+  </p:cSld>
+  <p:clrMapOvr>
+    <a:masterClrMapping/>
+  </p:clrMapOvr>
+</p:notes>
+</file>
+
+<file path=ppt/notesSlides/notesSlide11.xml><?xml version="1.0" encoding="utf-8"?>
+<p:notes xmlns:a="http://schemas.openxmlformats.org/drawingml/2006/main" xmlns:r="http://schemas.openxmlformats.org/officeDocument/2006/relationships" xmlns:p="http://schemas.openxmlformats.org/presentationml/2006/main">
+  <p:cSld>
+    <p:spTree>
+      <p:nvGrpSpPr>
+        <p:cNvPr id="1" name=""/>
+        <p:cNvGrpSpPr/>
+        <p:nvPr/>
+      </p:nvGrpSpPr>
+      <p:grpSpPr>
+        <a:xfrm>
+          <a:off x="0" y="0"/>
+          <a:ext cx="0" cy="0"/>
+          <a:chOff x="0" y="0"/>
+          <a:chExt cx="0" cy="0"/>
+        </a:xfrm>
+      </p:grpSpPr>
+      <p:sp>
+        <p:nvSpPr>
+          <p:cNvPr id="2" name="Slide Image Placeholder 1"/>
+          <p:cNvSpPr>
+            <a:spLocks noGrp="1" noRot="1" noChangeAspect="1"/>
+          </p:cNvSpPr>
+          <p:nvPr>
+            <p:ph type="sldImg"/>
+          </p:nvPr>
+        </p:nvSpPr>
+        <p:spPr>
+          <a:xfrm>
+            <a:off x="381000" y="685800"/>
+            <a:ext cx="6096000" cy="3429000"/>
+          </a:xfrm>
+        </p:spPr>
+      </p:sp>
+      <p:sp>
+        <p:nvSpPr>
+          <p:cNvPr id="3" name="Notes Placeholder 2"/>
+          <p:cNvSpPr>
+            <a:spLocks noGrp="1"/>
+          </p:cNvSpPr>
+          <p:nvPr>
+            <p:ph type="body" idx="1"/>
+          </p:nvPr>
+        </p:nvSpPr>
+        <p:spPr/>
+        <p:txBody>
+          <a:bodyPr/>
+          <a:lstStyle/>
+          <a:p>
+            <a:endParaRPr lang="en-US" dirty="0"/>
+          </a:p>
+        </p:txBody>
+      </p:sp>
+    </p:spTree>
+    <p:extLst>
+      <p:ext uri="{BB962C8B-B14F-4D97-AF65-F5344CB8AC3E}">
+        <p14:creationId xmlns:p14="http://schemas.microsoft.com/office/powerpoint/2010/main" val="2161405524"/>
+      </p:ext>
+    </p:extLst>
+  </p:cSld>
+  <p:clrMapOvr>
+    <a:masterClrMapping/>
+  </p:clrMapOvr>
+</p:notes>
+</file>
+
+<file path=ppt/notesSlides/notesSlide12.xml><?xml version="1.0" encoding="utf-8"?>
+<p:notes xmlns:a="http://schemas.openxmlformats.org/drawingml/2006/main" xmlns:r="http://schemas.openxmlformats.org/officeDocument/2006/relationships" xmlns:p="http://schemas.openxmlformats.org/presentationml/2006/main">
+  <p:cSld>
+    <p:spTree>
+      <p:nvGrpSpPr>
+        <p:cNvPr id="1" name=""/>
+        <p:cNvGrpSpPr/>
+        <p:nvPr/>
+      </p:nvGrpSpPr>
+      <p:grpSpPr>
+        <a:xfrm>
+          <a:off x="0" y="0"/>
+          <a:ext cx="0" cy="0"/>
+          <a:chOff x="0" y="0"/>
+          <a:chExt cx="0" cy="0"/>
+        </a:xfrm>
+      </p:grpSpPr>
+      <p:sp>
+        <p:nvSpPr>
+          <p:cNvPr id="2" name="Slide Image Placeholder 1"/>
+          <p:cNvSpPr>
+            <a:spLocks noGrp="1" noRot="1" noChangeAspect="1"/>
+          </p:cNvSpPr>
+          <p:nvPr>
+            <p:ph type="sldImg"/>
+          </p:nvPr>
+        </p:nvSpPr>
+        <p:spPr>
+          <a:xfrm>
+            <a:off x="381000" y="685800"/>
+            <a:ext cx="6096000" cy="3429000"/>
+          </a:xfrm>
+        </p:spPr>
+      </p:sp>
+      <p:sp>
+        <p:nvSpPr>
+          <p:cNvPr id="3" name="Notes Placeholder 2"/>
+          <p:cNvSpPr>
+            <a:spLocks noGrp="1"/>
+          </p:cNvSpPr>
+          <p:nvPr>
+            <p:ph type="body" idx="1"/>
+          </p:nvPr>
+        </p:nvSpPr>
+        <p:spPr/>
+        <p:txBody>
+          <a:bodyPr/>
+          <a:lstStyle/>
+          <a:p>
+            <a:pPr marL="139700" indent="0">
+              <a:buNone/>
+            </a:pPr>
+            <a:endParaRPr lang="en-US" dirty="0"/>
+          </a:p>
+        </p:txBody>
+      </p:sp>
+    </p:spTree>
+    <p:extLst>
+      <p:ext uri="{BB962C8B-B14F-4D97-AF65-F5344CB8AC3E}">
+        <p14:creationId xmlns:p14="http://schemas.microsoft.com/office/powerpoint/2010/main" val="170929569"/>
+      </p:ext>
+    </p:extLst>
+  </p:cSld>
+  <p:clrMapOvr>
+    <a:masterClrMapping/>
+  </p:clrMapOvr>
+</p:notes>
+</file>
+
+<file path=ppt/notesSlides/notesSlide2.xml><?xml version="1.0" encoding="utf-8"?>
+<p:notes xmlns:a="http://schemas.openxmlformats.org/drawingml/2006/main" xmlns:r="http://schemas.openxmlformats.org/officeDocument/2006/relationships" xmlns:p="http://schemas.openxmlformats.org/presentationml/2006/main" showMasterSp="0" showMasterPhAnim="0">
+  <p:cSld>
+    <p:spTree>
+      <p:nvGrpSpPr>
+        <p:cNvPr id="1" name="Shape 57"/>
+        <p:cNvGrpSpPr/>
+        <p:nvPr/>
+      </p:nvGrpSpPr>
+      <p:grpSpPr>
+        <a:xfrm>
+          <a:off x="0" y="0"/>
+          <a:ext cx="0" cy="0"/>
+          <a:chOff x="0" y="0"/>
+          <a:chExt cx="0" cy="0"/>
+        </a:xfrm>
+      </p:grpSpPr>
+      <p:sp>
+        <p:nvSpPr>
+          <p:cNvPr id="58" name="Shape 58"/>
+          <p:cNvSpPr>
+            <a:spLocks noGrp="1" noRot="1" noChangeAspect="1"/>
+          </p:cNvSpPr>
+          <p:nvPr>
+            <p:ph type="sldImg" idx="2"/>
+          </p:nvPr>
+        </p:nvSpPr>
+        <p:spPr>
+          <a:xfrm>
+            <a:off x="381000" y="685800"/>
+            <a:ext cx="6096000" cy="3429000"/>
+          </a:xfrm>
+          <a:custGeom>
+            <a:avLst/>
+            <a:gdLst/>
+            <a:ahLst/>
+            <a:cxnLst/>
+            <a:rect l="0" t="0" r="0" b="0"/>
+            <a:pathLst>
+              <a:path w="120000" h="120000" extrusionOk="0">
+                <a:moveTo>
+                  <a:pt x="0" y="0"/>
+                </a:moveTo>
+                <a:lnTo>
+                  <a:pt x="120000" y="0"/>
+                </a:lnTo>
+                <a:lnTo>
+                  <a:pt x="120000" y="120000"/>
+                </a:lnTo>
+                <a:lnTo>
+                  <a:pt x="0" y="120000"/>
+                </a:lnTo>
+                <a:close/>
+              </a:path>
+            </a:pathLst>
+          </a:custGeom>
+        </p:spPr>
+      </p:sp>
+      <p:sp>
+        <p:nvSpPr>
+          <p:cNvPr id="59" name="Shape 59"/>
+          <p:cNvSpPr txBox="1">
+            <a:spLocks noGrp="1"/>
+          </p:cNvSpPr>
+          <p:nvPr>
+            <p:ph type="body" idx="1"/>
+          </p:nvPr>
+        </p:nvSpPr>
+        <p:spPr>
+          <a:xfrm>
+            <a:off x="685800" y="4343400"/>
+            <a:ext cx="5486400" cy="4114800"/>
+          </a:xfrm>
+          <a:prstGeom prst="rect">
+            <a:avLst/>
+          </a:prstGeom>
+        </p:spPr>
+        <p:txBody>
+          <a:bodyPr spcFirstLastPara="1" wrap="square" lIns="91425" tIns="91425" rIns="91425" bIns="91425" anchor="t" anchorCtr="0">
+            <a:noAutofit/>
+          </a:bodyPr>
+          <a:lstStyle/>
+          <a:p>
+            <a:pPr marL="0" lvl="0" indent="0" rtl="0">
+              <a:spcBef>
+                <a:spcPts val="0"/>
+              </a:spcBef>
+              <a:spcAft>
+                <a:spcPts val="0"/>
+              </a:spcAft>
+              <a:buNone/>
+            </a:pPr>
+            <a:endParaRPr/>
+          </a:p>
+        </p:txBody>
+      </p:sp>
+    </p:spTree>
+    <p:extLst>
+      <p:ext uri="{BB962C8B-B14F-4D97-AF65-F5344CB8AC3E}">
+        <p14:creationId xmlns:p14="http://schemas.microsoft.com/office/powerpoint/2010/main" val="4259037985"/>
+      </p:ext>
+    </p:extLst>
+  </p:cSld>
+  <p:clrMapOvr>
+    <a:masterClrMapping/>
+  </p:clrMapOvr>
+</p:notes>
+</file>
+
+<file path=ppt/notesSlides/notesSlide3.xml><?xml version="1.0" encoding="utf-8"?>
+<p:notes xmlns:a="http://schemas.openxmlformats.org/drawingml/2006/main" xmlns:r="http://schemas.openxmlformats.org/officeDocument/2006/relationships" xmlns:p="http://schemas.openxmlformats.org/presentationml/2006/main" showMasterSp="0" showMasterPhAnim="0">
+  <p:cSld>
+    <p:spTree>
+      <p:nvGrpSpPr>
+        <p:cNvPr id="1" name="Shape 57"/>
+        <p:cNvGrpSpPr/>
+        <p:nvPr/>
+      </p:nvGrpSpPr>
+      <p:grpSpPr>
+        <a:xfrm>
+          <a:off x="0" y="0"/>
+          <a:ext cx="0" cy="0"/>
+          <a:chOff x="0" y="0"/>
+          <a:chExt cx="0" cy="0"/>
+        </a:xfrm>
+      </p:grpSpPr>
+      <p:sp>
+        <p:nvSpPr>
+          <p:cNvPr id="58" name="Shape 58"/>
+          <p:cNvSpPr>
+            <a:spLocks noGrp="1" noRot="1" noChangeAspect="1"/>
+          </p:cNvSpPr>
+          <p:nvPr>
+            <p:ph type="sldImg" idx="2"/>
+          </p:nvPr>
+        </p:nvSpPr>
+        <p:spPr>
+          <a:xfrm>
+            <a:off x="381000" y="685800"/>
+            <a:ext cx="6096000" cy="3429000"/>
+          </a:xfrm>
+          <a:custGeom>
+            <a:avLst/>
+            <a:gdLst/>
+            <a:ahLst/>
+            <a:cxnLst/>
+            <a:rect l="0" t="0" r="0" b="0"/>
+            <a:pathLst>
+              <a:path w="120000" h="120000" extrusionOk="0">
+                <a:moveTo>
+                  <a:pt x="0" y="0"/>
+                </a:moveTo>
+                <a:lnTo>
+                  <a:pt x="120000" y="0"/>
+                </a:lnTo>
+                <a:lnTo>
+                  <a:pt x="120000" y="120000"/>
+                </a:lnTo>
+                <a:lnTo>
+                  <a:pt x="0" y="120000"/>
+                </a:lnTo>
+                <a:close/>
+              </a:path>
+            </a:pathLst>
+          </a:custGeom>
+        </p:spPr>
+      </p:sp>
+      <p:sp>
+        <p:nvSpPr>
+          <p:cNvPr id="59" name="Shape 59"/>
+          <p:cNvSpPr txBox="1">
+            <a:spLocks noGrp="1"/>
+          </p:cNvSpPr>
+          <p:nvPr>
+            <p:ph type="body" idx="1"/>
+          </p:nvPr>
+        </p:nvSpPr>
+        <p:spPr>
+          <a:xfrm>
+            <a:off x="685800" y="4343400"/>
+            <a:ext cx="5486400" cy="4114800"/>
+          </a:xfrm>
+          <a:prstGeom prst="rect">
+            <a:avLst/>
+          </a:prstGeom>
+        </p:spPr>
+        <p:txBody>
+          <a:bodyPr spcFirstLastPara="1" wrap="square" lIns="91425" tIns="91425" rIns="91425" bIns="91425" anchor="t" anchorCtr="0">
+            <a:noAutofit/>
+          </a:bodyPr>
+          <a:lstStyle/>
+          <a:p>
+            <a:pPr marL="171450" lvl="0" indent="-171450" rtl="0">
+              <a:spcBef>
+                <a:spcPts val="0"/>
+              </a:spcBef>
+              <a:spcAft>
+                <a:spcPts val="0"/>
+              </a:spcAft>
+            </a:pPr>
+            <a:endParaRPr dirty="0"/>
+          </a:p>
+        </p:txBody>
+      </p:sp>
+    </p:spTree>
+    <p:extLst>
+      <p:ext uri="{BB962C8B-B14F-4D97-AF65-F5344CB8AC3E}">
+        <p14:creationId xmlns:p14="http://schemas.microsoft.com/office/powerpoint/2010/main" val="3434678126"/>
+      </p:ext>
+    </p:extLst>
+  </p:cSld>
+  <p:clrMapOvr>
+    <a:masterClrMapping/>
+  </p:clrMapOvr>
+</p:notes>
+</file>
+
+<file path=ppt/notesSlides/notesSlide4.xml><?xml version="1.0" encoding="utf-8"?>
+<p:notes xmlns:a="http://schemas.openxmlformats.org/drawingml/2006/main" xmlns:r="http://schemas.openxmlformats.org/officeDocument/2006/relationships" xmlns:p="http://schemas.openxmlformats.org/presentationml/2006/main" showMasterSp="0" showMasterPhAnim="0">
+  <p:cSld>
+    <p:spTree>
+      <p:nvGrpSpPr>
+        <p:cNvPr id="1" name="Shape 50"/>
         <p:cNvGrpSpPr/>
         <p:nvPr/>
       </p:nvGrpSpPr>
@@ -693,19 +1239,26 @@
       <p:sp>
         <p:nvSpPr>
           <p:cNvPr id="51" name="Shape 51"/>
-          <p:cNvSpPr/>
+          <p:cNvSpPr>
+            <a:spLocks noGrp="1" noRot="1" noChangeAspect="1"/>
+          </p:cNvSpPr>
           <p:nvPr>
-            <p:ph idx="2" type="sldImg"/>
+            <p:ph type="sldImg" idx="2"/>
           </p:nvPr>
         </p:nvSpPr>
         <p:spPr>
           <a:xfrm>
-            <a:off x="381300" y="685800"/>
-            <a:ext cx="6096075" cy="3429000"/>
+            <a:off x="381000" y="685800"/>
+            <a:ext cx="6096000" cy="3429000"/>
           </a:xfrm>
           <a:custGeom>
+            <a:avLst/>
+            <a:gdLst/>
+            <a:ahLst/>
+            <a:cxnLst/>
+            <a:rect l="0" t="0" r="0" b="0"/>
             <a:pathLst>
-              <a:path extrusionOk="0" h="120000" w="120000">
+              <a:path w="120000" h="120000" extrusionOk="0">
                 <a:moveTo>
                   <a:pt x="0" y="0"/>
                 </a:moveTo>
@@ -727,9 +1280,11 @@
       <p:sp>
         <p:nvSpPr>
           <p:cNvPr id="52" name="Shape 52"/>
-          <p:cNvSpPr txBox="1"/>
+          <p:cNvSpPr txBox="1">
+            <a:spLocks noGrp="1"/>
+          </p:cNvSpPr>
           <p:nvPr>
-            <p:ph idx="1" type="body"/>
+            <p:ph type="body" idx="1"/>
           </p:nvPr>
         </p:nvSpPr>
         <p:spPr>
@@ -742,12 +1297,12 @@
           </a:prstGeom>
         </p:spPr>
         <p:txBody>
-          <a:bodyPr anchorCtr="0" anchor="t" bIns="91425" lIns="91425" spcFirstLastPara="1" rIns="91425" wrap="square" tIns="91425">
+          <a:bodyPr spcFirstLastPara="1" wrap="square" lIns="91425" tIns="91425" rIns="91425" bIns="91425" anchor="t" anchorCtr="0">
             <a:noAutofit/>
           </a:bodyPr>
           <a:lstStyle/>
           <a:p>
-            <a:pPr indent="0" lvl="0" marL="0">
+            <a:pPr marL="0" lvl="0" indent="0">
               <a:spcBef>
                 <a:spcPts val="0"/>
               </a:spcBef>
@@ -756,9 +1311,6 @@
               </a:spcAft>
               <a:buNone/>
             </a:pPr>
-            <a:r>
-              <a:t/>
-            </a:r>
             <a:endParaRPr/>
           </a:p>
         </p:txBody>
@@ -771,12 +1323,12 @@
 </p:notes>
 </file>
 
-<file path=ppt/notesSlides/notesSlide2.xml><?xml version="1.0" encoding="utf-8"?>
-<p:notes xmlns:a="http://schemas.openxmlformats.org/drawingml/2006/main" xmlns:r="http://schemas.openxmlformats.org/officeDocument/2006/relationships" xmlns:mc="http://schemas.openxmlformats.org/markup-compatibility/2006" xmlns:mv="urn:schemas-microsoft-com:mac:vml" xmlns:p="http://schemas.openxmlformats.org/presentationml/2006/main" xmlns:c="http://schemas.openxmlformats.org/drawingml/2006/chart" xmlns:dgm="http://schemas.openxmlformats.org/drawingml/2006/diagram" xmlns:o="urn:schemas-microsoft-com:office:office" xmlns:v="urn:schemas-microsoft-com:vml" xmlns:pvml="urn:schemas-microsoft-com:office:powerpoint" xmlns:com="http://schemas.openxmlformats.org/drawingml/2006/compatibility" xmlns:p14="http://schemas.microsoft.com/office/powerpoint/2010/main" xmlns:p15="http://schemas.microsoft.com/office/powerpoint/2012/main" showMasterPhAnim="0" showMasterSp="0">
+<file path=ppt/notesSlides/notesSlide5.xml><?xml version="1.0" encoding="utf-8"?>
+<p:notes xmlns:a="http://schemas.openxmlformats.org/drawingml/2006/main" xmlns:r="http://schemas.openxmlformats.org/officeDocument/2006/relationships" xmlns:p="http://schemas.openxmlformats.org/presentationml/2006/main" showMasterSp="0" showMasterPhAnim="0">
   <p:cSld>
     <p:spTree>
       <p:nvGrpSpPr>
-        <p:cNvPr id="57" name="Shape 57"/>
+        <p:cNvPr id="1" name="Shape 57"/>
         <p:cNvGrpSpPr/>
         <p:nvPr/>
       </p:nvGrpSpPr>
@@ -791,19 +1343,26 @@
       <p:sp>
         <p:nvSpPr>
           <p:cNvPr id="58" name="Shape 58"/>
-          <p:cNvSpPr/>
+          <p:cNvSpPr>
+            <a:spLocks noGrp="1" noRot="1" noChangeAspect="1"/>
+          </p:cNvSpPr>
           <p:nvPr>
-            <p:ph idx="2" type="sldImg"/>
+            <p:ph type="sldImg" idx="2"/>
           </p:nvPr>
         </p:nvSpPr>
         <p:spPr>
           <a:xfrm>
-            <a:off x="381300" y="685800"/>
+            <a:off x="381000" y="685800"/>
             <a:ext cx="6096000" cy="3429000"/>
           </a:xfrm>
           <a:custGeom>
+            <a:avLst/>
+            <a:gdLst/>
+            <a:ahLst/>
+            <a:cxnLst/>
+            <a:rect l="0" t="0" r="0" b="0"/>
             <a:pathLst>
-              <a:path extrusionOk="0" h="120000" w="120000">
+              <a:path w="120000" h="120000" extrusionOk="0">
                 <a:moveTo>
                   <a:pt x="0" y="0"/>
                 </a:moveTo>
@@ -825,9 +1384,11 @@
       <p:sp>
         <p:nvSpPr>
           <p:cNvPr id="59" name="Shape 59"/>
-          <p:cNvSpPr txBox="1"/>
+          <p:cNvSpPr txBox="1">
+            <a:spLocks noGrp="1"/>
+          </p:cNvSpPr>
           <p:nvPr>
-            <p:ph idx="1" type="body"/>
+            <p:ph type="body" idx="1"/>
           </p:nvPr>
         </p:nvSpPr>
         <p:spPr>
@@ -840,12 +1401,12 @@
           </a:prstGeom>
         </p:spPr>
         <p:txBody>
-          <a:bodyPr anchorCtr="0" anchor="t" bIns="91425" lIns="91425" spcFirstLastPara="1" rIns="91425" wrap="square" tIns="91425">
+          <a:bodyPr spcFirstLastPara="1" wrap="square" lIns="91425" tIns="91425" rIns="91425" bIns="91425" anchor="t" anchorCtr="0">
             <a:noAutofit/>
           </a:bodyPr>
           <a:lstStyle/>
           <a:p>
-            <a:pPr indent="0" lvl="0" marL="0" rtl="0">
+            <a:pPr marL="0" lvl="0" indent="0" rtl="0">
               <a:spcBef>
                 <a:spcPts val="0"/>
               </a:spcBef>
@@ -854,9 +1415,6 @@
               </a:spcAft>
               <a:buNone/>
             </a:pPr>
-            <a:r>
-              <a:t/>
-            </a:r>
             <a:endParaRPr/>
           </a:p>
         </p:txBody>
@@ -869,12 +1427,12 @@
 </p:notes>
 </file>
 
-<file path=ppt/notesSlides/notesSlide3.xml><?xml version="1.0" encoding="utf-8"?>
-<p:notes xmlns:a="http://schemas.openxmlformats.org/drawingml/2006/main" xmlns:r="http://schemas.openxmlformats.org/officeDocument/2006/relationships" xmlns:mc="http://schemas.openxmlformats.org/markup-compatibility/2006" xmlns:mv="urn:schemas-microsoft-com:mac:vml" xmlns:p="http://schemas.openxmlformats.org/presentationml/2006/main" xmlns:c="http://schemas.openxmlformats.org/drawingml/2006/chart" xmlns:dgm="http://schemas.openxmlformats.org/drawingml/2006/diagram" xmlns:o="urn:schemas-microsoft-com:office:office" xmlns:v="urn:schemas-microsoft-com:vml" xmlns:pvml="urn:schemas-microsoft-com:office:powerpoint" xmlns:com="http://schemas.openxmlformats.org/drawingml/2006/compatibility" xmlns:p14="http://schemas.microsoft.com/office/powerpoint/2010/main" xmlns:p15="http://schemas.microsoft.com/office/powerpoint/2012/main" showMasterPhAnim="0" showMasterSp="0">
+<file path=ppt/notesSlides/notesSlide6.xml><?xml version="1.0" encoding="utf-8"?>
+<p:notes xmlns:a="http://schemas.openxmlformats.org/drawingml/2006/main" xmlns:r="http://schemas.openxmlformats.org/officeDocument/2006/relationships" xmlns:p="http://schemas.openxmlformats.org/presentationml/2006/main" showMasterSp="0" showMasterPhAnim="0">
   <p:cSld>
     <p:spTree>
       <p:nvGrpSpPr>
-        <p:cNvPr id="63" name="Shape 63"/>
+        <p:cNvPr id="1" name="Shape 63"/>
         <p:cNvGrpSpPr/>
         <p:nvPr/>
       </p:nvGrpSpPr>
@@ -889,19 +1447,26 @@
       <p:sp>
         <p:nvSpPr>
           <p:cNvPr id="64" name="Shape 64"/>
-          <p:cNvSpPr/>
+          <p:cNvSpPr>
+            <a:spLocks noGrp="1" noRot="1" noChangeAspect="1"/>
+          </p:cNvSpPr>
           <p:nvPr>
-            <p:ph idx="2" type="sldImg"/>
+            <p:ph type="sldImg" idx="2"/>
           </p:nvPr>
         </p:nvSpPr>
         <p:spPr>
           <a:xfrm>
-            <a:off x="381300" y="685800"/>
+            <a:off x="381000" y="685800"/>
             <a:ext cx="6096000" cy="3429000"/>
           </a:xfrm>
           <a:custGeom>
+            <a:avLst/>
+            <a:gdLst/>
+            <a:ahLst/>
+            <a:cxnLst/>
+            <a:rect l="0" t="0" r="0" b="0"/>
             <a:pathLst>
-              <a:path extrusionOk="0" h="120000" w="120000">
+              <a:path w="120000" h="120000" extrusionOk="0">
                 <a:moveTo>
                   <a:pt x="0" y="0"/>
                 </a:moveTo>
@@ -923,9 +1488,11 @@
       <p:sp>
         <p:nvSpPr>
           <p:cNvPr id="65" name="Shape 65"/>
-          <p:cNvSpPr txBox="1"/>
+          <p:cNvSpPr txBox="1">
+            <a:spLocks noGrp="1"/>
+          </p:cNvSpPr>
           <p:nvPr>
-            <p:ph idx="1" type="body"/>
+            <p:ph type="body" idx="1"/>
           </p:nvPr>
         </p:nvSpPr>
         <p:spPr>
@@ -938,12 +1505,12 @@
           </a:prstGeom>
         </p:spPr>
         <p:txBody>
-          <a:bodyPr anchorCtr="0" anchor="t" bIns="91425" lIns="91425" spcFirstLastPara="1" rIns="91425" wrap="square" tIns="91425">
+          <a:bodyPr spcFirstLastPara="1" wrap="square" lIns="91425" tIns="91425" rIns="91425" bIns="91425" anchor="t" anchorCtr="0">
             <a:noAutofit/>
           </a:bodyPr>
           <a:lstStyle/>
           <a:p>
-            <a:pPr indent="0" lvl="0" marL="0" rtl="0">
+            <a:pPr marL="0" lvl="0" indent="0" rtl="0">
               <a:spcBef>
                 <a:spcPts val="0"/>
               </a:spcBef>
@@ -952,9 +1519,6 @@
               </a:spcAft>
               <a:buNone/>
             </a:pPr>
-            <a:r>
-              <a:t/>
-            </a:r>
             <a:endParaRPr/>
           </a:p>
         </p:txBody>
@@ -967,12 +1531,12 @@
 </p:notes>
 </file>
 
-<file path=ppt/notesSlides/notesSlide4.xml><?xml version="1.0" encoding="utf-8"?>
-<p:notes xmlns:a="http://schemas.openxmlformats.org/drawingml/2006/main" xmlns:r="http://schemas.openxmlformats.org/officeDocument/2006/relationships" xmlns:mc="http://schemas.openxmlformats.org/markup-compatibility/2006" xmlns:mv="urn:schemas-microsoft-com:mac:vml" xmlns:p="http://schemas.openxmlformats.org/presentationml/2006/main" xmlns:c="http://schemas.openxmlformats.org/drawingml/2006/chart" xmlns:dgm="http://schemas.openxmlformats.org/drawingml/2006/diagram" xmlns:o="urn:schemas-microsoft-com:office:office" xmlns:v="urn:schemas-microsoft-com:vml" xmlns:pvml="urn:schemas-microsoft-com:office:powerpoint" xmlns:com="http://schemas.openxmlformats.org/drawingml/2006/compatibility" xmlns:p14="http://schemas.microsoft.com/office/powerpoint/2010/main" xmlns:p15="http://schemas.microsoft.com/office/powerpoint/2012/main" showMasterPhAnim="0" showMasterSp="0">
+<file path=ppt/notesSlides/notesSlide7.xml><?xml version="1.0" encoding="utf-8"?>
+<p:notes xmlns:a="http://schemas.openxmlformats.org/drawingml/2006/main" xmlns:r="http://schemas.openxmlformats.org/officeDocument/2006/relationships" xmlns:p="http://schemas.openxmlformats.org/presentationml/2006/main" showMasterSp="0" showMasterPhAnim="0">
   <p:cSld>
     <p:spTree>
       <p:nvGrpSpPr>
-        <p:cNvPr id="69" name="Shape 69"/>
+        <p:cNvPr id="1" name="Shape 69"/>
         <p:cNvGrpSpPr/>
         <p:nvPr/>
       </p:nvGrpSpPr>
@@ -987,19 +1551,26 @@
       <p:sp>
         <p:nvSpPr>
           <p:cNvPr id="70" name="Shape 70"/>
-          <p:cNvSpPr/>
+          <p:cNvSpPr>
+            <a:spLocks noGrp="1" noRot="1" noChangeAspect="1"/>
+          </p:cNvSpPr>
           <p:nvPr>
-            <p:ph idx="2" type="sldImg"/>
+            <p:ph type="sldImg" idx="2"/>
           </p:nvPr>
         </p:nvSpPr>
         <p:spPr>
           <a:xfrm>
-            <a:off x="381300" y="685800"/>
+            <a:off x="381000" y="685800"/>
             <a:ext cx="6096000" cy="3429000"/>
           </a:xfrm>
           <a:custGeom>
+            <a:avLst/>
+            <a:gdLst/>
+            <a:ahLst/>
+            <a:cxnLst/>
+            <a:rect l="0" t="0" r="0" b="0"/>
             <a:pathLst>
-              <a:path extrusionOk="0" h="120000" w="120000">
+              <a:path w="120000" h="120000" extrusionOk="0">
                 <a:moveTo>
                   <a:pt x="0" y="0"/>
                 </a:moveTo>
@@ -1021,9 +1592,11 @@
       <p:sp>
         <p:nvSpPr>
           <p:cNvPr id="71" name="Shape 71"/>
-          <p:cNvSpPr txBox="1"/>
+          <p:cNvSpPr txBox="1">
+            <a:spLocks noGrp="1"/>
+          </p:cNvSpPr>
           <p:nvPr>
-            <p:ph idx="1" type="body"/>
+            <p:ph type="body" idx="1"/>
           </p:nvPr>
         </p:nvSpPr>
         <p:spPr>
@@ -1036,12 +1609,12 @@
           </a:prstGeom>
         </p:spPr>
         <p:txBody>
-          <a:bodyPr anchorCtr="0" anchor="t" bIns="91425" lIns="91425" spcFirstLastPara="1" rIns="91425" wrap="square" tIns="91425">
+          <a:bodyPr spcFirstLastPara="1" wrap="square" lIns="91425" tIns="91425" rIns="91425" bIns="91425" anchor="t" anchorCtr="0">
             <a:noAutofit/>
           </a:bodyPr>
           <a:lstStyle/>
           <a:p>
-            <a:pPr indent="0" lvl="0" marL="0" rtl="0">
+            <a:pPr marL="0" lvl="0" indent="0" rtl="0">
               <a:spcBef>
                 <a:spcPts val="0"/>
               </a:spcBef>
@@ -1050,9 +1623,6 @@
               </a:spcAft>
               <a:buNone/>
             </a:pPr>
-            <a:r>
-              <a:t/>
-            </a:r>
             <a:endParaRPr/>
           </a:p>
         </p:txBody>
@@ -1065,12 +1635,12 @@
 </p:notes>
 </file>
 
-<file path=ppt/notesSlides/notesSlide5.xml><?xml version="1.0" encoding="utf-8"?>
-<p:notes xmlns:a="http://schemas.openxmlformats.org/drawingml/2006/main" xmlns:r="http://schemas.openxmlformats.org/officeDocument/2006/relationships" xmlns:mc="http://schemas.openxmlformats.org/markup-compatibility/2006" xmlns:mv="urn:schemas-microsoft-com:mac:vml" xmlns:p="http://schemas.openxmlformats.org/presentationml/2006/main" xmlns:c="http://schemas.openxmlformats.org/drawingml/2006/chart" xmlns:dgm="http://schemas.openxmlformats.org/drawingml/2006/diagram" xmlns:o="urn:schemas-microsoft-com:office:office" xmlns:v="urn:schemas-microsoft-com:vml" xmlns:pvml="urn:schemas-microsoft-com:office:powerpoint" xmlns:com="http://schemas.openxmlformats.org/drawingml/2006/compatibility" xmlns:p14="http://schemas.microsoft.com/office/powerpoint/2010/main" xmlns:p15="http://schemas.microsoft.com/office/powerpoint/2012/main" showMasterPhAnim="0" showMasterSp="0">
+<file path=ppt/notesSlides/notesSlide8.xml><?xml version="1.0" encoding="utf-8"?>
+<p:notes xmlns:a="http://schemas.openxmlformats.org/drawingml/2006/main" xmlns:r="http://schemas.openxmlformats.org/officeDocument/2006/relationships" xmlns:p="http://schemas.openxmlformats.org/presentationml/2006/main" showMasterSp="0" showMasterPhAnim="0">
   <p:cSld>
     <p:spTree>
       <p:nvGrpSpPr>
-        <p:cNvPr id="75" name="Shape 75"/>
+        <p:cNvPr id="1" name="Shape 75"/>
         <p:cNvGrpSpPr/>
         <p:nvPr/>
       </p:nvGrpSpPr>
@@ -1085,19 +1655,26 @@
       <p:sp>
         <p:nvSpPr>
           <p:cNvPr id="76" name="Shape 76"/>
-          <p:cNvSpPr/>
+          <p:cNvSpPr>
+            <a:spLocks noGrp="1" noRot="1" noChangeAspect="1"/>
+          </p:cNvSpPr>
           <p:nvPr>
-            <p:ph idx="2" type="sldImg"/>
+            <p:ph type="sldImg" idx="2"/>
           </p:nvPr>
         </p:nvSpPr>
         <p:spPr>
           <a:xfrm>
-            <a:off x="381300" y="685800"/>
+            <a:off x="381000" y="685800"/>
             <a:ext cx="6096000" cy="3429000"/>
           </a:xfrm>
           <a:custGeom>
+            <a:avLst/>
+            <a:gdLst/>
+            <a:ahLst/>
+            <a:cxnLst/>
+            <a:rect l="0" t="0" r="0" b="0"/>
             <a:pathLst>
-              <a:path extrusionOk="0" h="120000" w="120000">
+              <a:path w="120000" h="120000" extrusionOk="0">
                 <a:moveTo>
                   <a:pt x="0" y="0"/>
                 </a:moveTo>
@@ -1119,9 +1696,11 @@
       <p:sp>
         <p:nvSpPr>
           <p:cNvPr id="77" name="Shape 77"/>
-          <p:cNvSpPr txBox="1"/>
+          <p:cNvSpPr txBox="1">
+            <a:spLocks noGrp="1"/>
+          </p:cNvSpPr>
           <p:nvPr>
-            <p:ph idx="1" type="body"/>
+            <p:ph type="body" idx="1"/>
           </p:nvPr>
         </p:nvSpPr>
         <p:spPr>
@@ -1134,12 +1713,12 @@
           </a:prstGeom>
         </p:spPr>
         <p:txBody>
-          <a:bodyPr anchorCtr="0" anchor="t" bIns="91425" lIns="91425" spcFirstLastPara="1" rIns="91425" wrap="square" tIns="91425">
+          <a:bodyPr spcFirstLastPara="1" wrap="square" lIns="91425" tIns="91425" rIns="91425" bIns="91425" anchor="t" anchorCtr="0">
             <a:noAutofit/>
           </a:bodyPr>
           <a:lstStyle/>
           <a:p>
-            <a:pPr indent="0" lvl="0" marL="0" rtl="0">
+            <a:pPr marL="0" lvl="0" indent="0" rtl="0">
               <a:spcBef>
                 <a:spcPts val="0"/>
               </a:spcBef>
@@ -1148,9 +1727,6 @@
               </a:spcAft>
               <a:buNone/>
             </a:pPr>
-            <a:r>
-              <a:t/>
-            </a:r>
             <a:endParaRPr/>
           </a:p>
         </p:txBody>
@@ -1163,12 +1739,12 @@
 </p:notes>
 </file>
 
-<file path=ppt/notesSlides/notesSlide6.xml><?xml version="1.0" encoding="utf-8"?>
-<p:notes xmlns:a="http://schemas.openxmlformats.org/drawingml/2006/main" xmlns:r="http://schemas.openxmlformats.org/officeDocument/2006/relationships" xmlns:mc="http://schemas.openxmlformats.org/markup-compatibility/2006" xmlns:mv="urn:schemas-microsoft-com:mac:vml" xmlns:p="http://schemas.openxmlformats.org/presentationml/2006/main" xmlns:c="http://schemas.openxmlformats.org/drawingml/2006/chart" xmlns:dgm="http://schemas.openxmlformats.org/drawingml/2006/diagram" xmlns:o="urn:schemas-microsoft-com:office:office" xmlns:v="urn:schemas-microsoft-com:vml" xmlns:pvml="urn:schemas-microsoft-com:office:powerpoint" xmlns:com="http://schemas.openxmlformats.org/drawingml/2006/compatibility" xmlns:p14="http://schemas.microsoft.com/office/powerpoint/2010/main" xmlns:p15="http://schemas.microsoft.com/office/powerpoint/2012/main" showMasterPhAnim="0" showMasterSp="0">
+<file path=ppt/notesSlides/notesSlide9.xml><?xml version="1.0" encoding="utf-8"?>
+<p:notes xmlns:a="http://schemas.openxmlformats.org/drawingml/2006/main" xmlns:r="http://schemas.openxmlformats.org/officeDocument/2006/relationships" xmlns:p="http://schemas.openxmlformats.org/presentationml/2006/main" showMasterSp="0" showMasterPhAnim="0">
   <p:cSld>
     <p:spTree>
       <p:nvGrpSpPr>
-        <p:cNvPr id="81" name="Shape 81"/>
+        <p:cNvPr id="1" name="Shape 81"/>
         <p:cNvGrpSpPr/>
         <p:nvPr/>
       </p:nvGrpSpPr>
@@ -1183,19 +1759,26 @@
       <p:sp>
         <p:nvSpPr>
           <p:cNvPr id="82" name="Shape 82"/>
-          <p:cNvSpPr/>
+          <p:cNvSpPr>
+            <a:spLocks noGrp="1" noRot="1" noChangeAspect="1"/>
+          </p:cNvSpPr>
           <p:nvPr>
-            <p:ph idx="2" type="sldImg"/>
+            <p:ph type="sldImg" idx="2"/>
           </p:nvPr>
         </p:nvSpPr>
         <p:spPr>
           <a:xfrm>
-            <a:off x="381300" y="685800"/>
+            <a:off x="381000" y="685800"/>
             <a:ext cx="6096000" cy="3429000"/>
           </a:xfrm>
           <a:custGeom>
+            <a:avLst/>
+            <a:gdLst/>
+            <a:ahLst/>
+            <a:cxnLst/>
+            <a:rect l="0" t="0" r="0" b="0"/>
             <a:pathLst>
-              <a:path extrusionOk="0" h="120000" w="120000">
+              <a:path w="120000" h="120000" extrusionOk="0">
                 <a:moveTo>
                   <a:pt x="0" y="0"/>
                 </a:moveTo>
@@ -1217,9 +1800,11 @@
       <p:sp>
         <p:nvSpPr>
           <p:cNvPr id="83" name="Shape 83"/>
-          <p:cNvSpPr txBox="1"/>
+          <p:cNvSpPr txBox="1">
+            <a:spLocks noGrp="1"/>
+          </p:cNvSpPr>
           <p:nvPr>
-            <p:ph idx="1" type="body"/>
+            <p:ph type="body" idx="1"/>
           </p:nvPr>
         </p:nvSpPr>
         <p:spPr>
@@ -1232,12 +1817,12 @@
           </a:prstGeom>
         </p:spPr>
         <p:txBody>
-          <a:bodyPr anchorCtr="0" anchor="t" bIns="91425" lIns="91425" spcFirstLastPara="1" rIns="91425" wrap="square" tIns="91425">
+          <a:bodyPr spcFirstLastPara="1" wrap="square" lIns="91425" tIns="91425" rIns="91425" bIns="91425" anchor="t" anchorCtr="0">
             <a:noAutofit/>
           </a:bodyPr>
           <a:lstStyle/>
           <a:p>
-            <a:pPr indent="0" lvl="0" marL="0" rtl="0">
+            <a:pPr marL="0" lvl="0" indent="0" rtl="0">
               <a:spcBef>
                 <a:spcPts val="0"/>
               </a:spcBef>
@@ -1246,107 +1831,6 @@
               </a:spcAft>
               <a:buNone/>
             </a:pPr>
-            <a:r>
-              <a:t/>
-            </a:r>
-            <a:endParaRPr/>
-          </a:p>
-        </p:txBody>
-      </p:sp>
-    </p:spTree>
-  </p:cSld>
-  <p:clrMapOvr>
-    <a:masterClrMapping/>
-  </p:clrMapOvr>
-</p:notes>
-</file>
-
-<file path=ppt/notesSlides/notesSlide7.xml><?xml version="1.0" encoding="utf-8"?>
-<p:notes xmlns:a="http://schemas.openxmlformats.org/drawingml/2006/main" xmlns:r="http://schemas.openxmlformats.org/officeDocument/2006/relationships" xmlns:mc="http://schemas.openxmlformats.org/markup-compatibility/2006" xmlns:mv="urn:schemas-microsoft-com:mac:vml" xmlns:p="http://schemas.openxmlformats.org/presentationml/2006/main" xmlns:c="http://schemas.openxmlformats.org/drawingml/2006/chart" xmlns:dgm="http://schemas.openxmlformats.org/drawingml/2006/diagram" xmlns:o="urn:schemas-microsoft-com:office:office" xmlns:v="urn:schemas-microsoft-com:vml" xmlns:pvml="urn:schemas-microsoft-com:office:powerpoint" xmlns:com="http://schemas.openxmlformats.org/drawingml/2006/compatibility" xmlns:p14="http://schemas.microsoft.com/office/powerpoint/2010/main" xmlns:p15="http://schemas.microsoft.com/office/powerpoint/2012/main" showMasterPhAnim="0" showMasterSp="0">
-  <p:cSld>
-    <p:spTree>
-      <p:nvGrpSpPr>
-        <p:cNvPr id="87" name="Shape 87"/>
-        <p:cNvGrpSpPr/>
-        <p:nvPr/>
-      </p:nvGrpSpPr>
-      <p:grpSpPr>
-        <a:xfrm>
-          <a:off x="0" y="0"/>
-          <a:ext cx="0" cy="0"/>
-          <a:chOff x="0" y="0"/>
-          <a:chExt cx="0" cy="0"/>
-        </a:xfrm>
-      </p:grpSpPr>
-      <p:sp>
-        <p:nvSpPr>
-          <p:cNvPr id="88" name="Shape 88"/>
-          <p:cNvSpPr/>
-          <p:nvPr>
-            <p:ph idx="2" type="sldImg"/>
-          </p:nvPr>
-        </p:nvSpPr>
-        <p:spPr>
-          <a:xfrm>
-            <a:off x="381300" y="685800"/>
-            <a:ext cx="6096000" cy="3429000"/>
-          </a:xfrm>
-          <a:custGeom>
-            <a:pathLst>
-              <a:path extrusionOk="0" h="120000" w="120000">
-                <a:moveTo>
-                  <a:pt x="0" y="0"/>
-                </a:moveTo>
-                <a:lnTo>
-                  <a:pt x="120000" y="0"/>
-                </a:lnTo>
-                <a:lnTo>
-                  <a:pt x="120000" y="120000"/>
-                </a:lnTo>
-                <a:lnTo>
-                  <a:pt x="0" y="120000"/>
-                </a:lnTo>
-                <a:close/>
-              </a:path>
-            </a:pathLst>
-          </a:custGeom>
-        </p:spPr>
-      </p:sp>
-      <p:sp>
-        <p:nvSpPr>
-          <p:cNvPr id="89" name="Shape 89"/>
-          <p:cNvSpPr txBox="1"/>
-          <p:nvPr>
-            <p:ph idx="1" type="body"/>
-          </p:nvPr>
-        </p:nvSpPr>
-        <p:spPr>
-          <a:xfrm>
-            <a:off x="685800" y="4343400"/>
-            <a:ext cx="5486400" cy="4114800"/>
-          </a:xfrm>
-          <a:prstGeom prst="rect">
-            <a:avLst/>
-          </a:prstGeom>
-        </p:spPr>
-        <p:txBody>
-          <a:bodyPr anchorCtr="0" anchor="t" bIns="91425" lIns="91425" spcFirstLastPara="1" rIns="91425" wrap="square" tIns="91425">
-            <a:noAutofit/>
-          </a:bodyPr>
-          <a:lstStyle/>
-          <a:p>
-            <a:pPr indent="0" lvl="0" marL="0" rtl="0">
-              <a:spcBef>
-                <a:spcPts val="0"/>
-              </a:spcBef>
-              <a:spcAft>
-                <a:spcPts val="0"/>
-              </a:spcAft>
-              <a:buNone/>
-            </a:pPr>
-            <a:r>
-              <a:t/>
-            </a:r>
             <a:endParaRPr/>
           </a:p>
         </p:txBody>
@@ -1360,11 +1844,11 @@
 </file>
 
 <file path=ppt/slideLayouts/slideLayout1.xml><?xml version="1.0" encoding="utf-8"?>
-<p:sldLayout xmlns:a="http://schemas.openxmlformats.org/drawingml/2006/main" xmlns:r="http://schemas.openxmlformats.org/officeDocument/2006/relationships" xmlns:mc="http://schemas.openxmlformats.org/markup-compatibility/2006" xmlns:mv="urn:schemas-microsoft-com:mac:vml" xmlns:p="http://schemas.openxmlformats.org/presentationml/2006/main" xmlns:c="http://schemas.openxmlformats.org/drawingml/2006/chart" xmlns:dgm="http://schemas.openxmlformats.org/drawingml/2006/diagram" xmlns:o="urn:schemas-microsoft-com:office:office" xmlns:v="urn:schemas-microsoft-com:vml" xmlns:pvml="urn:schemas-microsoft-com:office:powerpoint" xmlns:com="http://schemas.openxmlformats.org/drawingml/2006/compatibility" xmlns:p14="http://schemas.microsoft.com/office/powerpoint/2010/main" xmlns:p15="http://schemas.microsoft.com/office/powerpoint/2012/main" matchingName="Title slide" type="title">
+<p:sldLayout xmlns:a="http://schemas.openxmlformats.org/drawingml/2006/main" xmlns:r="http://schemas.openxmlformats.org/officeDocument/2006/relationships" xmlns:p="http://schemas.openxmlformats.org/presentationml/2006/main" matchingName="Title slide" type="title">
   <p:cSld name="TITLE">
     <p:spTree>
       <p:nvGrpSpPr>
-        <p:cNvPr id="9" name="Shape 9"/>
+        <p:cNvPr id="1" name="Shape 9"/>
         <p:cNvGrpSpPr/>
         <p:nvPr/>
       </p:nvGrpSpPr>
@@ -1379,7 +1863,9 @@
       <p:sp>
         <p:nvSpPr>
           <p:cNvPr id="10" name="Shape 10"/>
-          <p:cNvSpPr txBox="1"/>
+          <p:cNvSpPr txBox="1">
+            <a:spLocks noGrp="1"/>
+          </p:cNvSpPr>
           <p:nvPr>
             <p:ph type="ctrTitle"/>
           </p:nvPr>
@@ -1394,7 +1880,7 @@
           </a:prstGeom>
         </p:spPr>
         <p:txBody>
-          <a:bodyPr anchorCtr="0" anchor="b" bIns="91425" lIns="91425" spcFirstLastPara="1" rIns="91425" wrap="square" tIns="91425"/>
+          <a:bodyPr spcFirstLastPara="1" wrap="square" lIns="91425" tIns="91425" rIns="91425" bIns="91425" anchor="b" anchorCtr="0"/>
           <a:lstStyle>
             <a:lvl1pPr lvl="0" algn="ctr">
               <a:spcBef>
@@ -1496,15 +1982,19 @@
               <a:defRPr sz="5200"/>
             </a:lvl9pPr>
           </a:lstStyle>
-          <a:p/>
+          <a:p>
+            <a:endParaRPr/>
+          </a:p>
         </p:txBody>
       </p:sp>
       <p:sp>
         <p:nvSpPr>
           <p:cNvPr id="11" name="Shape 11"/>
-          <p:cNvSpPr txBox="1"/>
+          <p:cNvSpPr txBox="1">
+            <a:spLocks noGrp="1"/>
+          </p:cNvSpPr>
           <p:nvPr>
-            <p:ph idx="1" type="subTitle"/>
+            <p:ph type="subTitle" idx="1"/>
           </p:nvPr>
         </p:nvSpPr>
         <p:spPr>
@@ -1517,7 +2007,7 @@
           </a:prstGeom>
         </p:spPr>
         <p:txBody>
-          <a:bodyPr anchorCtr="0" anchor="t" bIns="91425" lIns="91425" spcFirstLastPara="1" rIns="91425" wrap="square" tIns="91425"/>
+          <a:bodyPr spcFirstLastPara="1" wrap="square" lIns="91425" tIns="91425" rIns="91425" bIns="91425" anchor="t" anchorCtr="0"/>
           <a:lstStyle>
             <a:lvl1pPr lvl="0" algn="ctr">
               <a:lnSpc>
@@ -1646,15 +2136,19 @@
               <a:defRPr sz="2800"/>
             </a:lvl9pPr>
           </a:lstStyle>
-          <a:p/>
+          <a:p>
+            <a:endParaRPr/>
+          </a:p>
         </p:txBody>
       </p:sp>
       <p:sp>
         <p:nvSpPr>
           <p:cNvPr id="12" name="Shape 12"/>
-          <p:cNvSpPr txBox="1"/>
+          <p:cNvSpPr txBox="1">
+            <a:spLocks noGrp="1"/>
+          </p:cNvSpPr>
           <p:nvPr>
-            <p:ph idx="12" type="sldNum"/>
+            <p:ph type="sldNum" idx="12"/>
           </p:nvPr>
         </p:nvSpPr>
         <p:spPr>
@@ -1667,7 +2161,7 @@
           </a:prstGeom>
         </p:spPr>
         <p:txBody>
-          <a:bodyPr anchorCtr="0" anchor="ctr" bIns="91425" lIns="91425" spcFirstLastPara="1" rIns="91425" wrap="square" tIns="91425">
+          <a:bodyPr spcFirstLastPara="1" wrap="square" lIns="91425" tIns="91425" rIns="91425" bIns="91425" anchor="ctr" anchorCtr="0">
             <a:noAutofit/>
           </a:bodyPr>
           <a:lstStyle>
@@ -1709,7 +2203,7 @@
             </a:lvl9pPr>
           </a:lstStyle>
           <a:p>
-            <a:pPr indent="0" lvl="0" marL="0">
+            <a:pPr marL="0" lvl="0" indent="0">
               <a:spcBef>
                 <a:spcPts val="0"/>
               </a:spcBef>
@@ -1735,11 +2229,11 @@
 </file>
 
 <file path=ppt/slideLayouts/slideLayout10.xml><?xml version="1.0" encoding="utf-8"?>
-<p:sldLayout xmlns:a="http://schemas.openxmlformats.org/drawingml/2006/main" xmlns:r="http://schemas.openxmlformats.org/officeDocument/2006/relationships" xmlns:mc="http://schemas.openxmlformats.org/markup-compatibility/2006" xmlns:mv="urn:schemas-microsoft-com:mac:vml" xmlns:p="http://schemas.openxmlformats.org/presentationml/2006/main" xmlns:c="http://schemas.openxmlformats.org/drawingml/2006/chart" xmlns:dgm="http://schemas.openxmlformats.org/drawingml/2006/diagram" xmlns:o="urn:schemas-microsoft-com:office:office" xmlns:v="urn:schemas-microsoft-com:vml" xmlns:pvml="urn:schemas-microsoft-com:office:powerpoint" xmlns:com="http://schemas.openxmlformats.org/drawingml/2006/compatibility" xmlns:p14="http://schemas.microsoft.com/office/powerpoint/2010/main" xmlns:p15="http://schemas.microsoft.com/office/powerpoint/2012/main" matchingName="Big number">
+<p:sldLayout xmlns:a="http://schemas.openxmlformats.org/drawingml/2006/main" xmlns:r="http://schemas.openxmlformats.org/officeDocument/2006/relationships" xmlns:p="http://schemas.openxmlformats.org/presentationml/2006/main" matchingName="Big number">
   <p:cSld name="BIG_NUMBER">
     <p:spTree>
       <p:nvGrpSpPr>
-        <p:cNvPr id="44" name="Shape 44"/>
+        <p:cNvPr id="1" name="Shape 44"/>
         <p:cNvGrpSpPr/>
         <p:nvPr/>
       </p:nvGrpSpPr>
@@ -1754,7 +2248,9 @@
       <p:sp>
         <p:nvSpPr>
           <p:cNvPr id="45" name="Shape 45"/>
-          <p:cNvSpPr txBox="1"/>
+          <p:cNvSpPr txBox="1">
+            <a:spLocks noGrp="1"/>
+          </p:cNvSpPr>
           <p:nvPr>
             <p:ph type="title"/>
           </p:nvPr>
@@ -1769,7 +2265,7 @@
           </a:prstGeom>
         </p:spPr>
         <p:txBody>
-          <a:bodyPr anchorCtr="0" anchor="b" bIns="91425" lIns="91425" spcFirstLastPara="1" rIns="91425" wrap="square" tIns="91425"/>
+          <a:bodyPr spcFirstLastPara="1" wrap="square" lIns="91425" tIns="91425" rIns="91425" bIns="91425" anchor="b" anchorCtr="0"/>
           <a:lstStyle>
             <a:lvl1pPr lvl="0" algn="ctr">
               <a:spcBef>
@@ -1871,15 +2367,19 @@
               <a:defRPr sz="12000"/>
             </a:lvl9pPr>
           </a:lstStyle>
-          <a:p/>
+          <a:p>
+            <a:endParaRPr/>
+          </a:p>
         </p:txBody>
       </p:sp>
       <p:sp>
         <p:nvSpPr>
           <p:cNvPr id="46" name="Shape 46"/>
-          <p:cNvSpPr txBox="1"/>
+          <p:cNvSpPr txBox="1">
+            <a:spLocks noGrp="1"/>
+          </p:cNvSpPr>
           <p:nvPr>
-            <p:ph idx="1" type="body"/>
+            <p:ph type="body" idx="1"/>
           </p:nvPr>
         </p:nvSpPr>
         <p:spPr>
@@ -1892,9 +2392,9 @@
           </a:prstGeom>
         </p:spPr>
         <p:txBody>
-          <a:bodyPr anchorCtr="0" anchor="t" bIns="91425" lIns="91425" spcFirstLastPara="1" rIns="91425" wrap="square" tIns="91425"/>
+          <a:bodyPr spcFirstLastPara="1" wrap="square" lIns="91425" tIns="91425" rIns="91425" bIns="91425" anchor="t" anchorCtr="0"/>
           <a:lstStyle>
-            <a:lvl1pPr indent="-342900" lvl="0" marL="457200" algn="ctr">
+            <a:lvl1pPr marL="457200" lvl="0" indent="-342900" algn="ctr">
               <a:spcBef>
                 <a:spcPts val="0"/>
               </a:spcBef>
@@ -1905,7 +2405,7 @@
               <a:buChar char="●"/>
               <a:defRPr/>
             </a:lvl1pPr>
-            <a:lvl2pPr indent="-317500" lvl="1" marL="914400" algn="ctr">
+            <a:lvl2pPr marL="914400" lvl="1" indent="-317500" algn="ctr">
               <a:spcBef>
                 <a:spcPts val="1600"/>
               </a:spcBef>
@@ -1916,7 +2416,7 @@
               <a:buChar char="○"/>
               <a:defRPr/>
             </a:lvl2pPr>
-            <a:lvl3pPr indent="-317500" lvl="2" marL="1371600" algn="ctr">
+            <a:lvl3pPr marL="1371600" lvl="2" indent="-317500" algn="ctr">
               <a:spcBef>
                 <a:spcPts val="1600"/>
               </a:spcBef>
@@ -1927,7 +2427,7 @@
               <a:buChar char="■"/>
               <a:defRPr/>
             </a:lvl3pPr>
-            <a:lvl4pPr indent="-317500" lvl="3" marL="1828800" algn="ctr">
+            <a:lvl4pPr marL="1828800" lvl="3" indent="-317500" algn="ctr">
               <a:spcBef>
                 <a:spcPts val="1600"/>
               </a:spcBef>
@@ -1938,7 +2438,7 @@
               <a:buChar char="●"/>
               <a:defRPr/>
             </a:lvl4pPr>
-            <a:lvl5pPr indent="-317500" lvl="4" marL="2286000" algn="ctr">
+            <a:lvl5pPr marL="2286000" lvl="4" indent="-317500" algn="ctr">
               <a:spcBef>
                 <a:spcPts val="1600"/>
               </a:spcBef>
@@ -1949,7 +2449,7 @@
               <a:buChar char="○"/>
               <a:defRPr/>
             </a:lvl5pPr>
-            <a:lvl6pPr indent="-317500" lvl="5" marL="2743200" algn="ctr">
+            <a:lvl6pPr marL="2743200" lvl="5" indent="-317500" algn="ctr">
               <a:spcBef>
                 <a:spcPts val="1600"/>
               </a:spcBef>
@@ -1960,7 +2460,7 @@
               <a:buChar char="■"/>
               <a:defRPr/>
             </a:lvl6pPr>
-            <a:lvl7pPr indent="-317500" lvl="6" marL="3200400" algn="ctr">
+            <a:lvl7pPr marL="3200400" lvl="6" indent="-317500" algn="ctr">
               <a:spcBef>
                 <a:spcPts val="1600"/>
               </a:spcBef>
@@ -1971,7 +2471,7 @@
               <a:buChar char="●"/>
               <a:defRPr/>
             </a:lvl7pPr>
-            <a:lvl8pPr indent="-317500" lvl="7" marL="3657600" algn="ctr">
+            <a:lvl8pPr marL="3657600" lvl="7" indent="-317500" algn="ctr">
               <a:spcBef>
                 <a:spcPts val="1600"/>
               </a:spcBef>
@@ -1982,7 +2482,7 @@
               <a:buChar char="○"/>
               <a:defRPr/>
             </a:lvl8pPr>
-            <a:lvl9pPr indent="-317500" lvl="8" marL="4114800" algn="ctr">
+            <a:lvl9pPr marL="4114800" lvl="8" indent="-317500" algn="ctr">
               <a:spcBef>
                 <a:spcPts val="1600"/>
               </a:spcBef>
@@ -1994,15 +2494,19 @@
               <a:defRPr/>
             </a:lvl9pPr>
           </a:lstStyle>
-          <a:p/>
+          <a:p>
+            <a:endParaRPr/>
+          </a:p>
         </p:txBody>
       </p:sp>
       <p:sp>
         <p:nvSpPr>
           <p:cNvPr id="47" name="Shape 47"/>
-          <p:cNvSpPr txBox="1"/>
+          <p:cNvSpPr txBox="1">
+            <a:spLocks noGrp="1"/>
+          </p:cNvSpPr>
           <p:nvPr>
-            <p:ph idx="12" type="sldNum"/>
+            <p:ph type="sldNum" idx="12"/>
           </p:nvPr>
         </p:nvSpPr>
         <p:spPr>
@@ -2015,7 +2519,7 @@
           </a:prstGeom>
         </p:spPr>
         <p:txBody>
-          <a:bodyPr anchorCtr="0" anchor="ctr" bIns="91425" lIns="91425" spcFirstLastPara="1" rIns="91425" wrap="square" tIns="91425">
+          <a:bodyPr spcFirstLastPara="1" wrap="square" lIns="91425" tIns="91425" rIns="91425" bIns="91425" anchor="ctr" anchorCtr="0">
             <a:noAutofit/>
           </a:bodyPr>
           <a:lstStyle>
@@ -2057,7 +2561,7 @@
             </a:lvl9pPr>
           </a:lstStyle>
           <a:p>
-            <a:pPr indent="0" lvl="0" marL="0">
+            <a:pPr marL="0" lvl="0" indent="0">
               <a:spcBef>
                 <a:spcPts val="0"/>
               </a:spcBef>
@@ -2083,11 +2587,11 @@
 </file>
 
 <file path=ppt/slideLayouts/slideLayout11.xml><?xml version="1.0" encoding="utf-8"?>
-<p:sldLayout xmlns:a="http://schemas.openxmlformats.org/drawingml/2006/main" xmlns:r="http://schemas.openxmlformats.org/officeDocument/2006/relationships" xmlns:mc="http://schemas.openxmlformats.org/markup-compatibility/2006" xmlns:mv="urn:schemas-microsoft-com:mac:vml" xmlns:p="http://schemas.openxmlformats.org/presentationml/2006/main" xmlns:c="http://schemas.openxmlformats.org/drawingml/2006/chart" xmlns:dgm="http://schemas.openxmlformats.org/drawingml/2006/diagram" xmlns:o="urn:schemas-microsoft-com:office:office" xmlns:v="urn:schemas-microsoft-com:vml" xmlns:pvml="urn:schemas-microsoft-com:office:powerpoint" xmlns:com="http://schemas.openxmlformats.org/drawingml/2006/compatibility" xmlns:p14="http://schemas.microsoft.com/office/powerpoint/2010/main" xmlns:p15="http://schemas.microsoft.com/office/powerpoint/2012/main" matchingName="Blank" type="blank">
+<p:sldLayout xmlns:a="http://schemas.openxmlformats.org/drawingml/2006/main" xmlns:r="http://schemas.openxmlformats.org/officeDocument/2006/relationships" xmlns:p="http://schemas.openxmlformats.org/presentationml/2006/main" matchingName="Blank" type="blank">
   <p:cSld name="BLANK">
     <p:spTree>
       <p:nvGrpSpPr>
-        <p:cNvPr id="48" name="Shape 48"/>
+        <p:cNvPr id="1" name="Shape 48"/>
         <p:cNvGrpSpPr/>
         <p:nvPr/>
       </p:nvGrpSpPr>
@@ -2102,9 +2606,11 @@
       <p:sp>
         <p:nvSpPr>
           <p:cNvPr id="49" name="Shape 49"/>
-          <p:cNvSpPr txBox="1"/>
+          <p:cNvSpPr txBox="1">
+            <a:spLocks noGrp="1"/>
+          </p:cNvSpPr>
           <p:nvPr>
-            <p:ph idx="12" type="sldNum"/>
+            <p:ph type="sldNum" idx="12"/>
           </p:nvPr>
         </p:nvSpPr>
         <p:spPr>
@@ -2117,7 +2623,7 @@
           </a:prstGeom>
         </p:spPr>
         <p:txBody>
-          <a:bodyPr anchorCtr="0" anchor="ctr" bIns="91425" lIns="91425" spcFirstLastPara="1" rIns="91425" wrap="square" tIns="91425">
+          <a:bodyPr spcFirstLastPara="1" wrap="square" lIns="91425" tIns="91425" rIns="91425" bIns="91425" anchor="ctr" anchorCtr="0">
             <a:noAutofit/>
           </a:bodyPr>
           <a:lstStyle>
@@ -2159,7 +2665,7 @@
             </a:lvl9pPr>
           </a:lstStyle>
           <a:p>
-            <a:pPr indent="0" lvl="0" marL="0">
+            <a:pPr marL="0" lvl="0" indent="0">
               <a:spcBef>
                 <a:spcPts val="0"/>
               </a:spcBef>
@@ -2185,11 +2691,11 @@
 </file>
 
 <file path=ppt/slideLayouts/slideLayout2.xml><?xml version="1.0" encoding="utf-8"?>
-<p:sldLayout xmlns:a="http://schemas.openxmlformats.org/drawingml/2006/main" xmlns:r="http://schemas.openxmlformats.org/officeDocument/2006/relationships" xmlns:mc="http://schemas.openxmlformats.org/markup-compatibility/2006" xmlns:mv="urn:schemas-microsoft-com:mac:vml" xmlns:p="http://schemas.openxmlformats.org/presentationml/2006/main" xmlns:c="http://schemas.openxmlformats.org/drawingml/2006/chart" xmlns:dgm="http://schemas.openxmlformats.org/drawingml/2006/diagram" xmlns:o="urn:schemas-microsoft-com:office:office" xmlns:v="urn:schemas-microsoft-com:vml" xmlns:pvml="urn:schemas-microsoft-com:office:powerpoint" xmlns:com="http://schemas.openxmlformats.org/drawingml/2006/compatibility" xmlns:p14="http://schemas.microsoft.com/office/powerpoint/2010/main" xmlns:p15="http://schemas.microsoft.com/office/powerpoint/2012/main" matchingName="Section header" type="secHead">
+<p:sldLayout xmlns:a="http://schemas.openxmlformats.org/drawingml/2006/main" xmlns:r="http://schemas.openxmlformats.org/officeDocument/2006/relationships" xmlns:p="http://schemas.openxmlformats.org/presentationml/2006/main" matchingName="Section header" type="secHead">
   <p:cSld name="SECTION_HEADER">
     <p:spTree>
       <p:nvGrpSpPr>
-        <p:cNvPr id="13" name="Shape 13"/>
+        <p:cNvPr id="1" name="Shape 13"/>
         <p:cNvGrpSpPr/>
         <p:nvPr/>
       </p:nvGrpSpPr>
@@ -2204,7 +2710,9 @@
       <p:sp>
         <p:nvSpPr>
           <p:cNvPr id="14" name="Shape 14"/>
-          <p:cNvSpPr txBox="1"/>
+          <p:cNvSpPr txBox="1">
+            <a:spLocks noGrp="1"/>
+          </p:cNvSpPr>
           <p:nvPr>
             <p:ph type="title"/>
           </p:nvPr>
@@ -2219,7 +2727,7 @@
           </a:prstGeom>
         </p:spPr>
         <p:txBody>
-          <a:bodyPr anchorCtr="0" anchor="ctr" bIns="91425" lIns="91425" spcFirstLastPara="1" rIns="91425" wrap="square" tIns="91425"/>
+          <a:bodyPr spcFirstLastPara="1" wrap="square" lIns="91425" tIns="91425" rIns="91425" bIns="91425" anchor="ctr" anchorCtr="0"/>
           <a:lstStyle>
             <a:lvl1pPr lvl="0" algn="ctr">
               <a:spcBef>
@@ -2321,15 +2829,19 @@
               <a:defRPr sz="3600"/>
             </a:lvl9pPr>
           </a:lstStyle>
-          <a:p/>
+          <a:p>
+            <a:endParaRPr/>
+          </a:p>
         </p:txBody>
       </p:sp>
       <p:sp>
         <p:nvSpPr>
           <p:cNvPr id="15" name="Shape 15"/>
-          <p:cNvSpPr txBox="1"/>
+          <p:cNvSpPr txBox="1">
+            <a:spLocks noGrp="1"/>
+          </p:cNvSpPr>
           <p:nvPr>
-            <p:ph idx="12" type="sldNum"/>
+            <p:ph type="sldNum" idx="12"/>
           </p:nvPr>
         </p:nvSpPr>
         <p:spPr>
@@ -2342,7 +2854,7 @@
           </a:prstGeom>
         </p:spPr>
         <p:txBody>
-          <a:bodyPr anchorCtr="0" anchor="ctr" bIns="91425" lIns="91425" spcFirstLastPara="1" rIns="91425" wrap="square" tIns="91425">
+          <a:bodyPr spcFirstLastPara="1" wrap="square" lIns="91425" tIns="91425" rIns="91425" bIns="91425" anchor="ctr" anchorCtr="0">
             <a:noAutofit/>
           </a:bodyPr>
           <a:lstStyle>
@@ -2384,7 +2896,7 @@
             </a:lvl9pPr>
           </a:lstStyle>
           <a:p>
-            <a:pPr indent="0" lvl="0" marL="0">
+            <a:pPr marL="0" lvl="0" indent="0">
               <a:spcBef>
                 <a:spcPts val="0"/>
               </a:spcBef>
@@ -2410,11 +2922,11 @@
 </file>
 
 <file path=ppt/slideLayouts/slideLayout3.xml><?xml version="1.0" encoding="utf-8"?>
-<p:sldLayout xmlns:a="http://schemas.openxmlformats.org/drawingml/2006/main" xmlns:r="http://schemas.openxmlformats.org/officeDocument/2006/relationships" xmlns:mc="http://schemas.openxmlformats.org/markup-compatibility/2006" xmlns:mv="urn:schemas-microsoft-com:mac:vml" xmlns:p="http://schemas.openxmlformats.org/presentationml/2006/main" xmlns:c="http://schemas.openxmlformats.org/drawingml/2006/chart" xmlns:dgm="http://schemas.openxmlformats.org/drawingml/2006/diagram" xmlns:o="urn:schemas-microsoft-com:office:office" xmlns:v="urn:schemas-microsoft-com:vml" xmlns:pvml="urn:schemas-microsoft-com:office:powerpoint" xmlns:com="http://schemas.openxmlformats.org/drawingml/2006/compatibility" xmlns:p14="http://schemas.microsoft.com/office/powerpoint/2010/main" xmlns:p15="http://schemas.microsoft.com/office/powerpoint/2012/main" matchingName="Title and body" type="tx">
+<p:sldLayout xmlns:a="http://schemas.openxmlformats.org/drawingml/2006/main" xmlns:r="http://schemas.openxmlformats.org/officeDocument/2006/relationships" xmlns:p="http://schemas.openxmlformats.org/presentationml/2006/main" matchingName="Title and body" type="tx">
   <p:cSld name="TITLE_AND_BODY">
     <p:spTree>
       <p:nvGrpSpPr>
-        <p:cNvPr id="16" name="Shape 16"/>
+        <p:cNvPr id="1" name="Shape 16"/>
         <p:cNvGrpSpPr/>
         <p:nvPr/>
       </p:nvGrpSpPr>
@@ -2429,7 +2941,9 @@
       <p:sp>
         <p:nvSpPr>
           <p:cNvPr id="17" name="Shape 17"/>
-          <p:cNvSpPr txBox="1"/>
+          <p:cNvSpPr txBox="1">
+            <a:spLocks noGrp="1"/>
+          </p:cNvSpPr>
           <p:nvPr>
             <p:ph type="title"/>
           </p:nvPr>
@@ -2444,7 +2958,7 @@
           </a:prstGeom>
         </p:spPr>
         <p:txBody>
-          <a:bodyPr anchorCtr="0" anchor="t" bIns="91425" lIns="91425" spcFirstLastPara="1" rIns="91425" wrap="square" tIns="91425"/>
+          <a:bodyPr spcFirstLastPara="1" wrap="square" lIns="91425" tIns="91425" rIns="91425" bIns="91425" anchor="t" anchorCtr="0"/>
           <a:lstStyle>
             <a:lvl1pPr lvl="0">
               <a:spcBef>
@@ -2546,15 +3060,19 @@
               <a:defRPr/>
             </a:lvl9pPr>
           </a:lstStyle>
-          <a:p/>
+          <a:p>
+            <a:endParaRPr/>
+          </a:p>
         </p:txBody>
       </p:sp>
       <p:sp>
         <p:nvSpPr>
           <p:cNvPr id="18" name="Shape 18"/>
-          <p:cNvSpPr txBox="1"/>
+          <p:cNvSpPr txBox="1">
+            <a:spLocks noGrp="1"/>
+          </p:cNvSpPr>
           <p:nvPr>
-            <p:ph idx="1" type="body"/>
+            <p:ph type="body" idx="1"/>
           </p:nvPr>
         </p:nvSpPr>
         <p:spPr>
@@ -2567,9 +3085,9 @@
           </a:prstGeom>
         </p:spPr>
         <p:txBody>
-          <a:bodyPr anchorCtr="0" anchor="t" bIns="91425" lIns="91425" spcFirstLastPara="1" rIns="91425" wrap="square" tIns="91425"/>
+          <a:bodyPr spcFirstLastPara="1" wrap="square" lIns="91425" tIns="91425" rIns="91425" bIns="91425" anchor="t" anchorCtr="0"/>
           <a:lstStyle>
-            <a:lvl1pPr indent="-342900" lvl="0" marL="457200">
+            <a:lvl1pPr marL="457200" lvl="0" indent="-342900">
               <a:spcBef>
                 <a:spcPts val="0"/>
               </a:spcBef>
@@ -2580,7 +3098,7 @@
               <a:buChar char="●"/>
               <a:defRPr/>
             </a:lvl1pPr>
-            <a:lvl2pPr indent="-317500" lvl="1" marL="914400">
+            <a:lvl2pPr marL="914400" lvl="1" indent="-317500">
               <a:spcBef>
                 <a:spcPts val="1600"/>
               </a:spcBef>
@@ -2591,7 +3109,7 @@
               <a:buChar char="○"/>
               <a:defRPr/>
             </a:lvl2pPr>
-            <a:lvl3pPr indent="-317500" lvl="2" marL="1371600">
+            <a:lvl3pPr marL="1371600" lvl="2" indent="-317500">
               <a:spcBef>
                 <a:spcPts val="1600"/>
               </a:spcBef>
@@ -2602,7 +3120,7 @@
               <a:buChar char="■"/>
               <a:defRPr/>
             </a:lvl3pPr>
-            <a:lvl4pPr indent="-317500" lvl="3" marL="1828800">
+            <a:lvl4pPr marL="1828800" lvl="3" indent="-317500">
               <a:spcBef>
                 <a:spcPts val="1600"/>
               </a:spcBef>
@@ -2613,7 +3131,7 @@
               <a:buChar char="●"/>
               <a:defRPr/>
             </a:lvl4pPr>
-            <a:lvl5pPr indent="-317500" lvl="4" marL="2286000">
+            <a:lvl5pPr marL="2286000" lvl="4" indent="-317500">
               <a:spcBef>
                 <a:spcPts val="1600"/>
               </a:spcBef>
@@ -2624,7 +3142,7 @@
               <a:buChar char="○"/>
               <a:defRPr/>
             </a:lvl5pPr>
-            <a:lvl6pPr indent="-317500" lvl="5" marL="2743200">
+            <a:lvl6pPr marL="2743200" lvl="5" indent="-317500">
               <a:spcBef>
                 <a:spcPts val="1600"/>
               </a:spcBef>
@@ -2635,7 +3153,7 @@
               <a:buChar char="■"/>
               <a:defRPr/>
             </a:lvl6pPr>
-            <a:lvl7pPr indent="-317500" lvl="6" marL="3200400">
+            <a:lvl7pPr marL="3200400" lvl="6" indent="-317500">
               <a:spcBef>
                 <a:spcPts val="1600"/>
               </a:spcBef>
@@ -2646,7 +3164,7 @@
               <a:buChar char="●"/>
               <a:defRPr/>
             </a:lvl7pPr>
-            <a:lvl8pPr indent="-317500" lvl="7" marL="3657600">
+            <a:lvl8pPr marL="3657600" lvl="7" indent="-317500">
               <a:spcBef>
                 <a:spcPts val="1600"/>
               </a:spcBef>
@@ -2657,7 +3175,7 @@
               <a:buChar char="○"/>
               <a:defRPr/>
             </a:lvl8pPr>
-            <a:lvl9pPr indent="-317500" lvl="8" marL="4114800">
+            <a:lvl9pPr marL="4114800" lvl="8" indent="-317500">
               <a:spcBef>
                 <a:spcPts val="1600"/>
               </a:spcBef>
@@ -2669,15 +3187,19 @@
               <a:defRPr/>
             </a:lvl9pPr>
           </a:lstStyle>
-          <a:p/>
+          <a:p>
+            <a:endParaRPr/>
+          </a:p>
         </p:txBody>
       </p:sp>
       <p:sp>
         <p:nvSpPr>
           <p:cNvPr id="19" name="Shape 19"/>
-          <p:cNvSpPr txBox="1"/>
+          <p:cNvSpPr txBox="1">
+            <a:spLocks noGrp="1"/>
+          </p:cNvSpPr>
           <p:nvPr>
-            <p:ph idx="12" type="sldNum"/>
+            <p:ph type="sldNum" idx="12"/>
           </p:nvPr>
         </p:nvSpPr>
         <p:spPr>
@@ -2690,7 +3212,7 @@
           </a:prstGeom>
         </p:spPr>
         <p:txBody>
-          <a:bodyPr anchorCtr="0" anchor="ctr" bIns="91425" lIns="91425" spcFirstLastPara="1" rIns="91425" wrap="square" tIns="91425">
+          <a:bodyPr spcFirstLastPara="1" wrap="square" lIns="91425" tIns="91425" rIns="91425" bIns="91425" anchor="ctr" anchorCtr="0">
             <a:noAutofit/>
           </a:bodyPr>
           <a:lstStyle>
@@ -2732,7 +3254,7 @@
             </a:lvl9pPr>
           </a:lstStyle>
           <a:p>
-            <a:pPr indent="0" lvl="0" marL="0">
+            <a:pPr marL="0" lvl="0" indent="0">
               <a:spcBef>
                 <a:spcPts val="0"/>
               </a:spcBef>
@@ -2758,11 +3280,11 @@
 </file>
 
 <file path=ppt/slideLayouts/slideLayout4.xml><?xml version="1.0" encoding="utf-8"?>
-<p:sldLayout xmlns:a="http://schemas.openxmlformats.org/drawingml/2006/main" xmlns:r="http://schemas.openxmlformats.org/officeDocument/2006/relationships" xmlns:mc="http://schemas.openxmlformats.org/markup-compatibility/2006" xmlns:mv="urn:schemas-microsoft-com:mac:vml" xmlns:p="http://schemas.openxmlformats.org/presentationml/2006/main" xmlns:c="http://schemas.openxmlformats.org/drawingml/2006/chart" xmlns:dgm="http://schemas.openxmlformats.org/drawingml/2006/diagram" xmlns:o="urn:schemas-microsoft-com:office:office" xmlns:v="urn:schemas-microsoft-com:vml" xmlns:pvml="urn:schemas-microsoft-com:office:powerpoint" xmlns:com="http://schemas.openxmlformats.org/drawingml/2006/compatibility" xmlns:p14="http://schemas.microsoft.com/office/powerpoint/2010/main" xmlns:p15="http://schemas.microsoft.com/office/powerpoint/2012/main" matchingName="Title and two columns" type="twoColTx">
+<p:sldLayout xmlns:a="http://schemas.openxmlformats.org/drawingml/2006/main" xmlns:r="http://schemas.openxmlformats.org/officeDocument/2006/relationships" xmlns:p="http://schemas.openxmlformats.org/presentationml/2006/main" matchingName="Title and two columns" type="twoColTx">
   <p:cSld name="TITLE_AND_TWO_COLUMNS">
     <p:spTree>
       <p:nvGrpSpPr>
-        <p:cNvPr id="20" name="Shape 20"/>
+        <p:cNvPr id="1" name="Shape 20"/>
         <p:cNvGrpSpPr/>
         <p:nvPr/>
       </p:nvGrpSpPr>
@@ -2777,7 +3299,9 @@
       <p:sp>
         <p:nvSpPr>
           <p:cNvPr id="21" name="Shape 21"/>
-          <p:cNvSpPr txBox="1"/>
+          <p:cNvSpPr txBox="1">
+            <a:spLocks noGrp="1"/>
+          </p:cNvSpPr>
           <p:nvPr>
             <p:ph type="title"/>
           </p:nvPr>
@@ -2792,7 +3316,7 @@
           </a:prstGeom>
         </p:spPr>
         <p:txBody>
-          <a:bodyPr anchorCtr="0" anchor="t" bIns="91425" lIns="91425" spcFirstLastPara="1" rIns="91425" wrap="square" tIns="91425"/>
+          <a:bodyPr spcFirstLastPara="1" wrap="square" lIns="91425" tIns="91425" rIns="91425" bIns="91425" anchor="t" anchorCtr="0"/>
           <a:lstStyle>
             <a:lvl1pPr lvl="0">
               <a:spcBef>
@@ -2894,15 +3418,19 @@
               <a:defRPr/>
             </a:lvl9pPr>
           </a:lstStyle>
-          <a:p/>
+          <a:p>
+            <a:endParaRPr/>
+          </a:p>
         </p:txBody>
       </p:sp>
       <p:sp>
         <p:nvSpPr>
           <p:cNvPr id="22" name="Shape 22"/>
-          <p:cNvSpPr txBox="1"/>
+          <p:cNvSpPr txBox="1">
+            <a:spLocks noGrp="1"/>
+          </p:cNvSpPr>
           <p:nvPr>
-            <p:ph idx="1" type="body"/>
+            <p:ph type="body" idx="1"/>
           </p:nvPr>
         </p:nvSpPr>
         <p:spPr>
@@ -2915,9 +3443,9 @@
           </a:prstGeom>
         </p:spPr>
         <p:txBody>
-          <a:bodyPr anchorCtr="0" anchor="t" bIns="91425" lIns="91425" spcFirstLastPara="1" rIns="91425" wrap="square" tIns="91425"/>
+          <a:bodyPr spcFirstLastPara="1" wrap="square" lIns="91425" tIns="91425" rIns="91425" bIns="91425" anchor="t" anchorCtr="0"/>
           <a:lstStyle>
-            <a:lvl1pPr indent="-317500" lvl="0" marL="457200">
+            <a:lvl1pPr marL="457200" lvl="0" indent="-317500">
               <a:spcBef>
                 <a:spcPts val="0"/>
               </a:spcBef>
@@ -2928,7 +3456,7 @@
               <a:buChar char="●"/>
               <a:defRPr sz="1400"/>
             </a:lvl1pPr>
-            <a:lvl2pPr indent="-304800" lvl="1" marL="914400">
+            <a:lvl2pPr marL="914400" lvl="1" indent="-304800">
               <a:spcBef>
                 <a:spcPts val="1600"/>
               </a:spcBef>
@@ -2939,7 +3467,7 @@
               <a:buChar char="○"/>
               <a:defRPr sz="1200"/>
             </a:lvl2pPr>
-            <a:lvl3pPr indent="-304800" lvl="2" marL="1371600">
+            <a:lvl3pPr marL="1371600" lvl="2" indent="-304800">
               <a:spcBef>
                 <a:spcPts val="1600"/>
               </a:spcBef>
@@ -2950,7 +3478,7 @@
               <a:buChar char="■"/>
               <a:defRPr sz="1200"/>
             </a:lvl3pPr>
-            <a:lvl4pPr indent="-304800" lvl="3" marL="1828800">
+            <a:lvl4pPr marL="1828800" lvl="3" indent="-304800">
               <a:spcBef>
                 <a:spcPts val="1600"/>
               </a:spcBef>
@@ -2961,7 +3489,7 @@
               <a:buChar char="●"/>
               <a:defRPr sz="1200"/>
             </a:lvl4pPr>
-            <a:lvl5pPr indent="-304800" lvl="4" marL="2286000">
+            <a:lvl5pPr marL="2286000" lvl="4" indent="-304800">
               <a:spcBef>
                 <a:spcPts val="1600"/>
               </a:spcBef>
@@ -2972,7 +3500,7 @@
               <a:buChar char="○"/>
               <a:defRPr sz="1200"/>
             </a:lvl5pPr>
-            <a:lvl6pPr indent="-304800" lvl="5" marL="2743200">
+            <a:lvl6pPr marL="2743200" lvl="5" indent="-304800">
               <a:spcBef>
                 <a:spcPts val="1600"/>
               </a:spcBef>
@@ -2983,7 +3511,7 @@
               <a:buChar char="■"/>
               <a:defRPr sz="1200"/>
             </a:lvl6pPr>
-            <a:lvl7pPr indent="-304800" lvl="6" marL="3200400">
+            <a:lvl7pPr marL="3200400" lvl="6" indent="-304800">
               <a:spcBef>
                 <a:spcPts val="1600"/>
               </a:spcBef>
@@ -2994,7 +3522,7 @@
               <a:buChar char="●"/>
               <a:defRPr sz="1200"/>
             </a:lvl7pPr>
-            <a:lvl8pPr indent="-304800" lvl="7" marL="3657600">
+            <a:lvl8pPr marL="3657600" lvl="7" indent="-304800">
               <a:spcBef>
                 <a:spcPts val="1600"/>
               </a:spcBef>
@@ -3005,7 +3533,7 @@
               <a:buChar char="○"/>
               <a:defRPr sz="1200"/>
             </a:lvl8pPr>
-            <a:lvl9pPr indent="-304800" lvl="8" marL="4114800">
+            <a:lvl9pPr marL="4114800" lvl="8" indent="-304800">
               <a:spcBef>
                 <a:spcPts val="1600"/>
               </a:spcBef>
@@ -3017,15 +3545,19 @@
               <a:defRPr sz="1200"/>
             </a:lvl9pPr>
           </a:lstStyle>
-          <a:p/>
+          <a:p>
+            <a:endParaRPr/>
+          </a:p>
         </p:txBody>
       </p:sp>
       <p:sp>
         <p:nvSpPr>
           <p:cNvPr id="23" name="Shape 23"/>
-          <p:cNvSpPr txBox="1"/>
+          <p:cNvSpPr txBox="1">
+            <a:spLocks noGrp="1"/>
+          </p:cNvSpPr>
           <p:nvPr>
-            <p:ph idx="2" type="body"/>
+            <p:ph type="body" idx="2"/>
           </p:nvPr>
         </p:nvSpPr>
         <p:spPr>
@@ -3038,9 +3570,9 @@
           </a:prstGeom>
         </p:spPr>
         <p:txBody>
-          <a:bodyPr anchorCtr="0" anchor="t" bIns="91425" lIns="91425" spcFirstLastPara="1" rIns="91425" wrap="square" tIns="91425"/>
+          <a:bodyPr spcFirstLastPara="1" wrap="square" lIns="91425" tIns="91425" rIns="91425" bIns="91425" anchor="t" anchorCtr="0"/>
           <a:lstStyle>
-            <a:lvl1pPr indent="-317500" lvl="0" marL="457200">
+            <a:lvl1pPr marL="457200" lvl="0" indent="-317500">
               <a:spcBef>
                 <a:spcPts val="0"/>
               </a:spcBef>
@@ -3051,7 +3583,7 @@
               <a:buChar char="●"/>
               <a:defRPr sz="1400"/>
             </a:lvl1pPr>
-            <a:lvl2pPr indent="-304800" lvl="1" marL="914400">
+            <a:lvl2pPr marL="914400" lvl="1" indent="-304800">
               <a:spcBef>
                 <a:spcPts val="1600"/>
               </a:spcBef>
@@ -3062,7 +3594,7 @@
               <a:buChar char="○"/>
               <a:defRPr sz="1200"/>
             </a:lvl2pPr>
-            <a:lvl3pPr indent="-304800" lvl="2" marL="1371600">
+            <a:lvl3pPr marL="1371600" lvl="2" indent="-304800">
               <a:spcBef>
                 <a:spcPts val="1600"/>
               </a:spcBef>
@@ -3073,7 +3605,7 @@
               <a:buChar char="■"/>
               <a:defRPr sz="1200"/>
             </a:lvl3pPr>
-            <a:lvl4pPr indent="-304800" lvl="3" marL="1828800">
+            <a:lvl4pPr marL="1828800" lvl="3" indent="-304800">
               <a:spcBef>
                 <a:spcPts val="1600"/>
               </a:spcBef>
@@ -3084,7 +3616,7 @@
               <a:buChar char="●"/>
               <a:defRPr sz="1200"/>
             </a:lvl4pPr>
-            <a:lvl5pPr indent="-304800" lvl="4" marL="2286000">
+            <a:lvl5pPr marL="2286000" lvl="4" indent="-304800">
               <a:spcBef>
                 <a:spcPts val="1600"/>
               </a:spcBef>
@@ -3095,7 +3627,7 @@
               <a:buChar char="○"/>
               <a:defRPr sz="1200"/>
             </a:lvl5pPr>
-            <a:lvl6pPr indent="-304800" lvl="5" marL="2743200">
+            <a:lvl6pPr marL="2743200" lvl="5" indent="-304800">
               <a:spcBef>
                 <a:spcPts val="1600"/>
               </a:spcBef>
@@ -3106,7 +3638,7 @@
               <a:buChar char="■"/>
               <a:defRPr sz="1200"/>
             </a:lvl6pPr>
-            <a:lvl7pPr indent="-304800" lvl="6" marL="3200400">
+            <a:lvl7pPr marL="3200400" lvl="6" indent="-304800">
               <a:spcBef>
                 <a:spcPts val="1600"/>
               </a:spcBef>
@@ -3117,7 +3649,7 @@
               <a:buChar char="●"/>
               <a:defRPr sz="1200"/>
             </a:lvl7pPr>
-            <a:lvl8pPr indent="-304800" lvl="7" marL="3657600">
+            <a:lvl8pPr marL="3657600" lvl="7" indent="-304800">
               <a:spcBef>
                 <a:spcPts val="1600"/>
               </a:spcBef>
@@ -3128,7 +3660,7 @@
               <a:buChar char="○"/>
               <a:defRPr sz="1200"/>
             </a:lvl8pPr>
-            <a:lvl9pPr indent="-304800" lvl="8" marL="4114800">
+            <a:lvl9pPr marL="4114800" lvl="8" indent="-304800">
               <a:spcBef>
                 <a:spcPts val="1600"/>
               </a:spcBef>
@@ -3140,15 +3672,19 @@
               <a:defRPr sz="1200"/>
             </a:lvl9pPr>
           </a:lstStyle>
-          <a:p/>
+          <a:p>
+            <a:endParaRPr/>
+          </a:p>
         </p:txBody>
       </p:sp>
       <p:sp>
         <p:nvSpPr>
           <p:cNvPr id="24" name="Shape 24"/>
-          <p:cNvSpPr txBox="1"/>
+          <p:cNvSpPr txBox="1">
+            <a:spLocks noGrp="1"/>
+          </p:cNvSpPr>
           <p:nvPr>
-            <p:ph idx="12" type="sldNum"/>
+            <p:ph type="sldNum" idx="12"/>
           </p:nvPr>
         </p:nvSpPr>
         <p:spPr>
@@ -3161,7 +3697,7 @@
           </a:prstGeom>
         </p:spPr>
         <p:txBody>
-          <a:bodyPr anchorCtr="0" anchor="ctr" bIns="91425" lIns="91425" spcFirstLastPara="1" rIns="91425" wrap="square" tIns="91425">
+          <a:bodyPr spcFirstLastPara="1" wrap="square" lIns="91425" tIns="91425" rIns="91425" bIns="91425" anchor="ctr" anchorCtr="0">
             <a:noAutofit/>
           </a:bodyPr>
           <a:lstStyle>
@@ -3203,7 +3739,7 @@
             </a:lvl9pPr>
           </a:lstStyle>
           <a:p>
-            <a:pPr indent="0" lvl="0" marL="0">
+            <a:pPr marL="0" lvl="0" indent="0">
               <a:spcBef>
                 <a:spcPts val="0"/>
               </a:spcBef>
@@ -3229,11 +3765,11 @@
 </file>
 
 <file path=ppt/slideLayouts/slideLayout5.xml><?xml version="1.0" encoding="utf-8"?>
-<p:sldLayout xmlns:a="http://schemas.openxmlformats.org/drawingml/2006/main" xmlns:r="http://schemas.openxmlformats.org/officeDocument/2006/relationships" xmlns:mc="http://schemas.openxmlformats.org/markup-compatibility/2006" xmlns:mv="urn:schemas-microsoft-com:mac:vml" xmlns:p="http://schemas.openxmlformats.org/presentationml/2006/main" xmlns:c="http://schemas.openxmlformats.org/drawingml/2006/chart" xmlns:dgm="http://schemas.openxmlformats.org/drawingml/2006/diagram" xmlns:o="urn:schemas-microsoft-com:office:office" xmlns:v="urn:schemas-microsoft-com:vml" xmlns:pvml="urn:schemas-microsoft-com:office:powerpoint" xmlns:com="http://schemas.openxmlformats.org/drawingml/2006/compatibility" xmlns:p14="http://schemas.microsoft.com/office/powerpoint/2010/main" xmlns:p15="http://schemas.microsoft.com/office/powerpoint/2012/main" matchingName="Title only" type="titleOnly">
+<p:sldLayout xmlns:a="http://schemas.openxmlformats.org/drawingml/2006/main" xmlns:r="http://schemas.openxmlformats.org/officeDocument/2006/relationships" xmlns:p="http://schemas.openxmlformats.org/presentationml/2006/main" matchingName="Title only" type="titleOnly">
   <p:cSld name="TITLE_ONLY">
     <p:spTree>
       <p:nvGrpSpPr>
-        <p:cNvPr id="25" name="Shape 25"/>
+        <p:cNvPr id="1" name="Shape 25"/>
         <p:cNvGrpSpPr/>
         <p:nvPr/>
       </p:nvGrpSpPr>
@@ -3248,7 +3784,9 @@
       <p:sp>
         <p:nvSpPr>
           <p:cNvPr id="26" name="Shape 26"/>
-          <p:cNvSpPr txBox="1"/>
+          <p:cNvSpPr txBox="1">
+            <a:spLocks noGrp="1"/>
+          </p:cNvSpPr>
           <p:nvPr>
             <p:ph type="title"/>
           </p:nvPr>
@@ -3263,7 +3801,7 @@
           </a:prstGeom>
         </p:spPr>
         <p:txBody>
-          <a:bodyPr anchorCtr="0" anchor="t" bIns="91425" lIns="91425" spcFirstLastPara="1" rIns="91425" wrap="square" tIns="91425"/>
+          <a:bodyPr spcFirstLastPara="1" wrap="square" lIns="91425" tIns="91425" rIns="91425" bIns="91425" anchor="t" anchorCtr="0"/>
           <a:lstStyle>
             <a:lvl1pPr lvl="0">
               <a:spcBef>
@@ -3365,15 +3903,19 @@
               <a:defRPr/>
             </a:lvl9pPr>
           </a:lstStyle>
-          <a:p/>
+          <a:p>
+            <a:endParaRPr/>
+          </a:p>
         </p:txBody>
       </p:sp>
       <p:sp>
         <p:nvSpPr>
           <p:cNvPr id="27" name="Shape 27"/>
-          <p:cNvSpPr txBox="1"/>
+          <p:cNvSpPr txBox="1">
+            <a:spLocks noGrp="1"/>
+          </p:cNvSpPr>
           <p:nvPr>
-            <p:ph idx="12" type="sldNum"/>
+            <p:ph type="sldNum" idx="12"/>
           </p:nvPr>
         </p:nvSpPr>
         <p:spPr>
@@ -3386,7 +3928,7 @@
           </a:prstGeom>
         </p:spPr>
         <p:txBody>
-          <a:bodyPr anchorCtr="0" anchor="ctr" bIns="91425" lIns="91425" spcFirstLastPara="1" rIns="91425" wrap="square" tIns="91425">
+          <a:bodyPr spcFirstLastPara="1" wrap="square" lIns="91425" tIns="91425" rIns="91425" bIns="91425" anchor="ctr" anchorCtr="0">
             <a:noAutofit/>
           </a:bodyPr>
           <a:lstStyle>
@@ -3428,7 +3970,7 @@
             </a:lvl9pPr>
           </a:lstStyle>
           <a:p>
-            <a:pPr indent="0" lvl="0" marL="0">
+            <a:pPr marL="0" lvl="0" indent="0">
               <a:spcBef>
                 <a:spcPts val="0"/>
               </a:spcBef>
@@ -3454,11 +3996,11 @@
 </file>
 
 <file path=ppt/slideLayouts/slideLayout6.xml><?xml version="1.0" encoding="utf-8"?>
-<p:sldLayout xmlns:a="http://schemas.openxmlformats.org/drawingml/2006/main" xmlns:r="http://schemas.openxmlformats.org/officeDocument/2006/relationships" xmlns:mc="http://schemas.openxmlformats.org/markup-compatibility/2006" xmlns:mv="urn:schemas-microsoft-com:mac:vml" xmlns:p="http://schemas.openxmlformats.org/presentationml/2006/main" xmlns:c="http://schemas.openxmlformats.org/drawingml/2006/chart" xmlns:dgm="http://schemas.openxmlformats.org/drawingml/2006/diagram" xmlns:o="urn:schemas-microsoft-com:office:office" xmlns:v="urn:schemas-microsoft-com:vml" xmlns:pvml="urn:schemas-microsoft-com:office:powerpoint" xmlns:com="http://schemas.openxmlformats.org/drawingml/2006/compatibility" xmlns:p14="http://schemas.microsoft.com/office/powerpoint/2010/main" xmlns:p15="http://schemas.microsoft.com/office/powerpoint/2012/main" matchingName="One column text">
+<p:sldLayout xmlns:a="http://schemas.openxmlformats.org/drawingml/2006/main" xmlns:r="http://schemas.openxmlformats.org/officeDocument/2006/relationships" xmlns:p="http://schemas.openxmlformats.org/presentationml/2006/main" matchingName="One column text">
   <p:cSld name="ONE_COLUMN_TEXT">
     <p:spTree>
       <p:nvGrpSpPr>
-        <p:cNvPr id="28" name="Shape 28"/>
+        <p:cNvPr id="1" name="Shape 28"/>
         <p:cNvGrpSpPr/>
         <p:nvPr/>
       </p:nvGrpSpPr>
@@ -3473,7 +4015,9 @@
       <p:sp>
         <p:nvSpPr>
           <p:cNvPr id="29" name="Shape 29"/>
-          <p:cNvSpPr txBox="1"/>
+          <p:cNvSpPr txBox="1">
+            <a:spLocks noGrp="1"/>
+          </p:cNvSpPr>
           <p:nvPr>
             <p:ph type="title"/>
           </p:nvPr>
@@ -3488,7 +4032,7 @@
           </a:prstGeom>
         </p:spPr>
         <p:txBody>
-          <a:bodyPr anchorCtr="0" anchor="b" bIns="91425" lIns="91425" spcFirstLastPara="1" rIns="91425" wrap="square" tIns="91425"/>
+          <a:bodyPr spcFirstLastPara="1" wrap="square" lIns="91425" tIns="91425" rIns="91425" bIns="91425" anchor="b" anchorCtr="0"/>
           <a:lstStyle>
             <a:lvl1pPr lvl="0">
               <a:spcBef>
@@ -3590,15 +4134,19 @@
               <a:defRPr sz="2400"/>
             </a:lvl9pPr>
           </a:lstStyle>
-          <a:p/>
+          <a:p>
+            <a:endParaRPr/>
+          </a:p>
         </p:txBody>
       </p:sp>
       <p:sp>
         <p:nvSpPr>
           <p:cNvPr id="30" name="Shape 30"/>
-          <p:cNvSpPr txBox="1"/>
+          <p:cNvSpPr txBox="1">
+            <a:spLocks noGrp="1"/>
+          </p:cNvSpPr>
           <p:nvPr>
-            <p:ph idx="1" type="body"/>
+            <p:ph type="body" idx="1"/>
           </p:nvPr>
         </p:nvSpPr>
         <p:spPr>
@@ -3611,9 +4159,9 @@
           </a:prstGeom>
         </p:spPr>
         <p:txBody>
-          <a:bodyPr anchorCtr="0" anchor="t" bIns="91425" lIns="91425" spcFirstLastPara="1" rIns="91425" wrap="square" tIns="91425"/>
+          <a:bodyPr spcFirstLastPara="1" wrap="square" lIns="91425" tIns="91425" rIns="91425" bIns="91425" anchor="t" anchorCtr="0"/>
           <a:lstStyle>
-            <a:lvl1pPr indent="-304800" lvl="0" marL="457200">
+            <a:lvl1pPr marL="457200" lvl="0" indent="-304800">
               <a:spcBef>
                 <a:spcPts val="0"/>
               </a:spcBef>
@@ -3624,7 +4172,7 @@
               <a:buChar char="●"/>
               <a:defRPr sz="1200"/>
             </a:lvl1pPr>
-            <a:lvl2pPr indent="-304800" lvl="1" marL="914400">
+            <a:lvl2pPr marL="914400" lvl="1" indent="-304800">
               <a:spcBef>
                 <a:spcPts val="1600"/>
               </a:spcBef>
@@ -3635,7 +4183,7 @@
               <a:buChar char="○"/>
               <a:defRPr sz="1200"/>
             </a:lvl2pPr>
-            <a:lvl3pPr indent="-304800" lvl="2" marL="1371600">
+            <a:lvl3pPr marL="1371600" lvl="2" indent="-304800">
               <a:spcBef>
                 <a:spcPts val="1600"/>
               </a:spcBef>
@@ -3646,7 +4194,7 @@
               <a:buChar char="■"/>
               <a:defRPr sz="1200"/>
             </a:lvl3pPr>
-            <a:lvl4pPr indent="-304800" lvl="3" marL="1828800">
+            <a:lvl4pPr marL="1828800" lvl="3" indent="-304800">
               <a:spcBef>
                 <a:spcPts val="1600"/>
               </a:spcBef>
@@ -3657,7 +4205,7 @@
               <a:buChar char="●"/>
               <a:defRPr sz="1200"/>
             </a:lvl4pPr>
-            <a:lvl5pPr indent="-304800" lvl="4" marL="2286000">
+            <a:lvl5pPr marL="2286000" lvl="4" indent="-304800">
               <a:spcBef>
                 <a:spcPts val="1600"/>
               </a:spcBef>
@@ -3668,7 +4216,7 @@
               <a:buChar char="○"/>
               <a:defRPr sz="1200"/>
             </a:lvl5pPr>
-            <a:lvl6pPr indent="-304800" lvl="5" marL="2743200">
+            <a:lvl6pPr marL="2743200" lvl="5" indent="-304800">
               <a:spcBef>
                 <a:spcPts val="1600"/>
               </a:spcBef>
@@ -3679,7 +4227,7 @@
               <a:buChar char="■"/>
               <a:defRPr sz="1200"/>
             </a:lvl6pPr>
-            <a:lvl7pPr indent="-304800" lvl="6" marL="3200400">
+            <a:lvl7pPr marL="3200400" lvl="6" indent="-304800">
               <a:spcBef>
                 <a:spcPts val="1600"/>
               </a:spcBef>
@@ -3690,7 +4238,7 @@
               <a:buChar char="●"/>
               <a:defRPr sz="1200"/>
             </a:lvl7pPr>
-            <a:lvl8pPr indent="-304800" lvl="7" marL="3657600">
+            <a:lvl8pPr marL="3657600" lvl="7" indent="-304800">
               <a:spcBef>
                 <a:spcPts val="1600"/>
               </a:spcBef>
@@ -3701,7 +4249,7 @@
               <a:buChar char="○"/>
               <a:defRPr sz="1200"/>
             </a:lvl8pPr>
-            <a:lvl9pPr indent="-304800" lvl="8" marL="4114800">
+            <a:lvl9pPr marL="4114800" lvl="8" indent="-304800">
               <a:spcBef>
                 <a:spcPts val="1600"/>
               </a:spcBef>
@@ -3713,15 +4261,19 @@
               <a:defRPr sz="1200"/>
             </a:lvl9pPr>
           </a:lstStyle>
-          <a:p/>
+          <a:p>
+            <a:endParaRPr/>
+          </a:p>
         </p:txBody>
       </p:sp>
       <p:sp>
         <p:nvSpPr>
           <p:cNvPr id="31" name="Shape 31"/>
-          <p:cNvSpPr txBox="1"/>
+          <p:cNvSpPr txBox="1">
+            <a:spLocks noGrp="1"/>
+          </p:cNvSpPr>
           <p:nvPr>
-            <p:ph idx="12" type="sldNum"/>
+            <p:ph type="sldNum" idx="12"/>
           </p:nvPr>
         </p:nvSpPr>
         <p:spPr>
@@ -3734,7 +4286,7 @@
           </a:prstGeom>
         </p:spPr>
         <p:txBody>
-          <a:bodyPr anchorCtr="0" anchor="ctr" bIns="91425" lIns="91425" spcFirstLastPara="1" rIns="91425" wrap="square" tIns="91425">
+          <a:bodyPr spcFirstLastPara="1" wrap="square" lIns="91425" tIns="91425" rIns="91425" bIns="91425" anchor="ctr" anchorCtr="0">
             <a:noAutofit/>
           </a:bodyPr>
           <a:lstStyle>
@@ -3776,7 +4328,7 @@
             </a:lvl9pPr>
           </a:lstStyle>
           <a:p>
-            <a:pPr indent="0" lvl="0" marL="0">
+            <a:pPr marL="0" lvl="0" indent="0">
               <a:spcBef>
                 <a:spcPts val="0"/>
               </a:spcBef>
@@ -3802,11 +4354,11 @@
 </file>
 
 <file path=ppt/slideLayouts/slideLayout7.xml><?xml version="1.0" encoding="utf-8"?>
-<p:sldLayout xmlns:a="http://schemas.openxmlformats.org/drawingml/2006/main" xmlns:r="http://schemas.openxmlformats.org/officeDocument/2006/relationships" xmlns:mc="http://schemas.openxmlformats.org/markup-compatibility/2006" xmlns:mv="urn:schemas-microsoft-com:mac:vml" xmlns:p="http://schemas.openxmlformats.org/presentationml/2006/main" xmlns:c="http://schemas.openxmlformats.org/drawingml/2006/chart" xmlns:dgm="http://schemas.openxmlformats.org/drawingml/2006/diagram" xmlns:o="urn:schemas-microsoft-com:office:office" xmlns:v="urn:schemas-microsoft-com:vml" xmlns:pvml="urn:schemas-microsoft-com:office:powerpoint" xmlns:com="http://schemas.openxmlformats.org/drawingml/2006/compatibility" xmlns:p14="http://schemas.microsoft.com/office/powerpoint/2010/main" xmlns:p15="http://schemas.microsoft.com/office/powerpoint/2012/main" matchingName="Main point">
+<p:sldLayout xmlns:a="http://schemas.openxmlformats.org/drawingml/2006/main" xmlns:r="http://schemas.openxmlformats.org/officeDocument/2006/relationships" xmlns:p="http://schemas.openxmlformats.org/presentationml/2006/main" matchingName="Main point">
   <p:cSld name="MAIN_POINT">
     <p:spTree>
       <p:nvGrpSpPr>
-        <p:cNvPr id="32" name="Shape 32"/>
+        <p:cNvPr id="1" name="Shape 32"/>
         <p:cNvGrpSpPr/>
         <p:nvPr/>
       </p:nvGrpSpPr>
@@ -3821,7 +4373,9 @@
       <p:sp>
         <p:nvSpPr>
           <p:cNvPr id="33" name="Shape 33"/>
-          <p:cNvSpPr txBox="1"/>
+          <p:cNvSpPr txBox="1">
+            <a:spLocks noGrp="1"/>
+          </p:cNvSpPr>
           <p:nvPr>
             <p:ph type="title"/>
           </p:nvPr>
@@ -3836,7 +4390,7 @@
           </a:prstGeom>
         </p:spPr>
         <p:txBody>
-          <a:bodyPr anchorCtr="0" anchor="ctr" bIns="91425" lIns="91425" spcFirstLastPara="1" rIns="91425" wrap="square" tIns="91425"/>
+          <a:bodyPr spcFirstLastPara="1" wrap="square" lIns="91425" tIns="91425" rIns="91425" bIns="91425" anchor="ctr" anchorCtr="0"/>
           <a:lstStyle>
             <a:lvl1pPr lvl="0">
               <a:spcBef>
@@ -3938,15 +4492,19 @@
               <a:defRPr sz="4800"/>
             </a:lvl9pPr>
           </a:lstStyle>
-          <a:p/>
+          <a:p>
+            <a:endParaRPr/>
+          </a:p>
         </p:txBody>
       </p:sp>
       <p:sp>
         <p:nvSpPr>
           <p:cNvPr id="34" name="Shape 34"/>
-          <p:cNvSpPr txBox="1"/>
+          <p:cNvSpPr txBox="1">
+            <a:spLocks noGrp="1"/>
+          </p:cNvSpPr>
           <p:nvPr>
-            <p:ph idx="12" type="sldNum"/>
+            <p:ph type="sldNum" idx="12"/>
           </p:nvPr>
         </p:nvSpPr>
         <p:spPr>
@@ -3959,7 +4517,7 @@
           </a:prstGeom>
         </p:spPr>
         <p:txBody>
-          <a:bodyPr anchorCtr="0" anchor="ctr" bIns="91425" lIns="91425" spcFirstLastPara="1" rIns="91425" wrap="square" tIns="91425">
+          <a:bodyPr spcFirstLastPara="1" wrap="square" lIns="91425" tIns="91425" rIns="91425" bIns="91425" anchor="ctr" anchorCtr="0">
             <a:noAutofit/>
           </a:bodyPr>
           <a:lstStyle>
@@ -4001,7 +4559,7 @@
             </a:lvl9pPr>
           </a:lstStyle>
           <a:p>
-            <a:pPr indent="0" lvl="0" marL="0">
+            <a:pPr marL="0" lvl="0" indent="0">
               <a:spcBef>
                 <a:spcPts val="0"/>
               </a:spcBef>
@@ -4027,11 +4585,11 @@
 </file>
 
 <file path=ppt/slideLayouts/slideLayout8.xml><?xml version="1.0" encoding="utf-8"?>
-<p:sldLayout xmlns:a="http://schemas.openxmlformats.org/drawingml/2006/main" xmlns:r="http://schemas.openxmlformats.org/officeDocument/2006/relationships" xmlns:mc="http://schemas.openxmlformats.org/markup-compatibility/2006" xmlns:mv="urn:schemas-microsoft-com:mac:vml" xmlns:p="http://schemas.openxmlformats.org/presentationml/2006/main" xmlns:c="http://schemas.openxmlformats.org/drawingml/2006/chart" xmlns:dgm="http://schemas.openxmlformats.org/drawingml/2006/diagram" xmlns:o="urn:schemas-microsoft-com:office:office" xmlns:v="urn:schemas-microsoft-com:vml" xmlns:pvml="urn:schemas-microsoft-com:office:powerpoint" xmlns:com="http://schemas.openxmlformats.org/drawingml/2006/compatibility" xmlns:p14="http://schemas.microsoft.com/office/powerpoint/2010/main" xmlns:p15="http://schemas.microsoft.com/office/powerpoint/2012/main" matchingName="Section title and description">
+<p:sldLayout xmlns:a="http://schemas.openxmlformats.org/drawingml/2006/main" xmlns:r="http://schemas.openxmlformats.org/officeDocument/2006/relationships" xmlns:p="http://schemas.openxmlformats.org/presentationml/2006/main" matchingName="Section title and description">
   <p:cSld name="SECTION_TITLE_AND_DESCRIPTION">
     <p:spTree>
       <p:nvGrpSpPr>
-        <p:cNvPr id="35" name="Shape 35"/>
+        <p:cNvPr id="1" name="Shape 35"/>
         <p:cNvGrpSpPr/>
         <p:nvPr/>
       </p:nvGrpSpPr>
@@ -4065,12 +4623,12 @@
           </a:ln>
         </p:spPr>
         <p:txBody>
-          <a:bodyPr anchorCtr="0" anchor="ctr" bIns="91425" lIns="91425" spcFirstLastPara="1" rIns="91425" wrap="square" tIns="91425">
+          <a:bodyPr spcFirstLastPara="1" wrap="square" lIns="91425" tIns="91425" rIns="91425" bIns="91425" anchor="ctr" anchorCtr="0">
             <a:noAutofit/>
           </a:bodyPr>
           <a:lstStyle/>
           <a:p>
-            <a:pPr indent="0" lvl="0" marL="0">
+            <a:pPr marL="0" lvl="0" indent="0">
               <a:spcBef>
                 <a:spcPts val="0"/>
               </a:spcBef>
@@ -4079,9 +4637,6 @@
               </a:spcAft>
               <a:buNone/>
             </a:pPr>
-            <a:r>
-              <a:t/>
-            </a:r>
             <a:endParaRPr/>
           </a:p>
         </p:txBody>
@@ -4089,7 +4644,9 @@
       <p:sp>
         <p:nvSpPr>
           <p:cNvPr id="37" name="Shape 37"/>
-          <p:cNvSpPr txBox="1"/>
+          <p:cNvSpPr txBox="1">
+            <a:spLocks noGrp="1"/>
+          </p:cNvSpPr>
           <p:nvPr>
             <p:ph type="title"/>
           </p:nvPr>
@@ -4104,7 +4661,7 @@
           </a:prstGeom>
         </p:spPr>
         <p:txBody>
-          <a:bodyPr anchorCtr="0" anchor="b" bIns="91425" lIns="91425" spcFirstLastPara="1" rIns="91425" wrap="square" tIns="91425"/>
+          <a:bodyPr spcFirstLastPara="1" wrap="square" lIns="91425" tIns="91425" rIns="91425" bIns="91425" anchor="b" anchorCtr="0"/>
           <a:lstStyle>
             <a:lvl1pPr lvl="0" algn="ctr">
               <a:spcBef>
@@ -4206,15 +4763,19 @@
               <a:defRPr sz="4200"/>
             </a:lvl9pPr>
           </a:lstStyle>
-          <a:p/>
+          <a:p>
+            <a:endParaRPr/>
+          </a:p>
         </p:txBody>
       </p:sp>
       <p:sp>
         <p:nvSpPr>
           <p:cNvPr id="38" name="Shape 38"/>
-          <p:cNvSpPr txBox="1"/>
+          <p:cNvSpPr txBox="1">
+            <a:spLocks noGrp="1"/>
+          </p:cNvSpPr>
           <p:nvPr>
-            <p:ph idx="1" type="subTitle"/>
+            <p:ph type="subTitle" idx="1"/>
           </p:nvPr>
         </p:nvSpPr>
         <p:spPr>
@@ -4227,7 +4788,7 @@
           </a:prstGeom>
         </p:spPr>
         <p:txBody>
-          <a:bodyPr anchorCtr="0" anchor="t" bIns="91425" lIns="91425" spcFirstLastPara="1" rIns="91425" wrap="square" tIns="91425"/>
+          <a:bodyPr spcFirstLastPara="1" wrap="square" lIns="91425" tIns="91425" rIns="91425" bIns="91425" anchor="t" anchorCtr="0"/>
           <a:lstStyle>
             <a:lvl1pPr lvl="0" algn="ctr">
               <a:lnSpc>
@@ -4356,15 +4917,19 @@
               <a:defRPr sz="2100"/>
             </a:lvl9pPr>
           </a:lstStyle>
-          <a:p/>
+          <a:p>
+            <a:endParaRPr/>
+          </a:p>
         </p:txBody>
       </p:sp>
       <p:sp>
         <p:nvSpPr>
           <p:cNvPr id="39" name="Shape 39"/>
-          <p:cNvSpPr txBox="1"/>
+          <p:cNvSpPr txBox="1">
+            <a:spLocks noGrp="1"/>
+          </p:cNvSpPr>
           <p:nvPr>
-            <p:ph idx="2" type="body"/>
+            <p:ph type="body" idx="2"/>
           </p:nvPr>
         </p:nvSpPr>
         <p:spPr>
@@ -4377,9 +4942,9 @@
           </a:prstGeom>
         </p:spPr>
         <p:txBody>
-          <a:bodyPr anchorCtr="0" anchor="ctr" bIns="91425" lIns="91425" spcFirstLastPara="1" rIns="91425" wrap="square" tIns="91425"/>
+          <a:bodyPr spcFirstLastPara="1" wrap="square" lIns="91425" tIns="91425" rIns="91425" bIns="91425" anchor="ctr" anchorCtr="0"/>
           <a:lstStyle>
-            <a:lvl1pPr indent="-342900" lvl="0" marL="457200">
+            <a:lvl1pPr marL="457200" lvl="0" indent="-342900">
               <a:spcBef>
                 <a:spcPts val="0"/>
               </a:spcBef>
@@ -4397,7 +4962,7 @@
                 </a:solidFill>
               </a:defRPr>
             </a:lvl1pPr>
-            <a:lvl2pPr indent="-317500" lvl="1" marL="914400">
+            <a:lvl2pPr marL="914400" lvl="1" indent="-317500">
               <a:spcBef>
                 <a:spcPts val="1600"/>
               </a:spcBef>
@@ -4415,7 +4980,7 @@
                 </a:solidFill>
               </a:defRPr>
             </a:lvl2pPr>
-            <a:lvl3pPr indent="-317500" lvl="2" marL="1371600">
+            <a:lvl3pPr marL="1371600" lvl="2" indent="-317500">
               <a:spcBef>
                 <a:spcPts val="1600"/>
               </a:spcBef>
@@ -4433,7 +4998,7 @@
                 </a:solidFill>
               </a:defRPr>
             </a:lvl3pPr>
-            <a:lvl4pPr indent="-317500" lvl="3" marL="1828800">
+            <a:lvl4pPr marL="1828800" lvl="3" indent="-317500">
               <a:spcBef>
                 <a:spcPts val="1600"/>
               </a:spcBef>
@@ -4451,7 +5016,7 @@
                 </a:solidFill>
               </a:defRPr>
             </a:lvl4pPr>
-            <a:lvl5pPr indent="-317500" lvl="4" marL="2286000">
+            <a:lvl5pPr marL="2286000" lvl="4" indent="-317500">
               <a:spcBef>
                 <a:spcPts val="1600"/>
               </a:spcBef>
@@ -4469,7 +5034,7 @@
                 </a:solidFill>
               </a:defRPr>
             </a:lvl5pPr>
-            <a:lvl6pPr indent="-317500" lvl="5" marL="2743200">
+            <a:lvl6pPr marL="2743200" lvl="5" indent="-317500">
               <a:spcBef>
                 <a:spcPts val="1600"/>
               </a:spcBef>
@@ -4487,7 +5052,7 @@
                 </a:solidFill>
               </a:defRPr>
             </a:lvl6pPr>
-            <a:lvl7pPr indent="-317500" lvl="6" marL="3200400">
+            <a:lvl7pPr marL="3200400" lvl="6" indent="-317500">
               <a:spcBef>
                 <a:spcPts val="1600"/>
               </a:spcBef>
@@ -4505,7 +5070,7 @@
                 </a:solidFill>
               </a:defRPr>
             </a:lvl7pPr>
-            <a:lvl8pPr indent="-317500" lvl="7" marL="3657600">
+            <a:lvl8pPr marL="3657600" lvl="7" indent="-317500">
               <a:spcBef>
                 <a:spcPts val="1600"/>
               </a:spcBef>
@@ -4523,7 +5088,7 @@
                 </a:solidFill>
               </a:defRPr>
             </a:lvl8pPr>
-            <a:lvl9pPr indent="-317500" lvl="8" marL="4114800">
+            <a:lvl9pPr marL="4114800" lvl="8" indent="-317500">
               <a:spcBef>
                 <a:spcPts val="1600"/>
               </a:spcBef>
@@ -4542,15 +5107,19 @@
               </a:defRPr>
             </a:lvl9pPr>
           </a:lstStyle>
-          <a:p/>
+          <a:p>
+            <a:endParaRPr/>
+          </a:p>
         </p:txBody>
       </p:sp>
       <p:sp>
         <p:nvSpPr>
           <p:cNvPr id="40" name="Shape 40"/>
-          <p:cNvSpPr txBox="1"/>
+          <p:cNvSpPr txBox="1">
+            <a:spLocks noGrp="1"/>
+          </p:cNvSpPr>
           <p:nvPr>
-            <p:ph idx="12" type="sldNum"/>
+            <p:ph type="sldNum" idx="12"/>
           </p:nvPr>
         </p:nvSpPr>
         <p:spPr>
@@ -4563,7 +5132,7 @@
           </a:prstGeom>
         </p:spPr>
         <p:txBody>
-          <a:bodyPr anchorCtr="0" anchor="ctr" bIns="91425" lIns="91425" spcFirstLastPara="1" rIns="91425" wrap="square" tIns="91425">
+          <a:bodyPr spcFirstLastPara="1" wrap="square" lIns="91425" tIns="91425" rIns="91425" bIns="91425" anchor="ctr" anchorCtr="0">
             <a:noAutofit/>
           </a:bodyPr>
           <a:lstStyle>
@@ -4605,7 +5174,7 @@
             </a:lvl9pPr>
           </a:lstStyle>
           <a:p>
-            <a:pPr indent="0" lvl="0" marL="0">
+            <a:pPr marL="0" lvl="0" indent="0">
               <a:spcBef>
                 <a:spcPts val="0"/>
               </a:spcBef>
@@ -4631,11 +5200,11 @@
 </file>
 
 <file path=ppt/slideLayouts/slideLayout9.xml><?xml version="1.0" encoding="utf-8"?>
-<p:sldLayout xmlns:a="http://schemas.openxmlformats.org/drawingml/2006/main" xmlns:r="http://schemas.openxmlformats.org/officeDocument/2006/relationships" xmlns:mc="http://schemas.openxmlformats.org/markup-compatibility/2006" xmlns:mv="urn:schemas-microsoft-com:mac:vml" xmlns:p="http://schemas.openxmlformats.org/presentationml/2006/main" xmlns:c="http://schemas.openxmlformats.org/drawingml/2006/chart" xmlns:dgm="http://schemas.openxmlformats.org/drawingml/2006/diagram" xmlns:o="urn:schemas-microsoft-com:office:office" xmlns:v="urn:schemas-microsoft-com:vml" xmlns:pvml="urn:schemas-microsoft-com:office:powerpoint" xmlns:com="http://schemas.openxmlformats.org/drawingml/2006/compatibility" xmlns:p14="http://schemas.microsoft.com/office/powerpoint/2010/main" xmlns:p15="http://schemas.microsoft.com/office/powerpoint/2012/main" matchingName="Caption">
+<p:sldLayout xmlns:a="http://schemas.openxmlformats.org/drawingml/2006/main" xmlns:r="http://schemas.openxmlformats.org/officeDocument/2006/relationships" xmlns:p="http://schemas.openxmlformats.org/presentationml/2006/main" matchingName="Caption">
   <p:cSld name="CAPTION_ONLY">
     <p:spTree>
       <p:nvGrpSpPr>
-        <p:cNvPr id="41" name="Shape 41"/>
+        <p:cNvPr id="1" name="Shape 41"/>
         <p:cNvGrpSpPr/>
         <p:nvPr/>
       </p:nvGrpSpPr>
@@ -4650,9 +5219,11 @@
       <p:sp>
         <p:nvSpPr>
           <p:cNvPr id="42" name="Shape 42"/>
-          <p:cNvSpPr txBox="1"/>
+          <p:cNvSpPr txBox="1">
+            <a:spLocks noGrp="1"/>
+          </p:cNvSpPr>
           <p:nvPr>
-            <p:ph idx="1" type="body"/>
+            <p:ph type="body" idx="1"/>
           </p:nvPr>
         </p:nvSpPr>
         <p:spPr>
@@ -4665,9 +5236,9 @@
           </a:prstGeom>
         </p:spPr>
         <p:txBody>
-          <a:bodyPr anchorCtr="0" anchor="ctr" bIns="91425" lIns="91425" spcFirstLastPara="1" rIns="91425" wrap="square" tIns="91425"/>
+          <a:bodyPr spcFirstLastPara="1" wrap="square" lIns="91425" tIns="91425" rIns="91425" bIns="91425" anchor="ctr" anchorCtr="0"/>
           <a:lstStyle>
-            <a:lvl1pPr indent="-228600" lvl="0" marL="457200">
+            <a:lvl1pPr marL="457200" lvl="0" indent="-228600">
               <a:lnSpc>
                 <a:spcPct val="100000"/>
               </a:lnSpc>
@@ -4682,15 +5253,19 @@
               <a:defRPr/>
             </a:lvl1pPr>
           </a:lstStyle>
-          <a:p/>
+          <a:p>
+            <a:endParaRPr/>
+          </a:p>
         </p:txBody>
       </p:sp>
       <p:sp>
         <p:nvSpPr>
           <p:cNvPr id="43" name="Shape 43"/>
-          <p:cNvSpPr txBox="1"/>
+          <p:cNvSpPr txBox="1">
+            <a:spLocks noGrp="1"/>
+          </p:cNvSpPr>
           <p:nvPr>
-            <p:ph idx="12" type="sldNum"/>
+            <p:ph type="sldNum" idx="12"/>
           </p:nvPr>
         </p:nvSpPr>
         <p:spPr>
@@ -4703,7 +5278,7 @@
           </a:prstGeom>
         </p:spPr>
         <p:txBody>
-          <a:bodyPr anchorCtr="0" anchor="ctr" bIns="91425" lIns="91425" spcFirstLastPara="1" rIns="91425" wrap="square" tIns="91425">
+          <a:bodyPr spcFirstLastPara="1" wrap="square" lIns="91425" tIns="91425" rIns="91425" bIns="91425" anchor="ctr" anchorCtr="0">
             <a:noAutofit/>
           </a:bodyPr>
           <a:lstStyle>
@@ -4745,7 +5320,7 @@
             </a:lvl9pPr>
           </a:lstStyle>
           <a:p>
-            <a:pPr indent="0" lvl="0" marL="0">
+            <a:pPr marL="0" lvl="0" indent="0">
               <a:spcBef>
                 <a:spcPts val="0"/>
               </a:spcBef>
@@ -4771,18 +5346,19 @@
 </file>
 
 <file path=ppt/slideMasters/slideMaster1.xml><?xml version="1.0" encoding="utf-8"?>
-<p:sldMaster xmlns:a="http://schemas.openxmlformats.org/drawingml/2006/main" xmlns:r="http://schemas.openxmlformats.org/officeDocument/2006/relationships" xmlns:mc="http://schemas.openxmlformats.org/markup-compatibility/2006" xmlns:mv="urn:schemas-microsoft-com:mac:vml" xmlns:p="http://schemas.openxmlformats.org/presentationml/2006/main" xmlns:c="http://schemas.openxmlformats.org/drawingml/2006/chart" xmlns:dgm="http://schemas.openxmlformats.org/drawingml/2006/diagram" xmlns:o="urn:schemas-microsoft-com:office:office" xmlns:v="urn:schemas-microsoft-com:vml" xmlns:pvml="urn:schemas-microsoft-com:office:powerpoint" xmlns:com="http://schemas.openxmlformats.org/drawingml/2006/compatibility" xmlns:p14="http://schemas.microsoft.com/office/powerpoint/2010/main" xmlns:p15="http://schemas.microsoft.com/office/powerpoint/2012/main">
+<p:sldMaster xmlns:a="http://schemas.openxmlformats.org/drawingml/2006/main" xmlns:r="http://schemas.openxmlformats.org/officeDocument/2006/relationships" xmlns:p="http://schemas.openxmlformats.org/presentationml/2006/main">
   <p:cSld name="simple-dark-2">
     <p:bg>
       <p:bgPr>
         <a:solidFill>
           <a:schemeClr val="lt1"/>
         </a:solidFill>
+        <a:effectLst/>
       </p:bgPr>
     </p:bg>
     <p:spTree>
       <p:nvGrpSpPr>
-        <p:cNvPr id="5" name="Shape 5"/>
+        <p:cNvPr id="1" name="Shape 5"/>
         <p:cNvGrpSpPr/>
         <p:nvPr/>
       </p:nvGrpSpPr>
@@ -4797,7 +5373,9 @@
       <p:sp>
         <p:nvSpPr>
           <p:cNvPr id="6" name="Shape 6"/>
-          <p:cNvSpPr txBox="1"/>
+          <p:cNvSpPr txBox="1">
+            <a:spLocks noGrp="1"/>
+          </p:cNvSpPr>
           <p:nvPr>
             <p:ph type="title"/>
           </p:nvPr>
@@ -4816,7 +5394,7 @@
           </a:ln>
         </p:spPr>
         <p:txBody>
-          <a:bodyPr anchorCtr="0" anchor="t" bIns="91425" lIns="91425" spcFirstLastPara="1" rIns="91425" wrap="square" tIns="91425"/>
+          <a:bodyPr spcFirstLastPara="1" wrap="square" lIns="91425" tIns="91425" rIns="91425" bIns="91425" anchor="t" anchorCtr="0"/>
           <a:lstStyle>
             <a:lvl1pPr lvl="0">
               <a:spcBef>
@@ -4981,15 +5559,19 @@
               </a:defRPr>
             </a:lvl9pPr>
           </a:lstStyle>
-          <a:p/>
+          <a:p>
+            <a:endParaRPr/>
+          </a:p>
         </p:txBody>
       </p:sp>
       <p:sp>
         <p:nvSpPr>
           <p:cNvPr id="7" name="Shape 7"/>
-          <p:cNvSpPr txBox="1"/>
+          <p:cNvSpPr txBox="1">
+            <a:spLocks noGrp="1"/>
+          </p:cNvSpPr>
           <p:nvPr>
-            <p:ph idx="1" type="body"/>
+            <p:ph type="body" idx="1"/>
           </p:nvPr>
         </p:nvSpPr>
         <p:spPr>
@@ -5006,9 +5588,9 @@
           </a:ln>
         </p:spPr>
         <p:txBody>
-          <a:bodyPr anchorCtr="0" anchor="t" bIns="91425" lIns="91425" spcFirstLastPara="1" rIns="91425" wrap="square" tIns="91425"/>
+          <a:bodyPr spcFirstLastPara="1" wrap="square" lIns="91425" tIns="91425" rIns="91425" bIns="91425" anchor="t" anchorCtr="0"/>
           <a:lstStyle>
-            <a:lvl1pPr indent="-342900" lvl="0" marL="457200">
+            <a:lvl1pPr marL="457200" lvl="0" indent="-342900">
               <a:lnSpc>
                 <a:spcPct val="115000"/>
               </a:lnSpc>
@@ -5029,7 +5611,7 @@
                 </a:solidFill>
               </a:defRPr>
             </a:lvl1pPr>
-            <a:lvl2pPr indent="-317500" lvl="1" marL="914400">
+            <a:lvl2pPr marL="914400" lvl="1" indent="-317500">
               <a:lnSpc>
                 <a:spcPct val="115000"/>
               </a:lnSpc>
@@ -5050,7 +5632,7 @@
                 </a:solidFill>
               </a:defRPr>
             </a:lvl2pPr>
-            <a:lvl3pPr indent="-317500" lvl="2" marL="1371600">
+            <a:lvl3pPr marL="1371600" lvl="2" indent="-317500">
               <a:lnSpc>
                 <a:spcPct val="115000"/>
               </a:lnSpc>
@@ -5071,7 +5653,7 @@
                 </a:solidFill>
               </a:defRPr>
             </a:lvl3pPr>
-            <a:lvl4pPr indent="-317500" lvl="3" marL="1828800">
+            <a:lvl4pPr marL="1828800" lvl="3" indent="-317500">
               <a:lnSpc>
                 <a:spcPct val="115000"/>
               </a:lnSpc>
@@ -5092,7 +5674,7 @@
                 </a:solidFill>
               </a:defRPr>
             </a:lvl4pPr>
-            <a:lvl5pPr indent="-317500" lvl="4" marL="2286000">
+            <a:lvl5pPr marL="2286000" lvl="4" indent="-317500">
               <a:lnSpc>
                 <a:spcPct val="115000"/>
               </a:lnSpc>
@@ -5113,7 +5695,7 @@
                 </a:solidFill>
               </a:defRPr>
             </a:lvl5pPr>
-            <a:lvl6pPr indent="-317500" lvl="5" marL="2743200">
+            <a:lvl6pPr marL="2743200" lvl="5" indent="-317500">
               <a:lnSpc>
                 <a:spcPct val="115000"/>
               </a:lnSpc>
@@ -5134,7 +5716,7 @@
                 </a:solidFill>
               </a:defRPr>
             </a:lvl6pPr>
-            <a:lvl7pPr indent="-317500" lvl="6" marL="3200400">
+            <a:lvl7pPr marL="3200400" lvl="6" indent="-317500">
               <a:lnSpc>
                 <a:spcPct val="115000"/>
               </a:lnSpc>
@@ -5155,7 +5737,7 @@
                 </a:solidFill>
               </a:defRPr>
             </a:lvl7pPr>
-            <a:lvl8pPr indent="-317500" lvl="7" marL="3657600">
+            <a:lvl8pPr marL="3657600" lvl="7" indent="-317500">
               <a:lnSpc>
                 <a:spcPct val="115000"/>
               </a:lnSpc>
@@ -5176,7 +5758,7 @@
                 </a:solidFill>
               </a:defRPr>
             </a:lvl8pPr>
-            <a:lvl9pPr indent="-317500" lvl="8" marL="4114800">
+            <a:lvl9pPr marL="4114800" lvl="8" indent="-317500">
               <a:lnSpc>
                 <a:spcPct val="115000"/>
               </a:lnSpc>
@@ -5198,15 +5780,19 @@
               </a:defRPr>
             </a:lvl9pPr>
           </a:lstStyle>
-          <a:p/>
+          <a:p>
+            <a:endParaRPr/>
+          </a:p>
         </p:txBody>
       </p:sp>
       <p:sp>
         <p:nvSpPr>
           <p:cNvPr id="8" name="Shape 8"/>
-          <p:cNvSpPr txBox="1"/>
+          <p:cNvSpPr txBox="1">
+            <a:spLocks noGrp="1"/>
+          </p:cNvSpPr>
           <p:nvPr>
-            <p:ph idx="12" type="sldNum"/>
+            <p:ph type="sldNum" idx="12"/>
           </p:nvPr>
         </p:nvSpPr>
         <p:spPr>
@@ -5223,7 +5809,7 @@
           </a:ln>
         </p:spPr>
         <p:txBody>
-          <a:bodyPr anchorCtr="0" anchor="ctr" bIns="91425" lIns="91425" spcFirstLastPara="1" rIns="91425" wrap="square" tIns="91425">
+          <a:bodyPr spcFirstLastPara="1" wrap="square" lIns="91425" tIns="91425" rIns="91425" bIns="91425" anchor="ctr" anchorCtr="0">
             <a:noAutofit/>
           </a:bodyPr>
           <a:lstStyle>
@@ -5301,7 +5887,7 @@
             </a:lvl9pPr>
           </a:lstStyle>
           <a:p>
-            <a:pPr indent="0" lvl="0" marL="0">
+            <a:pPr marL="0" lvl="0" indent="0">
               <a:spcBef>
                 <a:spcPts val="0"/>
               </a:spcBef>
@@ -5320,7 +5906,7 @@
       </p:sp>
     </p:spTree>
   </p:cSld>
-  <p:clrMap accent1="accent1" accent2="accent2" accent3="accent3" accent4="accent4" accent5="accent5" accent6="accent6" bg1="lt1" bg2="dk2" tx1="dk1" tx2="lt2" folHlink="folHlink" hlink="hlink"/>
+  <p:clrMap bg1="lt1" tx1="dk1" bg2="dk2" tx2="lt2" accent1="accent1" accent2="accent2" accent3="accent3" accent4="accent4" accent5="accent5" accent6="accent6" hlink="hlink" folHlink="folHlink"/>
   <p:sldLayoutIdLst>
     <p:sldLayoutId id="2147483648" r:id="rId1"/>
     <p:sldLayoutId id="2147483649" r:id="rId2"/>
@@ -5334,10 +5920,10 @@
     <p:sldLayoutId id="2147483657" r:id="rId10"/>
     <p:sldLayoutId id="2147483658" r:id="rId11"/>
   </p:sldLayoutIdLst>
-  <p:hf dt="0" ftr="0" hdr="0" sldNum="0"/>
+  <p:hf sldNum="0" hdr="0" ftr="0" dt="0"/>
   <p:txStyles>
     <p:titleStyle>
-      <a:defPPr lvl="0" marR="0" rtl="0" algn="l">
+      <a:defPPr marR="0" lvl="0" algn="l" rtl="0">
         <a:lnSpc>
           <a:spcPct val="100000"/>
         </a:lnSpc>
@@ -5348,7 +5934,7 @@
           <a:spcPts val="0"/>
         </a:spcAft>
       </a:defPPr>
-      <a:lvl1pPr lvl="0" marR="0" rtl="0" algn="l">
+      <a:lvl1pPr marR="0" lvl="0" algn="l" rtl="0">
         <a:lnSpc>
           <a:spcPct val="100000"/>
         </a:lnSpc>
@@ -5362,7 +5948,7 @@
           <a:srgbClr val="000000"/>
         </a:buClr>
         <a:buFont typeface="Arial"/>
-        <a:defRPr b="0" i="0" sz="1400" u="none" cap="none" strike="noStrike">
+        <a:defRPr sz="1400" b="0" i="0" u="none" strike="noStrike" cap="none">
           <a:solidFill>
             <a:srgbClr val="000000"/>
           </a:solidFill>
@@ -5372,7 +5958,7 @@
           <a:sym typeface="Arial"/>
         </a:defRPr>
       </a:lvl1pPr>
-      <a:lvl2pPr lvl="1" marR="0" rtl="0" algn="l">
+      <a:lvl2pPr marR="0" lvl="1" algn="l" rtl="0">
         <a:lnSpc>
           <a:spcPct val="100000"/>
         </a:lnSpc>
@@ -5386,7 +5972,7 @@
           <a:srgbClr val="000000"/>
         </a:buClr>
         <a:buFont typeface="Arial"/>
-        <a:defRPr b="0" i="0" sz="1400" u="none" cap="none" strike="noStrike">
+        <a:defRPr sz="1400" b="0" i="0" u="none" strike="noStrike" cap="none">
           <a:solidFill>
             <a:srgbClr val="000000"/>
           </a:solidFill>
@@ -5396,7 +5982,7 @@
           <a:sym typeface="Arial"/>
         </a:defRPr>
       </a:lvl2pPr>
-      <a:lvl3pPr lvl="2" marR="0" rtl="0" algn="l">
+      <a:lvl3pPr marR="0" lvl="2" algn="l" rtl="0">
         <a:lnSpc>
           <a:spcPct val="100000"/>
         </a:lnSpc>
@@ -5410,7 +5996,7 @@
           <a:srgbClr val="000000"/>
         </a:buClr>
         <a:buFont typeface="Arial"/>
-        <a:defRPr b="0" i="0" sz="1400" u="none" cap="none" strike="noStrike">
+        <a:defRPr sz="1400" b="0" i="0" u="none" strike="noStrike" cap="none">
           <a:solidFill>
             <a:srgbClr val="000000"/>
           </a:solidFill>
@@ -5420,7 +6006,7 @@
           <a:sym typeface="Arial"/>
         </a:defRPr>
       </a:lvl3pPr>
-      <a:lvl4pPr lvl="3" marR="0" rtl="0" algn="l">
+      <a:lvl4pPr marR="0" lvl="3" algn="l" rtl="0">
         <a:lnSpc>
           <a:spcPct val="100000"/>
         </a:lnSpc>
@@ -5434,7 +6020,7 @@
           <a:srgbClr val="000000"/>
         </a:buClr>
         <a:buFont typeface="Arial"/>
-        <a:defRPr b="0" i="0" sz="1400" u="none" cap="none" strike="noStrike">
+        <a:defRPr sz="1400" b="0" i="0" u="none" strike="noStrike" cap="none">
           <a:solidFill>
             <a:srgbClr val="000000"/>
           </a:solidFill>
@@ -5444,7 +6030,7 @@
           <a:sym typeface="Arial"/>
         </a:defRPr>
       </a:lvl4pPr>
-      <a:lvl5pPr lvl="4" marR="0" rtl="0" algn="l">
+      <a:lvl5pPr marR="0" lvl="4" algn="l" rtl="0">
         <a:lnSpc>
           <a:spcPct val="100000"/>
         </a:lnSpc>
@@ -5458,7 +6044,7 @@
           <a:srgbClr val="000000"/>
         </a:buClr>
         <a:buFont typeface="Arial"/>
-        <a:defRPr b="0" i="0" sz="1400" u="none" cap="none" strike="noStrike">
+        <a:defRPr sz="1400" b="0" i="0" u="none" strike="noStrike" cap="none">
           <a:solidFill>
             <a:srgbClr val="000000"/>
           </a:solidFill>
@@ -5468,7 +6054,7 @@
           <a:sym typeface="Arial"/>
         </a:defRPr>
       </a:lvl5pPr>
-      <a:lvl6pPr lvl="5" marR="0" rtl="0" algn="l">
+      <a:lvl6pPr marR="0" lvl="5" algn="l" rtl="0">
         <a:lnSpc>
           <a:spcPct val="100000"/>
         </a:lnSpc>
@@ -5482,7 +6068,7 @@
           <a:srgbClr val="000000"/>
         </a:buClr>
         <a:buFont typeface="Arial"/>
-        <a:defRPr b="0" i="0" sz="1400" u="none" cap="none" strike="noStrike">
+        <a:defRPr sz="1400" b="0" i="0" u="none" strike="noStrike" cap="none">
           <a:solidFill>
             <a:srgbClr val="000000"/>
           </a:solidFill>
@@ -5492,7 +6078,7 @@
           <a:sym typeface="Arial"/>
         </a:defRPr>
       </a:lvl6pPr>
-      <a:lvl7pPr lvl="6" marR="0" rtl="0" algn="l">
+      <a:lvl7pPr marR="0" lvl="6" algn="l" rtl="0">
         <a:lnSpc>
           <a:spcPct val="100000"/>
         </a:lnSpc>
@@ -5506,7 +6092,7 @@
           <a:srgbClr val="000000"/>
         </a:buClr>
         <a:buFont typeface="Arial"/>
-        <a:defRPr b="0" i="0" sz="1400" u="none" cap="none" strike="noStrike">
+        <a:defRPr sz="1400" b="0" i="0" u="none" strike="noStrike" cap="none">
           <a:solidFill>
             <a:srgbClr val="000000"/>
           </a:solidFill>
@@ -5516,7 +6102,7 @@
           <a:sym typeface="Arial"/>
         </a:defRPr>
       </a:lvl7pPr>
-      <a:lvl8pPr lvl="7" marR="0" rtl="0" algn="l">
+      <a:lvl8pPr marR="0" lvl="7" algn="l" rtl="0">
         <a:lnSpc>
           <a:spcPct val="100000"/>
         </a:lnSpc>
@@ -5530,7 +6116,7 @@
           <a:srgbClr val="000000"/>
         </a:buClr>
         <a:buFont typeface="Arial"/>
-        <a:defRPr b="0" i="0" sz="1400" u="none" cap="none" strike="noStrike">
+        <a:defRPr sz="1400" b="0" i="0" u="none" strike="noStrike" cap="none">
           <a:solidFill>
             <a:srgbClr val="000000"/>
           </a:solidFill>
@@ -5540,7 +6126,7 @@
           <a:sym typeface="Arial"/>
         </a:defRPr>
       </a:lvl8pPr>
-      <a:lvl9pPr lvl="8" marR="0" rtl="0" algn="l">
+      <a:lvl9pPr marR="0" lvl="8" algn="l" rtl="0">
         <a:lnSpc>
           <a:spcPct val="100000"/>
         </a:lnSpc>
@@ -5554,7 +6140,7 @@
           <a:srgbClr val="000000"/>
         </a:buClr>
         <a:buFont typeface="Arial"/>
-        <a:defRPr b="0" i="0" sz="1400" u="none" cap="none" strike="noStrike">
+        <a:defRPr sz="1400" b="0" i="0" u="none" strike="noStrike" cap="none">
           <a:solidFill>
             <a:srgbClr val="000000"/>
           </a:solidFill>
@@ -5566,7 +6152,7 @@
       </a:lvl9pPr>
     </p:titleStyle>
     <p:bodyStyle>
-      <a:defPPr lvl="0" marR="0" rtl="0" algn="l">
+      <a:defPPr marR="0" lvl="0" algn="l" rtl="0">
         <a:lnSpc>
           <a:spcPct val="100000"/>
         </a:lnSpc>
@@ -5577,7 +6163,7 @@
           <a:spcPts val="0"/>
         </a:spcAft>
       </a:defPPr>
-      <a:lvl1pPr lvl="0" marR="0" rtl="0" algn="l">
+      <a:lvl1pPr marR="0" lvl="0" algn="l" rtl="0">
         <a:lnSpc>
           <a:spcPct val="100000"/>
         </a:lnSpc>
@@ -5591,7 +6177,7 @@
           <a:srgbClr val="000000"/>
         </a:buClr>
         <a:buFont typeface="Arial"/>
-        <a:defRPr b="0" i="0" sz="1400" u="none" cap="none" strike="noStrike">
+        <a:defRPr sz="1400" b="0" i="0" u="none" strike="noStrike" cap="none">
           <a:solidFill>
             <a:srgbClr val="000000"/>
           </a:solidFill>
@@ -5601,7 +6187,7 @@
           <a:sym typeface="Arial"/>
         </a:defRPr>
       </a:lvl1pPr>
-      <a:lvl2pPr lvl="1" marR="0" rtl="0" algn="l">
+      <a:lvl2pPr marR="0" lvl="1" algn="l" rtl="0">
         <a:lnSpc>
           <a:spcPct val="100000"/>
         </a:lnSpc>
@@ -5615,7 +6201,7 @@
           <a:srgbClr val="000000"/>
         </a:buClr>
         <a:buFont typeface="Arial"/>
-        <a:defRPr b="0" i="0" sz="1400" u="none" cap="none" strike="noStrike">
+        <a:defRPr sz="1400" b="0" i="0" u="none" strike="noStrike" cap="none">
           <a:solidFill>
             <a:srgbClr val="000000"/>
           </a:solidFill>
@@ -5625,7 +6211,7 @@
           <a:sym typeface="Arial"/>
         </a:defRPr>
       </a:lvl2pPr>
-      <a:lvl3pPr lvl="2" marR="0" rtl="0" algn="l">
+      <a:lvl3pPr marR="0" lvl="2" algn="l" rtl="0">
         <a:lnSpc>
           <a:spcPct val="100000"/>
         </a:lnSpc>
@@ -5639,7 +6225,7 @@
           <a:srgbClr val="000000"/>
         </a:buClr>
         <a:buFont typeface="Arial"/>
-        <a:defRPr b="0" i="0" sz="1400" u="none" cap="none" strike="noStrike">
+        <a:defRPr sz="1400" b="0" i="0" u="none" strike="noStrike" cap="none">
           <a:solidFill>
             <a:srgbClr val="000000"/>
           </a:solidFill>
@@ -5649,7 +6235,7 @@
           <a:sym typeface="Arial"/>
         </a:defRPr>
       </a:lvl3pPr>
-      <a:lvl4pPr lvl="3" marR="0" rtl="0" algn="l">
+      <a:lvl4pPr marR="0" lvl="3" algn="l" rtl="0">
         <a:lnSpc>
           <a:spcPct val="100000"/>
         </a:lnSpc>
@@ -5663,7 +6249,7 @@
           <a:srgbClr val="000000"/>
         </a:buClr>
         <a:buFont typeface="Arial"/>
-        <a:defRPr b="0" i="0" sz="1400" u="none" cap="none" strike="noStrike">
+        <a:defRPr sz="1400" b="0" i="0" u="none" strike="noStrike" cap="none">
           <a:solidFill>
             <a:srgbClr val="000000"/>
           </a:solidFill>
@@ -5673,7 +6259,7 @@
           <a:sym typeface="Arial"/>
         </a:defRPr>
       </a:lvl4pPr>
-      <a:lvl5pPr lvl="4" marR="0" rtl="0" algn="l">
+      <a:lvl5pPr marR="0" lvl="4" algn="l" rtl="0">
         <a:lnSpc>
           <a:spcPct val="100000"/>
         </a:lnSpc>
@@ -5687,7 +6273,7 @@
           <a:srgbClr val="000000"/>
         </a:buClr>
         <a:buFont typeface="Arial"/>
-        <a:defRPr b="0" i="0" sz="1400" u="none" cap="none" strike="noStrike">
+        <a:defRPr sz="1400" b="0" i="0" u="none" strike="noStrike" cap="none">
           <a:solidFill>
             <a:srgbClr val="000000"/>
           </a:solidFill>
@@ -5697,7 +6283,7 @@
           <a:sym typeface="Arial"/>
         </a:defRPr>
       </a:lvl5pPr>
-      <a:lvl6pPr lvl="5" marR="0" rtl="0" algn="l">
+      <a:lvl6pPr marR="0" lvl="5" algn="l" rtl="0">
         <a:lnSpc>
           <a:spcPct val="100000"/>
         </a:lnSpc>
@@ -5711,7 +6297,7 @@
           <a:srgbClr val="000000"/>
         </a:buClr>
         <a:buFont typeface="Arial"/>
-        <a:defRPr b="0" i="0" sz="1400" u="none" cap="none" strike="noStrike">
+        <a:defRPr sz="1400" b="0" i="0" u="none" strike="noStrike" cap="none">
           <a:solidFill>
             <a:srgbClr val="000000"/>
           </a:solidFill>
@@ -5721,7 +6307,7 @@
           <a:sym typeface="Arial"/>
         </a:defRPr>
       </a:lvl6pPr>
-      <a:lvl7pPr lvl="6" marR="0" rtl="0" algn="l">
+      <a:lvl7pPr marR="0" lvl="6" algn="l" rtl="0">
         <a:lnSpc>
           <a:spcPct val="100000"/>
         </a:lnSpc>
@@ -5735,7 +6321,7 @@
           <a:srgbClr val="000000"/>
         </a:buClr>
         <a:buFont typeface="Arial"/>
-        <a:defRPr b="0" i="0" sz="1400" u="none" cap="none" strike="noStrike">
+        <a:defRPr sz="1400" b="0" i="0" u="none" strike="noStrike" cap="none">
           <a:solidFill>
             <a:srgbClr val="000000"/>
           </a:solidFill>
@@ -5745,7 +6331,7 @@
           <a:sym typeface="Arial"/>
         </a:defRPr>
       </a:lvl7pPr>
-      <a:lvl8pPr lvl="7" marR="0" rtl="0" algn="l">
+      <a:lvl8pPr marR="0" lvl="7" algn="l" rtl="0">
         <a:lnSpc>
           <a:spcPct val="100000"/>
         </a:lnSpc>
@@ -5759,7 +6345,7 @@
           <a:srgbClr val="000000"/>
         </a:buClr>
         <a:buFont typeface="Arial"/>
-        <a:defRPr b="0" i="0" sz="1400" u="none" cap="none" strike="noStrike">
+        <a:defRPr sz="1400" b="0" i="0" u="none" strike="noStrike" cap="none">
           <a:solidFill>
             <a:srgbClr val="000000"/>
           </a:solidFill>
@@ -5769,7 +6355,7 @@
           <a:sym typeface="Arial"/>
         </a:defRPr>
       </a:lvl8pPr>
-      <a:lvl9pPr lvl="8" marR="0" rtl="0" algn="l">
+      <a:lvl9pPr marR="0" lvl="8" algn="l" rtl="0">
         <a:lnSpc>
           <a:spcPct val="100000"/>
         </a:lnSpc>
@@ -5783,7 +6369,7 @@
           <a:srgbClr val="000000"/>
         </a:buClr>
         <a:buFont typeface="Arial"/>
-        <a:defRPr b="0" i="0" sz="1400" u="none" cap="none" strike="noStrike">
+        <a:defRPr sz="1400" b="0" i="0" u="none" strike="noStrike" cap="none">
           <a:solidFill>
             <a:srgbClr val="000000"/>
           </a:solidFill>
@@ -5795,7 +6381,7 @@
       </a:lvl9pPr>
     </p:bodyStyle>
     <p:otherStyle>
-      <a:defPPr lvl="0" marR="0" rtl="0" algn="l">
+      <a:defPPr marR="0" lvl="0" algn="l" rtl="0">
         <a:lnSpc>
           <a:spcPct val="100000"/>
         </a:lnSpc>
@@ -5806,7 +6392,7 @@
           <a:spcPts val="0"/>
         </a:spcAft>
       </a:defPPr>
-      <a:lvl1pPr lvl="0" marR="0" rtl="0" algn="l">
+      <a:lvl1pPr marR="0" lvl="0" algn="l" rtl="0">
         <a:lnSpc>
           <a:spcPct val="100000"/>
         </a:lnSpc>
@@ -5820,7 +6406,7 @@
           <a:srgbClr val="000000"/>
         </a:buClr>
         <a:buFont typeface="Arial"/>
-        <a:defRPr b="0" i="0" sz="1400" u="none" cap="none" strike="noStrike">
+        <a:defRPr sz="1400" b="0" i="0" u="none" strike="noStrike" cap="none">
           <a:solidFill>
             <a:srgbClr val="000000"/>
           </a:solidFill>
@@ -5830,7 +6416,7 @@
           <a:sym typeface="Arial"/>
         </a:defRPr>
       </a:lvl1pPr>
-      <a:lvl2pPr lvl="1" marR="0" rtl="0" algn="l">
+      <a:lvl2pPr marR="0" lvl="1" algn="l" rtl="0">
         <a:lnSpc>
           <a:spcPct val="100000"/>
         </a:lnSpc>
@@ -5844,7 +6430,7 @@
           <a:srgbClr val="000000"/>
         </a:buClr>
         <a:buFont typeface="Arial"/>
-        <a:defRPr b="0" i="0" sz="1400" u="none" cap="none" strike="noStrike">
+        <a:defRPr sz="1400" b="0" i="0" u="none" strike="noStrike" cap="none">
           <a:solidFill>
             <a:srgbClr val="000000"/>
           </a:solidFill>
@@ -5854,7 +6440,7 @@
           <a:sym typeface="Arial"/>
         </a:defRPr>
       </a:lvl2pPr>
-      <a:lvl3pPr lvl="2" marR="0" rtl="0" algn="l">
+      <a:lvl3pPr marR="0" lvl="2" algn="l" rtl="0">
         <a:lnSpc>
           <a:spcPct val="100000"/>
         </a:lnSpc>
@@ -5868,7 +6454,7 @@
           <a:srgbClr val="000000"/>
         </a:buClr>
         <a:buFont typeface="Arial"/>
-        <a:defRPr b="0" i="0" sz="1400" u="none" cap="none" strike="noStrike">
+        <a:defRPr sz="1400" b="0" i="0" u="none" strike="noStrike" cap="none">
           <a:solidFill>
             <a:srgbClr val="000000"/>
           </a:solidFill>
@@ -5878,7 +6464,7 @@
           <a:sym typeface="Arial"/>
         </a:defRPr>
       </a:lvl3pPr>
-      <a:lvl4pPr lvl="3" marR="0" rtl="0" algn="l">
+      <a:lvl4pPr marR="0" lvl="3" algn="l" rtl="0">
         <a:lnSpc>
           <a:spcPct val="100000"/>
         </a:lnSpc>
@@ -5892,7 +6478,7 @@
           <a:srgbClr val="000000"/>
         </a:buClr>
         <a:buFont typeface="Arial"/>
-        <a:defRPr b="0" i="0" sz="1400" u="none" cap="none" strike="noStrike">
+        <a:defRPr sz="1400" b="0" i="0" u="none" strike="noStrike" cap="none">
           <a:solidFill>
             <a:srgbClr val="000000"/>
           </a:solidFill>
@@ -5902,7 +6488,7 @@
           <a:sym typeface="Arial"/>
         </a:defRPr>
       </a:lvl4pPr>
-      <a:lvl5pPr lvl="4" marR="0" rtl="0" algn="l">
+      <a:lvl5pPr marR="0" lvl="4" algn="l" rtl="0">
         <a:lnSpc>
           <a:spcPct val="100000"/>
         </a:lnSpc>
@@ -5916,7 +6502,7 @@
           <a:srgbClr val="000000"/>
         </a:buClr>
         <a:buFont typeface="Arial"/>
-        <a:defRPr b="0" i="0" sz="1400" u="none" cap="none" strike="noStrike">
+        <a:defRPr sz="1400" b="0" i="0" u="none" strike="noStrike" cap="none">
           <a:solidFill>
             <a:srgbClr val="000000"/>
           </a:solidFill>
@@ -5926,7 +6512,7 @@
           <a:sym typeface="Arial"/>
         </a:defRPr>
       </a:lvl5pPr>
-      <a:lvl6pPr lvl="5" marR="0" rtl="0" algn="l">
+      <a:lvl6pPr marR="0" lvl="5" algn="l" rtl="0">
         <a:lnSpc>
           <a:spcPct val="100000"/>
         </a:lnSpc>
@@ -5940,7 +6526,7 @@
           <a:srgbClr val="000000"/>
         </a:buClr>
         <a:buFont typeface="Arial"/>
-        <a:defRPr b="0" i="0" sz="1400" u="none" cap="none" strike="noStrike">
+        <a:defRPr sz="1400" b="0" i="0" u="none" strike="noStrike" cap="none">
           <a:solidFill>
             <a:srgbClr val="000000"/>
           </a:solidFill>
@@ -5950,7 +6536,7 @@
           <a:sym typeface="Arial"/>
         </a:defRPr>
       </a:lvl6pPr>
-      <a:lvl7pPr lvl="6" marR="0" rtl="0" algn="l">
+      <a:lvl7pPr marR="0" lvl="6" algn="l" rtl="0">
         <a:lnSpc>
           <a:spcPct val="100000"/>
         </a:lnSpc>
@@ -5964,7 +6550,7 @@
           <a:srgbClr val="000000"/>
         </a:buClr>
         <a:buFont typeface="Arial"/>
-        <a:defRPr b="0" i="0" sz="1400" u="none" cap="none" strike="noStrike">
+        <a:defRPr sz="1400" b="0" i="0" u="none" strike="noStrike" cap="none">
           <a:solidFill>
             <a:srgbClr val="000000"/>
           </a:solidFill>
@@ -5974,7 +6560,7 @@
           <a:sym typeface="Arial"/>
         </a:defRPr>
       </a:lvl7pPr>
-      <a:lvl8pPr lvl="7" marR="0" rtl="0" algn="l">
+      <a:lvl8pPr marR="0" lvl="7" algn="l" rtl="0">
         <a:lnSpc>
           <a:spcPct val="100000"/>
         </a:lnSpc>
@@ -5988,7 +6574,7 @@
           <a:srgbClr val="000000"/>
         </a:buClr>
         <a:buFont typeface="Arial"/>
-        <a:defRPr b="0" i="0" sz="1400" u="none" cap="none" strike="noStrike">
+        <a:defRPr sz="1400" b="0" i="0" u="none" strike="noStrike" cap="none">
           <a:solidFill>
             <a:srgbClr val="000000"/>
           </a:solidFill>
@@ -5998,7 +6584,7 @@
           <a:sym typeface="Arial"/>
         </a:defRPr>
       </a:lvl8pPr>
-      <a:lvl9pPr lvl="8" marR="0" rtl="0" algn="l">
+      <a:lvl9pPr marR="0" lvl="8" algn="l" rtl="0">
         <a:lnSpc>
           <a:spcPct val="100000"/>
         </a:lnSpc>
@@ -6012,7 +6598,7 @@
           <a:srgbClr val="000000"/>
         </a:buClr>
         <a:buFont typeface="Arial"/>
-        <a:defRPr b="0" i="0" sz="1400" u="none" cap="none" strike="noStrike">
+        <a:defRPr sz="1400" b="0" i="0" u="none" strike="noStrike" cap="none">
           <a:solidFill>
             <a:srgbClr val="000000"/>
           </a:solidFill>
@@ -6028,11 +6614,2156 @@
 </file>
 
 <file path=ppt/slides/slide1.xml><?xml version="1.0" encoding="utf-8"?>
-<p:sld xmlns:a="http://schemas.openxmlformats.org/drawingml/2006/main" xmlns:r="http://schemas.openxmlformats.org/officeDocument/2006/relationships" xmlns:mc="http://schemas.openxmlformats.org/markup-compatibility/2006" xmlns:mv="urn:schemas-microsoft-com:mac:vml" xmlns:p="http://schemas.openxmlformats.org/presentationml/2006/main" xmlns:c="http://schemas.openxmlformats.org/drawingml/2006/chart" xmlns:dgm="http://schemas.openxmlformats.org/drawingml/2006/diagram" xmlns:o="urn:schemas-microsoft-com:office:office" xmlns:v="urn:schemas-microsoft-com:vml" xmlns:pvml="urn:schemas-microsoft-com:office:powerpoint" xmlns:com="http://schemas.openxmlformats.org/drawingml/2006/compatibility" xmlns:p14="http://schemas.microsoft.com/office/powerpoint/2010/main" xmlns:p15="http://schemas.microsoft.com/office/powerpoint/2012/main">
+<p:sld xmlns:a="http://schemas.openxmlformats.org/drawingml/2006/main" xmlns:r="http://schemas.openxmlformats.org/officeDocument/2006/relationships" xmlns:p="http://schemas.openxmlformats.org/presentationml/2006/main">
   <p:cSld>
     <p:spTree>
       <p:nvGrpSpPr>
-        <p:cNvPr id="53" name="Shape 53"/>
+        <p:cNvPr id="1" name=""/>
+        <p:cNvGrpSpPr/>
+        <p:nvPr/>
+      </p:nvGrpSpPr>
+      <p:grpSpPr>
+        <a:xfrm>
+          <a:off x="0" y="0"/>
+          <a:ext cx="0" cy="0"/>
+          <a:chOff x="0" y="0"/>
+          <a:chExt cx="0" cy="0"/>
+        </a:xfrm>
+      </p:grpSpPr>
+      <p:sp>
+        <p:nvSpPr>
+          <p:cNvPr id="4" name="Title 3">
+            <a:extLst>
+              <a:ext uri="{FF2B5EF4-FFF2-40B4-BE49-F238E27FC236}">
+                <a16:creationId xmlns:a16="http://schemas.microsoft.com/office/drawing/2014/main" id="{774B795C-49A2-4CD2-B09E-AB93E55C38C9}"/>
+              </a:ext>
+            </a:extLst>
+          </p:cNvPr>
+          <p:cNvSpPr>
+            <a:spLocks noGrp="1"/>
+          </p:cNvSpPr>
+          <p:nvPr>
+            <p:ph type="title"/>
+          </p:nvPr>
+        </p:nvSpPr>
+        <p:spPr/>
+        <p:txBody>
+          <a:bodyPr/>
+          <a:lstStyle/>
+          <a:p>
+            <a:endParaRPr lang="en-US" dirty="0"/>
+          </a:p>
+        </p:txBody>
+      </p:sp>
+    </p:spTree>
+    <p:extLst>
+      <p:ext uri="{BB962C8B-B14F-4D97-AF65-F5344CB8AC3E}">
+        <p14:creationId xmlns:p14="http://schemas.microsoft.com/office/powerpoint/2010/main" val="3904958647"/>
+      </p:ext>
+    </p:extLst>
+  </p:cSld>
+  <p:clrMapOvr>
+    <a:masterClrMapping/>
+  </p:clrMapOvr>
+</p:sld>
+</file>
+
+<file path=ppt/slides/slide10.xml><?xml version="1.0" encoding="utf-8"?>
+<p:sld xmlns:a="http://schemas.openxmlformats.org/drawingml/2006/main" xmlns:r="http://schemas.openxmlformats.org/officeDocument/2006/relationships" xmlns:p="http://schemas.openxmlformats.org/presentationml/2006/main">
+  <p:cSld>
+    <p:spTree>
+      <p:nvGrpSpPr>
+        <p:cNvPr id="1" name="Shape 90"/>
+        <p:cNvGrpSpPr/>
+        <p:nvPr/>
+      </p:nvGrpSpPr>
+      <p:grpSpPr>
+        <a:xfrm>
+          <a:off x="0" y="0"/>
+          <a:ext cx="0" cy="0"/>
+          <a:chOff x="0" y="0"/>
+          <a:chExt cx="0" cy="0"/>
+        </a:xfrm>
+      </p:grpSpPr>
+      <p:sp>
+        <p:nvSpPr>
+          <p:cNvPr id="91" name="Shape 91"/>
+          <p:cNvSpPr txBox="1">
+            <a:spLocks noGrp="1"/>
+          </p:cNvSpPr>
+          <p:nvPr>
+            <p:ph type="title"/>
+          </p:nvPr>
+        </p:nvSpPr>
+        <p:spPr>
+          <a:xfrm>
+            <a:off x="62275" y="-124550"/>
+            <a:ext cx="8769900" cy="524700"/>
+          </a:xfrm>
+          <a:prstGeom prst="rect">
+            <a:avLst/>
+          </a:prstGeom>
+        </p:spPr>
+        <p:txBody>
+          <a:bodyPr spcFirstLastPara="1" wrap="square" lIns="91425" tIns="91425" rIns="91425" bIns="91425" anchor="t" anchorCtr="0">
+            <a:noAutofit/>
+          </a:bodyPr>
+          <a:lstStyle/>
+          <a:p>
+            <a:pPr marL="0" lvl="0" indent="0" rtl="0">
+              <a:spcBef>
+                <a:spcPts val="0"/>
+              </a:spcBef>
+              <a:spcAft>
+                <a:spcPts val="0"/>
+              </a:spcAft>
+              <a:buNone/>
+            </a:pPr>
+            <a:r>
+              <a:rPr lang="en" sz="4000"/>
+              <a:t>Configure Relationships with SQLAl...</a:t>
+            </a:r>
+            <a:endParaRPr sz="4000"/>
+          </a:p>
+        </p:txBody>
+      </p:sp>
+      <p:sp>
+        <p:nvSpPr>
+          <p:cNvPr id="92" name="Shape 92"/>
+          <p:cNvSpPr txBox="1"/>
+          <p:nvPr/>
+        </p:nvSpPr>
+        <p:spPr>
+          <a:xfrm>
+            <a:off x="418050" y="658225"/>
+            <a:ext cx="8619300" cy="4349700"/>
+          </a:xfrm>
+          <a:prstGeom prst="rect">
+            <a:avLst/>
+          </a:prstGeom>
+          <a:noFill/>
+          <a:ln>
+            <a:noFill/>
+          </a:ln>
+        </p:spPr>
+        <p:txBody>
+          <a:bodyPr spcFirstLastPara="1" wrap="square" lIns="91425" tIns="91425" rIns="91425" bIns="91425" anchor="t" anchorCtr="0">
+            <a:noAutofit/>
+          </a:bodyPr>
+          <a:lstStyle/>
+          <a:p>
+            <a:pPr marL="457200" lvl="0" indent="-381000" rtl="0">
+              <a:lnSpc>
+                <a:spcPct val="115000"/>
+              </a:lnSpc>
+              <a:spcBef>
+                <a:spcPts val="0"/>
+              </a:spcBef>
+              <a:spcAft>
+                <a:spcPts val="0"/>
+              </a:spcAft>
+              <a:buClr>
+                <a:srgbClr val="FFFFFF"/>
+              </a:buClr>
+              <a:buSzPts val="2400"/>
+              <a:buChar char="●"/>
+            </a:pPr>
+            <a:r>
+              <a:rPr lang="en" sz="2400">
+                <a:solidFill>
+                  <a:srgbClr val="FFFFFF"/>
+                </a:solidFill>
+              </a:rPr>
+              <a:t>class Comic(db.Model):</a:t>
+            </a:r>
+            <a:endParaRPr sz="2400">
+              <a:solidFill>
+                <a:srgbClr val="FFFFFF"/>
+              </a:solidFill>
+            </a:endParaRPr>
+          </a:p>
+          <a:p>
+            <a:pPr marL="914400" lvl="1" indent="-381000" rtl="0">
+              <a:lnSpc>
+                <a:spcPct val="100000"/>
+              </a:lnSpc>
+              <a:spcBef>
+                <a:spcPts val="0"/>
+              </a:spcBef>
+              <a:spcAft>
+                <a:spcPts val="0"/>
+              </a:spcAft>
+              <a:buClr>
+                <a:srgbClr val="FFFFFF"/>
+              </a:buClr>
+              <a:buSzPts val="2400"/>
+              <a:buChar char="○"/>
+            </a:pPr>
+            <a:r>
+              <a:rPr lang="en" sz="2400">
+                <a:solidFill>
+                  <a:srgbClr val="FFFFFF"/>
+                </a:solidFill>
+              </a:rPr>
+              <a:t>id = db.Column(db.Integer, primary_key=True)</a:t>
+            </a:r>
+            <a:endParaRPr sz="2400">
+              <a:solidFill>
+                <a:srgbClr val="FFFFFF"/>
+              </a:solidFill>
+            </a:endParaRPr>
+          </a:p>
+          <a:p>
+            <a:pPr marL="914400" lvl="1" indent="-381000" rtl="0">
+              <a:lnSpc>
+                <a:spcPct val="100000"/>
+              </a:lnSpc>
+              <a:spcBef>
+                <a:spcPts val="0"/>
+              </a:spcBef>
+              <a:spcAft>
+                <a:spcPts val="0"/>
+              </a:spcAft>
+              <a:buClr>
+                <a:srgbClr val="FFFFFF"/>
+              </a:buClr>
+              <a:buSzPts val="2400"/>
+              <a:buChar char="○"/>
+            </a:pPr>
+            <a:r>
+              <a:rPr lang="en" sz="2400">
+                <a:solidFill>
+                  <a:srgbClr val="FFFFFF"/>
+                </a:solidFill>
+              </a:rPr>
+              <a:t>publisher_id = db.Column(db.Integer, ForeignKey("publisher.id"))</a:t>
+            </a:r>
+            <a:endParaRPr sz="2400">
+              <a:solidFill>
+                <a:srgbClr val="FFFFFF"/>
+              </a:solidFill>
+            </a:endParaRPr>
+          </a:p>
+          <a:p>
+            <a:pPr marL="914400" lvl="1" indent="-381000" rtl="0">
+              <a:lnSpc>
+                <a:spcPct val="100000"/>
+              </a:lnSpc>
+              <a:spcBef>
+                <a:spcPts val="0"/>
+              </a:spcBef>
+              <a:spcAft>
+                <a:spcPts val="0"/>
+              </a:spcAft>
+              <a:buClr>
+                <a:srgbClr val="FFFFFF"/>
+              </a:buClr>
+              <a:buSzPts val="2400"/>
+              <a:buChar char="○"/>
+            </a:pPr>
+            <a:r>
+              <a:rPr lang="en" sz="2400">
+                <a:solidFill>
+                  <a:srgbClr val="FFFFFF"/>
+                </a:solidFill>
+              </a:rPr>
+              <a:t>publisher = db.relationship('Publisher')</a:t>
+            </a:r>
+            <a:endParaRPr sz="2400">
+              <a:solidFill>
+                <a:srgbClr val="FFFFFF"/>
+              </a:solidFill>
+            </a:endParaRPr>
+          </a:p>
+          <a:p>
+            <a:pPr marL="457200" lvl="0" indent="-381000" rtl="0">
+              <a:lnSpc>
+                <a:spcPct val="115000"/>
+              </a:lnSpc>
+              <a:spcBef>
+                <a:spcPts val="1000"/>
+              </a:spcBef>
+              <a:spcAft>
+                <a:spcPts val="0"/>
+              </a:spcAft>
+              <a:buClr>
+                <a:srgbClr val="FFFFFF"/>
+              </a:buClr>
+              <a:buSzPts val="2400"/>
+              <a:buChar char="●"/>
+            </a:pPr>
+            <a:r>
+              <a:rPr lang="en" sz="2400">
+                <a:solidFill>
+                  <a:srgbClr val="FFFFFF"/>
+                </a:solidFill>
+              </a:rPr>
+              <a:t>class Publisher(db.Model):</a:t>
+            </a:r>
+            <a:endParaRPr sz="2400">
+              <a:solidFill>
+                <a:srgbClr val="FFFFFF"/>
+              </a:solidFill>
+            </a:endParaRPr>
+          </a:p>
+          <a:p>
+            <a:pPr marL="914400" lvl="1" indent="-381000" rtl="0">
+              <a:lnSpc>
+                <a:spcPct val="115000"/>
+              </a:lnSpc>
+              <a:spcBef>
+                <a:spcPts val="0"/>
+              </a:spcBef>
+              <a:spcAft>
+                <a:spcPts val="0"/>
+              </a:spcAft>
+              <a:buClr>
+                <a:srgbClr val="FFFFFF"/>
+              </a:buClr>
+              <a:buSzPts val="2400"/>
+              <a:buChar char="○"/>
+            </a:pPr>
+            <a:r>
+              <a:rPr lang="en" sz="2400">
+                <a:solidFill>
+                  <a:srgbClr val="FFFFFF"/>
+                </a:solidFill>
+              </a:rPr>
+              <a:t>id = db.Column(db.Integer, primary_key=True)</a:t>
+            </a:r>
+            <a:endParaRPr sz="2400">
+              <a:solidFill>
+                <a:srgbClr val="FFFFFF"/>
+              </a:solidFill>
+            </a:endParaRPr>
+          </a:p>
+          <a:p>
+            <a:pPr marL="0" lvl="0" indent="0" rtl="0">
+              <a:lnSpc>
+                <a:spcPct val="100000"/>
+              </a:lnSpc>
+              <a:spcBef>
+                <a:spcPts val="0"/>
+              </a:spcBef>
+              <a:spcAft>
+                <a:spcPts val="0"/>
+              </a:spcAft>
+              <a:buNone/>
+            </a:pPr>
+            <a:r>
+              <a:rPr lang="en" sz="2400">
+                <a:solidFill>
+                  <a:srgbClr val="FFFFFF"/>
+                </a:solidFill>
+              </a:rPr>
+              <a:t>comic = Comic.query.get(id)</a:t>
+            </a:r>
+            <a:endParaRPr sz="2400">
+              <a:solidFill>
+                <a:srgbClr val="FFFFFF"/>
+              </a:solidFill>
+            </a:endParaRPr>
+          </a:p>
+          <a:p>
+            <a:pPr marL="0" lvl="0" indent="0" rtl="0">
+              <a:lnSpc>
+                <a:spcPct val="100000"/>
+              </a:lnSpc>
+              <a:spcBef>
+                <a:spcPts val="0"/>
+              </a:spcBef>
+              <a:spcAft>
+                <a:spcPts val="0"/>
+              </a:spcAft>
+              <a:buNone/>
+            </a:pPr>
+            <a:r>
+              <a:rPr lang="en" sz="2400">
+                <a:solidFill>
+                  <a:srgbClr val="FFFFFF"/>
+                </a:solidFill>
+              </a:rPr>
+              <a:t>comic.publisher.name</a:t>
+            </a:r>
+            <a:endParaRPr sz="2400">
+              <a:solidFill>
+                <a:srgbClr val="FFFFFF"/>
+              </a:solidFill>
+            </a:endParaRPr>
+          </a:p>
+        </p:txBody>
+      </p:sp>
+    </p:spTree>
+  </p:cSld>
+  <p:clrMapOvr>
+    <a:masterClrMapping/>
+  </p:clrMapOvr>
+  <p:timing>
+    <p:tnLst>
+      <p:par>
+        <p:cTn id="1" dur="indefinite" restart="never" nodeType="tmRoot">
+          <p:childTnLst>
+            <p:seq concurrent="1" nextAc="seek">
+              <p:cTn id="2" dur="indefinite" nodeType="mainSeq">
+                <p:childTnLst>
+                  <p:par>
+                    <p:cTn id="3" fill="hold">
+                      <p:stCondLst>
+                        <p:cond delay="indefinite"/>
+                      </p:stCondLst>
+                      <p:childTnLst>
+                        <p:par>
+                          <p:cTn id="4" fill="hold">
+                            <p:stCondLst>
+                              <p:cond delay="0"/>
+                            </p:stCondLst>
+                            <p:childTnLst>
+                              <p:par>
+                                <p:cTn id="5" presetID="10" presetClass="entr" presetSubtype="0" fill="hold" nodeType="clickEffect">
+                                  <p:stCondLst>
+                                    <p:cond delay="0"/>
+                                  </p:stCondLst>
+                                  <p:childTnLst>
+                                    <p:set>
+                                      <p:cBhvr>
+                                        <p:cTn id="6" dur="1" fill="hold">
+                                          <p:stCondLst>
+                                            <p:cond delay="0"/>
+                                          </p:stCondLst>
+                                        </p:cTn>
+                                        <p:tgtEl>
+                                          <p:spTgt spid="92">
+                                            <p:txEl>
+                                              <p:pRg st="0" end="0"/>
+                                            </p:txEl>
+                                          </p:spTgt>
+                                        </p:tgtEl>
+                                        <p:attrNameLst>
+                                          <p:attrName>style.visibility</p:attrName>
+                                        </p:attrNameLst>
+                                      </p:cBhvr>
+                                      <p:to>
+                                        <p:strVal val="visible"/>
+                                      </p:to>
+                                    </p:set>
+                                    <p:animEffect transition="in" filter="fade">
+                                      <p:cBhvr>
+                                        <p:cTn id="7" dur="1000"/>
+                                        <p:tgtEl>
+                                          <p:spTgt spid="92">
+                                            <p:txEl>
+                                              <p:pRg st="0" end="0"/>
+                                            </p:txEl>
+                                          </p:spTgt>
+                                        </p:tgtEl>
+                                      </p:cBhvr>
+                                    </p:animEffect>
+                                  </p:childTnLst>
+                                </p:cTn>
+                              </p:par>
+                            </p:childTnLst>
+                          </p:cTn>
+                        </p:par>
+                      </p:childTnLst>
+                    </p:cTn>
+                  </p:par>
+                  <p:par>
+                    <p:cTn id="8" fill="hold">
+                      <p:stCondLst>
+                        <p:cond delay="indefinite"/>
+                      </p:stCondLst>
+                      <p:childTnLst>
+                        <p:par>
+                          <p:cTn id="9" fill="hold">
+                            <p:stCondLst>
+                              <p:cond delay="0"/>
+                            </p:stCondLst>
+                            <p:childTnLst>
+                              <p:par>
+                                <p:cTn id="10" presetID="10" presetClass="entr" presetSubtype="0" fill="hold" nodeType="clickEffect">
+                                  <p:stCondLst>
+                                    <p:cond delay="0"/>
+                                  </p:stCondLst>
+                                  <p:childTnLst>
+                                    <p:set>
+                                      <p:cBhvr>
+                                        <p:cTn id="11" dur="1" fill="hold">
+                                          <p:stCondLst>
+                                            <p:cond delay="0"/>
+                                          </p:stCondLst>
+                                        </p:cTn>
+                                        <p:tgtEl>
+                                          <p:spTgt spid="92">
+                                            <p:txEl>
+                                              <p:pRg st="1" end="1"/>
+                                            </p:txEl>
+                                          </p:spTgt>
+                                        </p:tgtEl>
+                                        <p:attrNameLst>
+                                          <p:attrName>style.visibility</p:attrName>
+                                        </p:attrNameLst>
+                                      </p:cBhvr>
+                                      <p:to>
+                                        <p:strVal val="visible"/>
+                                      </p:to>
+                                    </p:set>
+                                    <p:animEffect transition="in" filter="fade">
+                                      <p:cBhvr>
+                                        <p:cTn id="12" dur="1000"/>
+                                        <p:tgtEl>
+                                          <p:spTgt spid="92">
+                                            <p:txEl>
+                                              <p:pRg st="1" end="1"/>
+                                            </p:txEl>
+                                          </p:spTgt>
+                                        </p:tgtEl>
+                                      </p:cBhvr>
+                                    </p:animEffect>
+                                  </p:childTnLst>
+                                </p:cTn>
+                              </p:par>
+                            </p:childTnLst>
+                          </p:cTn>
+                        </p:par>
+                      </p:childTnLst>
+                    </p:cTn>
+                  </p:par>
+                  <p:par>
+                    <p:cTn id="13" fill="hold">
+                      <p:stCondLst>
+                        <p:cond delay="indefinite"/>
+                      </p:stCondLst>
+                      <p:childTnLst>
+                        <p:par>
+                          <p:cTn id="14" fill="hold">
+                            <p:stCondLst>
+                              <p:cond delay="0"/>
+                            </p:stCondLst>
+                            <p:childTnLst>
+                              <p:par>
+                                <p:cTn id="15" presetID="10" presetClass="entr" presetSubtype="0" fill="hold" nodeType="clickEffect">
+                                  <p:stCondLst>
+                                    <p:cond delay="0"/>
+                                  </p:stCondLst>
+                                  <p:childTnLst>
+                                    <p:set>
+                                      <p:cBhvr>
+                                        <p:cTn id="16" dur="1" fill="hold">
+                                          <p:stCondLst>
+                                            <p:cond delay="0"/>
+                                          </p:stCondLst>
+                                        </p:cTn>
+                                        <p:tgtEl>
+                                          <p:spTgt spid="92">
+                                            <p:txEl>
+                                              <p:pRg st="2" end="2"/>
+                                            </p:txEl>
+                                          </p:spTgt>
+                                        </p:tgtEl>
+                                        <p:attrNameLst>
+                                          <p:attrName>style.visibility</p:attrName>
+                                        </p:attrNameLst>
+                                      </p:cBhvr>
+                                      <p:to>
+                                        <p:strVal val="visible"/>
+                                      </p:to>
+                                    </p:set>
+                                    <p:animEffect transition="in" filter="fade">
+                                      <p:cBhvr>
+                                        <p:cTn id="17" dur="1000"/>
+                                        <p:tgtEl>
+                                          <p:spTgt spid="92">
+                                            <p:txEl>
+                                              <p:pRg st="2" end="2"/>
+                                            </p:txEl>
+                                          </p:spTgt>
+                                        </p:tgtEl>
+                                      </p:cBhvr>
+                                    </p:animEffect>
+                                  </p:childTnLst>
+                                </p:cTn>
+                              </p:par>
+                            </p:childTnLst>
+                          </p:cTn>
+                        </p:par>
+                      </p:childTnLst>
+                    </p:cTn>
+                  </p:par>
+                  <p:par>
+                    <p:cTn id="18" fill="hold">
+                      <p:stCondLst>
+                        <p:cond delay="indefinite"/>
+                      </p:stCondLst>
+                      <p:childTnLst>
+                        <p:par>
+                          <p:cTn id="19" fill="hold">
+                            <p:stCondLst>
+                              <p:cond delay="0"/>
+                            </p:stCondLst>
+                            <p:childTnLst>
+                              <p:par>
+                                <p:cTn id="20" presetID="10" presetClass="entr" presetSubtype="0" fill="hold" nodeType="clickEffect">
+                                  <p:stCondLst>
+                                    <p:cond delay="0"/>
+                                  </p:stCondLst>
+                                  <p:childTnLst>
+                                    <p:set>
+                                      <p:cBhvr>
+                                        <p:cTn id="21" dur="1" fill="hold">
+                                          <p:stCondLst>
+                                            <p:cond delay="0"/>
+                                          </p:stCondLst>
+                                        </p:cTn>
+                                        <p:tgtEl>
+                                          <p:spTgt spid="92">
+                                            <p:txEl>
+                                              <p:pRg st="3" end="3"/>
+                                            </p:txEl>
+                                          </p:spTgt>
+                                        </p:tgtEl>
+                                        <p:attrNameLst>
+                                          <p:attrName>style.visibility</p:attrName>
+                                        </p:attrNameLst>
+                                      </p:cBhvr>
+                                      <p:to>
+                                        <p:strVal val="visible"/>
+                                      </p:to>
+                                    </p:set>
+                                    <p:animEffect transition="in" filter="fade">
+                                      <p:cBhvr>
+                                        <p:cTn id="22" dur="1000"/>
+                                        <p:tgtEl>
+                                          <p:spTgt spid="92">
+                                            <p:txEl>
+                                              <p:pRg st="3" end="3"/>
+                                            </p:txEl>
+                                          </p:spTgt>
+                                        </p:tgtEl>
+                                      </p:cBhvr>
+                                    </p:animEffect>
+                                  </p:childTnLst>
+                                </p:cTn>
+                              </p:par>
+                            </p:childTnLst>
+                          </p:cTn>
+                        </p:par>
+                      </p:childTnLst>
+                    </p:cTn>
+                  </p:par>
+                  <p:par>
+                    <p:cTn id="23" fill="hold">
+                      <p:stCondLst>
+                        <p:cond delay="indefinite"/>
+                      </p:stCondLst>
+                      <p:childTnLst>
+                        <p:par>
+                          <p:cTn id="24" fill="hold">
+                            <p:stCondLst>
+                              <p:cond delay="0"/>
+                            </p:stCondLst>
+                            <p:childTnLst>
+                              <p:par>
+                                <p:cTn id="25" presetID="10" presetClass="entr" presetSubtype="0" fill="hold" nodeType="clickEffect">
+                                  <p:stCondLst>
+                                    <p:cond delay="0"/>
+                                  </p:stCondLst>
+                                  <p:childTnLst>
+                                    <p:set>
+                                      <p:cBhvr>
+                                        <p:cTn id="26" dur="1" fill="hold">
+                                          <p:stCondLst>
+                                            <p:cond delay="0"/>
+                                          </p:stCondLst>
+                                        </p:cTn>
+                                        <p:tgtEl>
+                                          <p:spTgt spid="92">
+                                            <p:txEl>
+                                              <p:pRg st="4" end="4"/>
+                                            </p:txEl>
+                                          </p:spTgt>
+                                        </p:tgtEl>
+                                        <p:attrNameLst>
+                                          <p:attrName>style.visibility</p:attrName>
+                                        </p:attrNameLst>
+                                      </p:cBhvr>
+                                      <p:to>
+                                        <p:strVal val="visible"/>
+                                      </p:to>
+                                    </p:set>
+                                    <p:animEffect transition="in" filter="fade">
+                                      <p:cBhvr>
+                                        <p:cTn id="27" dur="1000"/>
+                                        <p:tgtEl>
+                                          <p:spTgt spid="92">
+                                            <p:txEl>
+                                              <p:pRg st="4" end="4"/>
+                                            </p:txEl>
+                                          </p:spTgt>
+                                        </p:tgtEl>
+                                      </p:cBhvr>
+                                    </p:animEffect>
+                                  </p:childTnLst>
+                                </p:cTn>
+                              </p:par>
+                            </p:childTnLst>
+                          </p:cTn>
+                        </p:par>
+                      </p:childTnLst>
+                    </p:cTn>
+                  </p:par>
+                  <p:par>
+                    <p:cTn id="28" fill="hold">
+                      <p:stCondLst>
+                        <p:cond delay="indefinite"/>
+                      </p:stCondLst>
+                      <p:childTnLst>
+                        <p:par>
+                          <p:cTn id="29" fill="hold">
+                            <p:stCondLst>
+                              <p:cond delay="0"/>
+                            </p:stCondLst>
+                            <p:childTnLst>
+                              <p:par>
+                                <p:cTn id="30" presetID="10" presetClass="entr" presetSubtype="0" fill="hold" nodeType="clickEffect">
+                                  <p:stCondLst>
+                                    <p:cond delay="0"/>
+                                  </p:stCondLst>
+                                  <p:childTnLst>
+                                    <p:set>
+                                      <p:cBhvr>
+                                        <p:cTn id="31" dur="1" fill="hold">
+                                          <p:stCondLst>
+                                            <p:cond delay="0"/>
+                                          </p:stCondLst>
+                                        </p:cTn>
+                                        <p:tgtEl>
+                                          <p:spTgt spid="92">
+                                            <p:txEl>
+                                              <p:pRg st="5" end="5"/>
+                                            </p:txEl>
+                                          </p:spTgt>
+                                        </p:tgtEl>
+                                        <p:attrNameLst>
+                                          <p:attrName>style.visibility</p:attrName>
+                                        </p:attrNameLst>
+                                      </p:cBhvr>
+                                      <p:to>
+                                        <p:strVal val="visible"/>
+                                      </p:to>
+                                    </p:set>
+                                    <p:animEffect transition="in" filter="fade">
+                                      <p:cBhvr>
+                                        <p:cTn id="32" dur="1000"/>
+                                        <p:tgtEl>
+                                          <p:spTgt spid="92">
+                                            <p:txEl>
+                                              <p:pRg st="5" end="5"/>
+                                            </p:txEl>
+                                          </p:spTgt>
+                                        </p:tgtEl>
+                                      </p:cBhvr>
+                                    </p:animEffect>
+                                  </p:childTnLst>
+                                </p:cTn>
+                              </p:par>
+                            </p:childTnLst>
+                          </p:cTn>
+                        </p:par>
+                      </p:childTnLst>
+                    </p:cTn>
+                  </p:par>
+                  <p:par>
+                    <p:cTn id="33" fill="hold">
+                      <p:stCondLst>
+                        <p:cond delay="indefinite"/>
+                      </p:stCondLst>
+                      <p:childTnLst>
+                        <p:par>
+                          <p:cTn id="34" fill="hold">
+                            <p:stCondLst>
+                              <p:cond delay="0"/>
+                            </p:stCondLst>
+                            <p:childTnLst>
+                              <p:par>
+                                <p:cTn id="35" presetID="10" presetClass="entr" presetSubtype="0" fill="hold" nodeType="clickEffect">
+                                  <p:stCondLst>
+                                    <p:cond delay="0"/>
+                                  </p:stCondLst>
+                                  <p:childTnLst>
+                                    <p:set>
+                                      <p:cBhvr>
+                                        <p:cTn id="36" dur="1" fill="hold">
+                                          <p:stCondLst>
+                                            <p:cond delay="0"/>
+                                          </p:stCondLst>
+                                        </p:cTn>
+                                        <p:tgtEl>
+                                          <p:spTgt spid="92">
+                                            <p:txEl>
+                                              <p:pRg st="6" end="6"/>
+                                            </p:txEl>
+                                          </p:spTgt>
+                                        </p:tgtEl>
+                                        <p:attrNameLst>
+                                          <p:attrName>style.visibility</p:attrName>
+                                        </p:attrNameLst>
+                                      </p:cBhvr>
+                                      <p:to>
+                                        <p:strVal val="visible"/>
+                                      </p:to>
+                                    </p:set>
+                                    <p:animEffect transition="in" filter="fade">
+                                      <p:cBhvr>
+                                        <p:cTn id="37" dur="1000"/>
+                                        <p:tgtEl>
+                                          <p:spTgt spid="92">
+                                            <p:txEl>
+                                              <p:pRg st="6" end="6"/>
+                                            </p:txEl>
+                                          </p:spTgt>
+                                        </p:tgtEl>
+                                      </p:cBhvr>
+                                    </p:animEffect>
+                                  </p:childTnLst>
+                                </p:cTn>
+                              </p:par>
+                            </p:childTnLst>
+                          </p:cTn>
+                        </p:par>
+                      </p:childTnLst>
+                    </p:cTn>
+                  </p:par>
+                  <p:par>
+                    <p:cTn id="38" fill="hold">
+                      <p:stCondLst>
+                        <p:cond delay="indefinite"/>
+                      </p:stCondLst>
+                      <p:childTnLst>
+                        <p:par>
+                          <p:cTn id="39" fill="hold">
+                            <p:stCondLst>
+                              <p:cond delay="0"/>
+                            </p:stCondLst>
+                            <p:childTnLst>
+                              <p:par>
+                                <p:cTn id="40" presetID="10" presetClass="entr" presetSubtype="0" fill="hold" nodeType="clickEffect">
+                                  <p:stCondLst>
+                                    <p:cond delay="0"/>
+                                  </p:stCondLst>
+                                  <p:childTnLst>
+                                    <p:set>
+                                      <p:cBhvr>
+                                        <p:cTn id="41" dur="1" fill="hold">
+                                          <p:stCondLst>
+                                            <p:cond delay="0"/>
+                                          </p:stCondLst>
+                                        </p:cTn>
+                                        <p:tgtEl>
+                                          <p:spTgt spid="92">
+                                            <p:txEl>
+                                              <p:pRg st="7" end="7"/>
+                                            </p:txEl>
+                                          </p:spTgt>
+                                        </p:tgtEl>
+                                        <p:attrNameLst>
+                                          <p:attrName>style.visibility</p:attrName>
+                                        </p:attrNameLst>
+                                      </p:cBhvr>
+                                      <p:to>
+                                        <p:strVal val="visible"/>
+                                      </p:to>
+                                    </p:set>
+                                    <p:animEffect transition="in" filter="fade">
+                                      <p:cBhvr>
+                                        <p:cTn id="42" dur="1000"/>
+                                        <p:tgtEl>
+                                          <p:spTgt spid="92">
+                                            <p:txEl>
+                                              <p:pRg st="7" end="7"/>
+                                            </p:txEl>
+                                          </p:spTgt>
+                                        </p:tgtEl>
+                                      </p:cBhvr>
+                                    </p:animEffect>
+                                  </p:childTnLst>
+                                </p:cTn>
+                              </p:par>
+                            </p:childTnLst>
+                          </p:cTn>
+                        </p:par>
+                      </p:childTnLst>
+                    </p:cTn>
+                  </p:par>
+                </p:childTnLst>
+              </p:cTn>
+              <p:prevCondLst>
+                <p:cond evt="onPrev" delay="0">
+                  <p:tgtEl>
+                    <p:sldTgt/>
+                  </p:tgtEl>
+                </p:cond>
+              </p:prevCondLst>
+              <p:nextCondLst>
+                <p:cond evt="onNext" delay="0">
+                  <p:tgtEl>
+                    <p:sldTgt/>
+                  </p:tgtEl>
+                </p:cond>
+              </p:nextCondLst>
+            </p:seq>
+          </p:childTnLst>
+        </p:cTn>
+      </p:par>
+    </p:tnLst>
+  </p:timing>
+</p:sld>
+</file>
+
+<file path=ppt/slides/slide11.xml><?xml version="1.0" encoding="utf-8"?>
+<p:sld xmlns:a="http://schemas.openxmlformats.org/drawingml/2006/main" xmlns:r="http://schemas.openxmlformats.org/officeDocument/2006/relationships" xmlns:p="http://schemas.openxmlformats.org/presentationml/2006/main">
+  <p:cSld>
+    <p:spTree>
+      <p:nvGrpSpPr>
+        <p:cNvPr id="1" name=""/>
+        <p:cNvGrpSpPr/>
+        <p:nvPr/>
+      </p:nvGrpSpPr>
+      <p:grpSpPr>
+        <a:xfrm>
+          <a:off x="0" y="0"/>
+          <a:ext cx="0" cy="0"/>
+          <a:chOff x="0" y="0"/>
+          <a:chExt cx="0" cy="0"/>
+        </a:xfrm>
+      </p:grpSpPr>
+      <p:sp>
+        <p:nvSpPr>
+          <p:cNvPr id="2" name="Title 1">
+            <a:extLst>
+              <a:ext uri="{FF2B5EF4-FFF2-40B4-BE49-F238E27FC236}">
+                <a16:creationId xmlns:a16="http://schemas.microsoft.com/office/drawing/2014/main" id="{4CA1D703-8BBD-4963-8604-EB1BB7521617}"/>
+              </a:ext>
+            </a:extLst>
+          </p:cNvPr>
+          <p:cNvSpPr>
+            <a:spLocks noGrp="1"/>
+          </p:cNvSpPr>
+          <p:nvPr>
+            <p:ph type="title"/>
+          </p:nvPr>
+        </p:nvSpPr>
+        <p:spPr>
+          <a:xfrm>
+            <a:off x="311700" y="1729950"/>
+            <a:ext cx="8520600" cy="841800"/>
+          </a:xfrm>
+        </p:spPr>
+        <p:txBody>
+          <a:bodyPr/>
+          <a:lstStyle/>
+          <a:p>
+            <a:r>
+              <a:rPr lang="en-US" dirty="0"/>
+              <a:t>Q &amp; A</a:t>
+            </a:r>
+          </a:p>
+        </p:txBody>
+      </p:sp>
+    </p:spTree>
+    <p:extLst>
+      <p:ext uri="{BB962C8B-B14F-4D97-AF65-F5344CB8AC3E}">
+        <p14:creationId xmlns:p14="http://schemas.microsoft.com/office/powerpoint/2010/main" val="2589605758"/>
+      </p:ext>
+    </p:extLst>
+  </p:cSld>
+  <p:clrMapOvr>
+    <a:masterClrMapping/>
+  </p:clrMapOvr>
+</p:sld>
+</file>
+
+<file path=ppt/slides/slide12.xml><?xml version="1.0" encoding="utf-8"?>
+<p:sld xmlns:a="http://schemas.openxmlformats.org/drawingml/2006/main" xmlns:r="http://schemas.openxmlformats.org/officeDocument/2006/relationships" xmlns:p="http://schemas.openxmlformats.org/presentationml/2006/main">
+  <p:cSld>
+    <p:spTree>
+      <p:nvGrpSpPr>
+        <p:cNvPr id="1" name=""/>
+        <p:cNvGrpSpPr/>
+        <p:nvPr/>
+      </p:nvGrpSpPr>
+      <p:grpSpPr>
+        <a:xfrm>
+          <a:off x="0" y="0"/>
+          <a:ext cx="0" cy="0"/>
+          <a:chOff x="0" y="0"/>
+          <a:chExt cx="0" cy="0"/>
+        </a:xfrm>
+      </p:grpSpPr>
+      <p:sp>
+        <p:nvSpPr>
+          <p:cNvPr id="2" name="Title 1">
+            <a:extLst>
+              <a:ext uri="{FF2B5EF4-FFF2-40B4-BE49-F238E27FC236}">
+                <a16:creationId xmlns:a16="http://schemas.microsoft.com/office/drawing/2014/main" id="{4CA1D703-8BBD-4963-8604-EB1BB7521617}"/>
+              </a:ext>
+            </a:extLst>
+          </p:cNvPr>
+          <p:cNvSpPr>
+            <a:spLocks noGrp="1"/>
+          </p:cNvSpPr>
+          <p:nvPr>
+            <p:ph type="title"/>
+          </p:nvPr>
+        </p:nvSpPr>
+        <p:spPr>
+          <a:xfrm>
+            <a:off x="311700" y="1729950"/>
+            <a:ext cx="8520600" cy="841800"/>
+          </a:xfrm>
+        </p:spPr>
+        <p:txBody>
+          <a:bodyPr/>
+          <a:lstStyle/>
+          <a:p>
+            <a:r>
+              <a:rPr lang="en-US" dirty="0"/>
+              <a:t>Studio Walkthrough</a:t>
+            </a:r>
+          </a:p>
+        </p:txBody>
+      </p:sp>
+    </p:spTree>
+    <p:extLst>
+      <p:ext uri="{BB962C8B-B14F-4D97-AF65-F5344CB8AC3E}">
+        <p14:creationId xmlns:p14="http://schemas.microsoft.com/office/powerpoint/2010/main" val="2220849723"/>
+      </p:ext>
+    </p:extLst>
+  </p:cSld>
+  <p:clrMapOvr>
+    <a:masterClrMapping/>
+  </p:clrMapOvr>
+</p:sld>
+</file>
+
+<file path=ppt/slides/slide2.xml><?xml version="1.0" encoding="utf-8"?>
+<p:sld xmlns:a="http://schemas.openxmlformats.org/drawingml/2006/main" xmlns:r="http://schemas.openxmlformats.org/officeDocument/2006/relationships" xmlns:p="http://schemas.openxmlformats.org/presentationml/2006/main">
+  <p:cSld>
+    <p:spTree>
+      <p:nvGrpSpPr>
+        <p:cNvPr id="1" name="Shape 60"/>
+        <p:cNvGrpSpPr/>
+        <p:nvPr/>
+      </p:nvGrpSpPr>
+      <p:grpSpPr>
+        <a:xfrm>
+          <a:off x="0" y="0"/>
+          <a:ext cx="0" cy="0"/>
+          <a:chOff x="0" y="0"/>
+          <a:chExt cx="0" cy="0"/>
+        </a:xfrm>
+      </p:grpSpPr>
+      <p:sp>
+        <p:nvSpPr>
+          <p:cNvPr id="61" name="Shape 61"/>
+          <p:cNvSpPr txBox="1">
+            <a:spLocks noGrp="1"/>
+          </p:cNvSpPr>
+          <p:nvPr>
+            <p:ph type="title"/>
+          </p:nvPr>
+        </p:nvSpPr>
+        <p:spPr>
+          <a:xfrm>
+            <a:off x="62275" y="-124550"/>
+            <a:ext cx="8769900" cy="524700"/>
+          </a:xfrm>
+          <a:prstGeom prst="rect">
+            <a:avLst/>
+          </a:prstGeom>
+        </p:spPr>
+        <p:txBody>
+          <a:bodyPr spcFirstLastPara="1" wrap="square" lIns="91425" tIns="91425" rIns="91425" bIns="91425" anchor="t" anchorCtr="0">
+            <a:noAutofit/>
+          </a:bodyPr>
+          <a:lstStyle/>
+          <a:p>
+            <a:pPr marL="0" lvl="0" indent="0" rtl="0">
+              <a:spcBef>
+                <a:spcPts val="0"/>
+              </a:spcBef>
+              <a:spcAft>
+                <a:spcPts val="0"/>
+              </a:spcAft>
+              <a:buNone/>
+            </a:pPr>
+            <a:r>
+              <a:rPr lang="en-US" sz="4000" dirty="0"/>
+              <a:t>Outline</a:t>
+            </a:r>
+            <a:endParaRPr sz="4000" dirty="0"/>
+          </a:p>
+        </p:txBody>
+      </p:sp>
+      <p:sp>
+        <p:nvSpPr>
+          <p:cNvPr id="62" name="Shape 62"/>
+          <p:cNvSpPr txBox="1"/>
+          <p:nvPr/>
+        </p:nvSpPr>
+        <p:spPr>
+          <a:xfrm>
+            <a:off x="418050" y="658225"/>
+            <a:ext cx="8619300" cy="4349700"/>
+          </a:xfrm>
+          <a:prstGeom prst="rect">
+            <a:avLst/>
+          </a:prstGeom>
+          <a:noFill/>
+          <a:ln>
+            <a:noFill/>
+          </a:ln>
+        </p:spPr>
+        <p:txBody>
+          <a:bodyPr spcFirstLastPara="1" wrap="square" lIns="91425" tIns="91425" rIns="91425" bIns="91425" anchor="t" anchorCtr="0">
+            <a:noAutofit/>
+          </a:bodyPr>
+          <a:lstStyle/>
+          <a:p>
+            <a:pPr marL="457200" marR="0" lvl="0" indent="-381000" algn="l" rtl="0">
+              <a:lnSpc>
+                <a:spcPct val="115000"/>
+              </a:lnSpc>
+              <a:spcBef>
+                <a:spcPts val="0"/>
+              </a:spcBef>
+              <a:spcAft>
+                <a:spcPts val="0"/>
+              </a:spcAft>
+              <a:buClr>
+                <a:srgbClr val="FFFFFF"/>
+              </a:buClr>
+              <a:buSzPts val="2400"/>
+              <a:buFont typeface="Arial"/>
+              <a:buChar char="●"/>
+            </a:pPr>
+            <a:r>
+              <a:rPr lang="en-US" sz="2400" dirty="0">
+                <a:solidFill>
+                  <a:srgbClr val="FFFFFF"/>
+                </a:solidFill>
+              </a:rPr>
+              <a:t>Reminders</a:t>
+            </a:r>
+          </a:p>
+          <a:p>
+            <a:pPr marL="457200" marR="0" lvl="0" indent="-381000" algn="l" rtl="0">
+              <a:lnSpc>
+                <a:spcPct val="115000"/>
+              </a:lnSpc>
+              <a:spcBef>
+                <a:spcPts val="0"/>
+              </a:spcBef>
+              <a:spcAft>
+                <a:spcPts val="0"/>
+              </a:spcAft>
+              <a:buClr>
+                <a:srgbClr val="FFFFFF"/>
+              </a:buClr>
+              <a:buSzPts val="2400"/>
+              <a:buFont typeface="Arial"/>
+              <a:buChar char="●"/>
+            </a:pPr>
+            <a:r>
+              <a:rPr lang="en-US" sz="2400" dirty="0">
+                <a:solidFill>
+                  <a:srgbClr val="FFFFFF"/>
+                </a:solidFill>
+              </a:rPr>
+              <a:t>Short Lecture</a:t>
+            </a:r>
+          </a:p>
+          <a:p>
+            <a:pPr marL="457200" marR="0" lvl="0" indent="-381000" algn="l" rtl="0">
+              <a:lnSpc>
+                <a:spcPct val="115000"/>
+              </a:lnSpc>
+              <a:spcBef>
+                <a:spcPts val="0"/>
+              </a:spcBef>
+              <a:spcAft>
+                <a:spcPts val="0"/>
+              </a:spcAft>
+              <a:buClr>
+                <a:srgbClr val="FFFFFF"/>
+              </a:buClr>
+              <a:buSzPts val="2400"/>
+              <a:buFont typeface="Arial"/>
+              <a:buChar char="●"/>
+            </a:pPr>
+            <a:r>
+              <a:rPr lang="en-US" sz="2400" dirty="0">
+                <a:solidFill>
+                  <a:srgbClr val="FFFFFF"/>
+                </a:solidFill>
+              </a:rPr>
+              <a:t>Q&amp;A</a:t>
+            </a:r>
+          </a:p>
+          <a:p>
+            <a:pPr marL="457200" marR="0" lvl="0" indent="-381000" algn="l" rtl="0">
+              <a:lnSpc>
+                <a:spcPct val="115000"/>
+              </a:lnSpc>
+              <a:spcBef>
+                <a:spcPts val="0"/>
+              </a:spcBef>
+              <a:spcAft>
+                <a:spcPts val="0"/>
+              </a:spcAft>
+              <a:buClr>
+                <a:srgbClr val="FFFFFF"/>
+              </a:buClr>
+              <a:buSzPts val="2400"/>
+              <a:buFont typeface="Arial"/>
+              <a:buChar char="●"/>
+            </a:pPr>
+            <a:r>
+              <a:rPr lang="en-US" sz="2400" dirty="0">
+                <a:solidFill>
+                  <a:srgbClr val="FFFFFF"/>
+                </a:solidFill>
+              </a:rPr>
+              <a:t>Studio Walkthrough (</a:t>
+            </a:r>
+            <a:r>
+              <a:rPr lang="en-US" sz="2400" dirty="0" err="1">
+                <a:solidFill>
+                  <a:srgbClr val="FFFFFF"/>
+                </a:solidFill>
+              </a:rPr>
+              <a:t>Flicklist</a:t>
+            </a:r>
+            <a:r>
+              <a:rPr lang="en-US" sz="2400" dirty="0">
+                <a:solidFill>
+                  <a:srgbClr val="FFFFFF"/>
+                </a:solidFill>
+              </a:rPr>
+              <a:t> 8)</a:t>
+            </a:r>
+          </a:p>
+          <a:p>
+            <a:pPr marL="457200" marR="0" lvl="0" indent="-381000" algn="l" rtl="0">
+              <a:lnSpc>
+                <a:spcPct val="115000"/>
+              </a:lnSpc>
+              <a:spcBef>
+                <a:spcPts val="0"/>
+              </a:spcBef>
+              <a:spcAft>
+                <a:spcPts val="0"/>
+              </a:spcAft>
+              <a:buClr>
+                <a:srgbClr val="FFFFFF"/>
+              </a:buClr>
+              <a:buSzPts val="2400"/>
+              <a:buFont typeface="Arial"/>
+              <a:buChar char="●"/>
+            </a:pPr>
+            <a:r>
+              <a:rPr lang="en-US" sz="2400" dirty="0">
+                <a:solidFill>
+                  <a:srgbClr val="FFFFFF"/>
+                </a:solidFill>
+              </a:rPr>
+              <a:t>Studio</a:t>
+            </a:r>
+            <a:endParaRPr sz="2400" dirty="0">
+              <a:solidFill>
+                <a:srgbClr val="FFFFFF"/>
+              </a:solidFill>
+            </a:endParaRPr>
+          </a:p>
+          <a:p>
+            <a:pPr marL="0" lvl="0" indent="0" rtl="0">
+              <a:lnSpc>
+                <a:spcPct val="115000"/>
+              </a:lnSpc>
+              <a:spcBef>
+                <a:spcPts val="0"/>
+              </a:spcBef>
+              <a:spcAft>
+                <a:spcPts val="0"/>
+              </a:spcAft>
+              <a:buNone/>
+            </a:pPr>
+            <a:endParaRPr sz="2200" dirty="0">
+              <a:solidFill>
+                <a:srgbClr val="FFFFFF"/>
+              </a:solidFill>
+            </a:endParaRPr>
+          </a:p>
+          <a:p>
+            <a:pPr marL="0" lvl="0" indent="0" rtl="0">
+              <a:lnSpc>
+                <a:spcPct val="115000"/>
+              </a:lnSpc>
+              <a:spcBef>
+                <a:spcPts val="0"/>
+              </a:spcBef>
+              <a:spcAft>
+                <a:spcPts val="0"/>
+              </a:spcAft>
+              <a:buNone/>
+            </a:pPr>
+            <a:endParaRPr sz="2200" dirty="0">
+              <a:solidFill>
+                <a:srgbClr val="FFFFFF"/>
+              </a:solidFill>
+            </a:endParaRPr>
+          </a:p>
+          <a:p>
+            <a:pPr marL="0" marR="0" lvl="0" indent="0" algn="l" rtl="0">
+              <a:lnSpc>
+                <a:spcPct val="100000"/>
+              </a:lnSpc>
+              <a:spcBef>
+                <a:spcPts val="0"/>
+              </a:spcBef>
+              <a:spcAft>
+                <a:spcPts val="0"/>
+              </a:spcAft>
+              <a:buNone/>
+            </a:pPr>
+            <a:endParaRPr sz="2400" dirty="0">
+              <a:solidFill>
+                <a:srgbClr val="FFFFFF"/>
+              </a:solidFill>
+            </a:endParaRPr>
+          </a:p>
+          <a:p>
+            <a:pPr marL="0" lvl="0" indent="0" rtl="0">
+              <a:spcBef>
+                <a:spcPts val="0"/>
+              </a:spcBef>
+              <a:spcAft>
+                <a:spcPts val="0"/>
+              </a:spcAft>
+              <a:buNone/>
+            </a:pPr>
+            <a:endParaRPr sz="2400" dirty="0">
+              <a:solidFill>
+                <a:srgbClr val="FFFFFF"/>
+              </a:solidFill>
+            </a:endParaRPr>
+          </a:p>
+        </p:txBody>
+      </p:sp>
+    </p:spTree>
+    <p:extLst>
+      <p:ext uri="{BB962C8B-B14F-4D97-AF65-F5344CB8AC3E}">
+        <p14:creationId xmlns:p14="http://schemas.microsoft.com/office/powerpoint/2010/main" val="2159364699"/>
+      </p:ext>
+    </p:extLst>
+  </p:cSld>
+  <p:clrMapOvr>
+    <a:masterClrMapping/>
+  </p:clrMapOvr>
+  <p:timing>
+    <p:tnLst>
+      <p:par>
+        <p:cTn id="1" dur="indefinite" restart="never" nodeType="tmRoot">
+          <p:childTnLst>
+            <p:seq concurrent="1" nextAc="seek">
+              <p:cTn id="2" dur="indefinite" nodeType="mainSeq">
+                <p:childTnLst>
+                  <p:par>
+                    <p:cTn id="3" fill="hold">
+                      <p:stCondLst>
+                        <p:cond delay="indefinite"/>
+                      </p:stCondLst>
+                      <p:childTnLst>
+                        <p:par>
+                          <p:cTn id="4" fill="hold">
+                            <p:stCondLst>
+                              <p:cond delay="0"/>
+                            </p:stCondLst>
+                            <p:childTnLst>
+                              <p:par>
+                                <p:cTn id="5" presetID="10" presetClass="entr" presetSubtype="0" fill="hold" nodeType="clickEffect">
+                                  <p:stCondLst>
+                                    <p:cond delay="0"/>
+                                  </p:stCondLst>
+                                  <p:childTnLst>
+                                    <p:set>
+                                      <p:cBhvr>
+                                        <p:cTn id="6" dur="1" fill="hold">
+                                          <p:stCondLst>
+                                            <p:cond delay="0"/>
+                                          </p:stCondLst>
+                                        </p:cTn>
+                                        <p:tgtEl>
+                                          <p:spTgt spid="62">
+                                            <p:txEl>
+                                              <p:pRg st="0" end="0"/>
+                                            </p:txEl>
+                                          </p:spTgt>
+                                        </p:tgtEl>
+                                        <p:attrNameLst>
+                                          <p:attrName>style.visibility</p:attrName>
+                                        </p:attrNameLst>
+                                      </p:cBhvr>
+                                      <p:to>
+                                        <p:strVal val="visible"/>
+                                      </p:to>
+                                    </p:set>
+                                    <p:animEffect transition="in" filter="fade">
+                                      <p:cBhvr>
+                                        <p:cTn id="7" dur="1000"/>
+                                        <p:tgtEl>
+                                          <p:spTgt spid="62">
+                                            <p:txEl>
+                                              <p:pRg st="0" end="0"/>
+                                            </p:txEl>
+                                          </p:spTgt>
+                                        </p:tgtEl>
+                                      </p:cBhvr>
+                                    </p:animEffect>
+                                  </p:childTnLst>
+                                </p:cTn>
+                              </p:par>
+                            </p:childTnLst>
+                          </p:cTn>
+                        </p:par>
+                      </p:childTnLst>
+                    </p:cTn>
+                  </p:par>
+                  <p:par>
+                    <p:cTn id="8" fill="hold">
+                      <p:stCondLst>
+                        <p:cond delay="indefinite"/>
+                      </p:stCondLst>
+                      <p:childTnLst>
+                        <p:par>
+                          <p:cTn id="9" fill="hold">
+                            <p:stCondLst>
+                              <p:cond delay="0"/>
+                            </p:stCondLst>
+                            <p:childTnLst>
+                              <p:par>
+                                <p:cTn id="10" presetID="10" presetClass="entr" presetSubtype="0" fill="hold" nodeType="clickEffect">
+                                  <p:stCondLst>
+                                    <p:cond delay="0"/>
+                                  </p:stCondLst>
+                                  <p:childTnLst>
+                                    <p:set>
+                                      <p:cBhvr>
+                                        <p:cTn id="11" dur="1" fill="hold">
+                                          <p:stCondLst>
+                                            <p:cond delay="0"/>
+                                          </p:stCondLst>
+                                        </p:cTn>
+                                        <p:tgtEl>
+                                          <p:spTgt spid="62">
+                                            <p:txEl>
+                                              <p:pRg st="1" end="1"/>
+                                            </p:txEl>
+                                          </p:spTgt>
+                                        </p:tgtEl>
+                                        <p:attrNameLst>
+                                          <p:attrName>style.visibility</p:attrName>
+                                        </p:attrNameLst>
+                                      </p:cBhvr>
+                                      <p:to>
+                                        <p:strVal val="visible"/>
+                                      </p:to>
+                                    </p:set>
+                                    <p:animEffect transition="in" filter="fade">
+                                      <p:cBhvr>
+                                        <p:cTn id="12" dur="1000"/>
+                                        <p:tgtEl>
+                                          <p:spTgt spid="62">
+                                            <p:txEl>
+                                              <p:pRg st="1" end="1"/>
+                                            </p:txEl>
+                                          </p:spTgt>
+                                        </p:tgtEl>
+                                      </p:cBhvr>
+                                    </p:animEffect>
+                                  </p:childTnLst>
+                                </p:cTn>
+                              </p:par>
+                            </p:childTnLst>
+                          </p:cTn>
+                        </p:par>
+                      </p:childTnLst>
+                    </p:cTn>
+                  </p:par>
+                  <p:par>
+                    <p:cTn id="13" fill="hold">
+                      <p:stCondLst>
+                        <p:cond delay="indefinite"/>
+                      </p:stCondLst>
+                      <p:childTnLst>
+                        <p:par>
+                          <p:cTn id="14" fill="hold">
+                            <p:stCondLst>
+                              <p:cond delay="0"/>
+                            </p:stCondLst>
+                            <p:childTnLst>
+                              <p:par>
+                                <p:cTn id="15" presetID="10" presetClass="entr" presetSubtype="0" fill="hold" nodeType="clickEffect">
+                                  <p:stCondLst>
+                                    <p:cond delay="0"/>
+                                  </p:stCondLst>
+                                  <p:childTnLst>
+                                    <p:set>
+                                      <p:cBhvr>
+                                        <p:cTn id="16" dur="1" fill="hold">
+                                          <p:stCondLst>
+                                            <p:cond delay="0"/>
+                                          </p:stCondLst>
+                                        </p:cTn>
+                                        <p:tgtEl>
+                                          <p:spTgt spid="62">
+                                            <p:txEl>
+                                              <p:pRg st="2" end="2"/>
+                                            </p:txEl>
+                                          </p:spTgt>
+                                        </p:tgtEl>
+                                        <p:attrNameLst>
+                                          <p:attrName>style.visibility</p:attrName>
+                                        </p:attrNameLst>
+                                      </p:cBhvr>
+                                      <p:to>
+                                        <p:strVal val="visible"/>
+                                      </p:to>
+                                    </p:set>
+                                    <p:animEffect transition="in" filter="fade">
+                                      <p:cBhvr>
+                                        <p:cTn id="17" dur="1000"/>
+                                        <p:tgtEl>
+                                          <p:spTgt spid="62">
+                                            <p:txEl>
+                                              <p:pRg st="2" end="2"/>
+                                            </p:txEl>
+                                          </p:spTgt>
+                                        </p:tgtEl>
+                                      </p:cBhvr>
+                                    </p:animEffect>
+                                  </p:childTnLst>
+                                </p:cTn>
+                              </p:par>
+                            </p:childTnLst>
+                          </p:cTn>
+                        </p:par>
+                      </p:childTnLst>
+                    </p:cTn>
+                  </p:par>
+                  <p:par>
+                    <p:cTn id="18" fill="hold">
+                      <p:stCondLst>
+                        <p:cond delay="indefinite"/>
+                      </p:stCondLst>
+                      <p:childTnLst>
+                        <p:par>
+                          <p:cTn id="19" fill="hold">
+                            <p:stCondLst>
+                              <p:cond delay="0"/>
+                            </p:stCondLst>
+                            <p:childTnLst>
+                              <p:par>
+                                <p:cTn id="20" presetID="10" presetClass="entr" presetSubtype="0" fill="hold" nodeType="clickEffect">
+                                  <p:stCondLst>
+                                    <p:cond delay="0"/>
+                                  </p:stCondLst>
+                                  <p:childTnLst>
+                                    <p:set>
+                                      <p:cBhvr>
+                                        <p:cTn id="21" dur="1" fill="hold">
+                                          <p:stCondLst>
+                                            <p:cond delay="0"/>
+                                          </p:stCondLst>
+                                        </p:cTn>
+                                        <p:tgtEl>
+                                          <p:spTgt spid="62">
+                                            <p:txEl>
+                                              <p:pRg st="3" end="3"/>
+                                            </p:txEl>
+                                          </p:spTgt>
+                                        </p:tgtEl>
+                                        <p:attrNameLst>
+                                          <p:attrName>style.visibility</p:attrName>
+                                        </p:attrNameLst>
+                                      </p:cBhvr>
+                                      <p:to>
+                                        <p:strVal val="visible"/>
+                                      </p:to>
+                                    </p:set>
+                                    <p:animEffect transition="in" filter="fade">
+                                      <p:cBhvr>
+                                        <p:cTn id="22" dur="1000"/>
+                                        <p:tgtEl>
+                                          <p:spTgt spid="62">
+                                            <p:txEl>
+                                              <p:pRg st="3" end="3"/>
+                                            </p:txEl>
+                                          </p:spTgt>
+                                        </p:tgtEl>
+                                      </p:cBhvr>
+                                    </p:animEffect>
+                                  </p:childTnLst>
+                                </p:cTn>
+                              </p:par>
+                            </p:childTnLst>
+                          </p:cTn>
+                        </p:par>
+                      </p:childTnLst>
+                    </p:cTn>
+                  </p:par>
+                  <p:par>
+                    <p:cTn id="23" fill="hold">
+                      <p:stCondLst>
+                        <p:cond delay="indefinite"/>
+                      </p:stCondLst>
+                      <p:childTnLst>
+                        <p:par>
+                          <p:cTn id="24" fill="hold">
+                            <p:stCondLst>
+                              <p:cond delay="0"/>
+                            </p:stCondLst>
+                            <p:childTnLst>
+                              <p:par>
+                                <p:cTn id="25" presetID="10" presetClass="entr" presetSubtype="0" fill="hold" nodeType="clickEffect">
+                                  <p:stCondLst>
+                                    <p:cond delay="0"/>
+                                  </p:stCondLst>
+                                  <p:childTnLst>
+                                    <p:set>
+                                      <p:cBhvr>
+                                        <p:cTn id="26" dur="1" fill="hold">
+                                          <p:stCondLst>
+                                            <p:cond delay="0"/>
+                                          </p:stCondLst>
+                                        </p:cTn>
+                                        <p:tgtEl>
+                                          <p:spTgt spid="62">
+                                            <p:txEl>
+                                              <p:pRg st="4" end="4"/>
+                                            </p:txEl>
+                                          </p:spTgt>
+                                        </p:tgtEl>
+                                        <p:attrNameLst>
+                                          <p:attrName>style.visibility</p:attrName>
+                                        </p:attrNameLst>
+                                      </p:cBhvr>
+                                      <p:to>
+                                        <p:strVal val="visible"/>
+                                      </p:to>
+                                    </p:set>
+                                    <p:animEffect transition="in" filter="fade">
+                                      <p:cBhvr>
+                                        <p:cTn id="27" dur="1000"/>
+                                        <p:tgtEl>
+                                          <p:spTgt spid="62">
+                                            <p:txEl>
+                                              <p:pRg st="4" end="4"/>
+                                            </p:txEl>
+                                          </p:spTgt>
+                                        </p:tgtEl>
+                                      </p:cBhvr>
+                                    </p:animEffect>
+                                  </p:childTnLst>
+                                </p:cTn>
+                              </p:par>
+                            </p:childTnLst>
+                          </p:cTn>
+                        </p:par>
+                      </p:childTnLst>
+                    </p:cTn>
+                  </p:par>
+                </p:childTnLst>
+              </p:cTn>
+              <p:prevCondLst>
+                <p:cond evt="onPrev" delay="0">
+                  <p:tgtEl>
+                    <p:sldTgt/>
+                  </p:tgtEl>
+                </p:cond>
+              </p:prevCondLst>
+              <p:nextCondLst>
+                <p:cond evt="onNext" delay="0">
+                  <p:tgtEl>
+                    <p:sldTgt/>
+                  </p:tgtEl>
+                </p:cond>
+              </p:nextCondLst>
+            </p:seq>
+          </p:childTnLst>
+        </p:cTn>
+      </p:par>
+    </p:tnLst>
+  </p:timing>
+</p:sld>
+</file>
+
+<file path=ppt/slides/slide3.xml><?xml version="1.0" encoding="utf-8"?>
+<p:sld xmlns:a="http://schemas.openxmlformats.org/drawingml/2006/main" xmlns:r="http://schemas.openxmlformats.org/officeDocument/2006/relationships" xmlns:p="http://schemas.openxmlformats.org/presentationml/2006/main">
+  <p:cSld>
+    <p:spTree>
+      <p:nvGrpSpPr>
+        <p:cNvPr id="1" name="Shape 60"/>
+        <p:cNvGrpSpPr/>
+        <p:nvPr/>
+      </p:nvGrpSpPr>
+      <p:grpSpPr>
+        <a:xfrm>
+          <a:off x="0" y="0"/>
+          <a:ext cx="0" cy="0"/>
+          <a:chOff x="0" y="0"/>
+          <a:chExt cx="0" cy="0"/>
+        </a:xfrm>
+      </p:grpSpPr>
+      <p:sp>
+        <p:nvSpPr>
+          <p:cNvPr id="61" name="Shape 61"/>
+          <p:cNvSpPr txBox="1">
+            <a:spLocks noGrp="1"/>
+          </p:cNvSpPr>
+          <p:nvPr>
+            <p:ph type="title"/>
+          </p:nvPr>
+        </p:nvSpPr>
+        <p:spPr>
+          <a:xfrm>
+            <a:off x="62275" y="-124550"/>
+            <a:ext cx="8769900" cy="524700"/>
+          </a:xfrm>
+          <a:prstGeom prst="rect">
+            <a:avLst/>
+          </a:prstGeom>
+        </p:spPr>
+        <p:txBody>
+          <a:bodyPr spcFirstLastPara="1" wrap="square" lIns="91425" tIns="91425" rIns="91425" bIns="91425" anchor="t" anchorCtr="0">
+            <a:noAutofit/>
+          </a:bodyPr>
+          <a:lstStyle/>
+          <a:p>
+            <a:pPr marL="0" lvl="0" indent="0" rtl="0">
+              <a:spcBef>
+                <a:spcPts val="0"/>
+              </a:spcBef>
+              <a:spcAft>
+                <a:spcPts val="0"/>
+              </a:spcAft>
+              <a:buNone/>
+            </a:pPr>
+            <a:r>
+              <a:rPr lang="en-US" sz="4000" dirty="0"/>
+              <a:t>Reminders</a:t>
+            </a:r>
+            <a:endParaRPr sz="4000" dirty="0"/>
+          </a:p>
+        </p:txBody>
+      </p:sp>
+      <p:sp>
+        <p:nvSpPr>
+          <p:cNvPr id="62" name="Shape 62"/>
+          <p:cNvSpPr txBox="1"/>
+          <p:nvPr/>
+        </p:nvSpPr>
+        <p:spPr>
+          <a:xfrm>
+            <a:off x="418050" y="668858"/>
+            <a:ext cx="8619300" cy="4349700"/>
+          </a:xfrm>
+          <a:prstGeom prst="rect">
+            <a:avLst/>
+          </a:prstGeom>
+          <a:noFill/>
+          <a:ln>
+            <a:noFill/>
+          </a:ln>
+        </p:spPr>
+        <p:txBody>
+          <a:bodyPr spcFirstLastPara="1" wrap="square" lIns="91425" tIns="91425" rIns="91425" bIns="91425" anchor="t" anchorCtr="0">
+            <a:noAutofit/>
+          </a:bodyPr>
+          <a:lstStyle/>
+          <a:p>
+            <a:pPr marL="457200" indent="-381000">
+              <a:lnSpc>
+                <a:spcPct val="115000"/>
+              </a:lnSpc>
+              <a:buClr>
+                <a:srgbClr val="FFFFFF"/>
+              </a:buClr>
+              <a:buSzPts val="2400"/>
+              <a:buFont typeface="Arial"/>
+              <a:buChar char="●"/>
+            </a:pPr>
+            <a:r>
+              <a:rPr lang="en-US" sz="2400" dirty="0">
+                <a:solidFill>
+                  <a:srgbClr val="FFFFFF"/>
+                </a:solidFill>
+              </a:rPr>
+              <a:t>Also, catch up on missing assignments ASAP</a:t>
+            </a:r>
+          </a:p>
+          <a:p>
+            <a:pPr marL="457200" indent="-381000">
+              <a:lnSpc>
+                <a:spcPct val="115000"/>
+              </a:lnSpc>
+              <a:buClr>
+                <a:srgbClr val="FFFFFF"/>
+              </a:buClr>
+              <a:buSzPts val="2400"/>
+              <a:buFont typeface="Arial"/>
+              <a:buChar char="●"/>
+            </a:pPr>
+            <a:r>
+              <a:rPr lang="en-US" sz="2400" dirty="0">
+                <a:solidFill>
+                  <a:srgbClr val="FFFFFF"/>
+                </a:solidFill>
+              </a:rPr>
+              <a:t>Baseball on Tuesday</a:t>
+            </a:r>
+          </a:p>
+          <a:p>
+            <a:pPr marL="457200" indent="-381000">
+              <a:lnSpc>
+                <a:spcPct val="115000"/>
+              </a:lnSpc>
+              <a:buClr>
+                <a:srgbClr val="FFFFFF"/>
+              </a:buClr>
+              <a:buSzPts val="2400"/>
+              <a:buFont typeface="Arial"/>
+              <a:buChar char="●"/>
+            </a:pPr>
+            <a:r>
+              <a:rPr lang="en-US" sz="2400" dirty="0" err="1">
+                <a:solidFill>
+                  <a:srgbClr val="FFFFFF"/>
+                </a:solidFill>
+              </a:rPr>
+              <a:t>Blogz</a:t>
+            </a:r>
+            <a:r>
+              <a:rPr lang="en-US" sz="2400" dirty="0">
+                <a:solidFill>
+                  <a:srgbClr val="FFFFFF"/>
+                </a:solidFill>
+              </a:rPr>
+              <a:t> due next Saturday</a:t>
+            </a:r>
+          </a:p>
+          <a:p>
+            <a:pPr marL="76200" marR="0" lvl="0" algn="l" rtl="0">
+              <a:lnSpc>
+                <a:spcPct val="115000"/>
+              </a:lnSpc>
+              <a:spcBef>
+                <a:spcPts val="0"/>
+              </a:spcBef>
+              <a:spcAft>
+                <a:spcPts val="0"/>
+              </a:spcAft>
+              <a:buClr>
+                <a:srgbClr val="FFFFFF"/>
+              </a:buClr>
+              <a:buSzPts val="2400"/>
+            </a:pPr>
+            <a:endParaRPr lang="en-US" sz="900" dirty="0">
+              <a:solidFill>
+                <a:srgbClr val="FFFFFF"/>
+              </a:solidFill>
+            </a:endParaRPr>
+          </a:p>
+          <a:p>
+            <a:pPr lvl="0">
+              <a:lnSpc>
+                <a:spcPct val="115000"/>
+              </a:lnSpc>
+            </a:pPr>
+            <a:endParaRPr lang="en-US" sz="2200" dirty="0">
+              <a:solidFill>
+                <a:srgbClr val="FFFFFF"/>
+              </a:solidFill>
+            </a:endParaRPr>
+          </a:p>
+          <a:p>
+            <a:pPr marL="0" marR="0" lvl="0" indent="0" algn="l" rtl="0">
+              <a:lnSpc>
+                <a:spcPct val="100000"/>
+              </a:lnSpc>
+              <a:spcBef>
+                <a:spcPts val="0"/>
+              </a:spcBef>
+              <a:spcAft>
+                <a:spcPts val="0"/>
+              </a:spcAft>
+              <a:buNone/>
+            </a:pPr>
+            <a:endParaRPr sz="2400" dirty="0">
+              <a:solidFill>
+                <a:srgbClr val="FFFFFF"/>
+              </a:solidFill>
+            </a:endParaRPr>
+          </a:p>
+          <a:p>
+            <a:pPr marL="0" lvl="0" indent="0" rtl="0">
+              <a:spcBef>
+                <a:spcPts val="0"/>
+              </a:spcBef>
+              <a:spcAft>
+                <a:spcPts val="0"/>
+              </a:spcAft>
+              <a:buNone/>
+            </a:pPr>
+            <a:endParaRPr sz="2400" dirty="0">
+              <a:solidFill>
+                <a:srgbClr val="FFFFFF"/>
+              </a:solidFill>
+            </a:endParaRPr>
+          </a:p>
+        </p:txBody>
+      </p:sp>
+    </p:spTree>
+    <p:extLst>
+      <p:ext uri="{BB962C8B-B14F-4D97-AF65-F5344CB8AC3E}">
+        <p14:creationId xmlns:p14="http://schemas.microsoft.com/office/powerpoint/2010/main" val="3377696005"/>
+      </p:ext>
+    </p:extLst>
+  </p:cSld>
+  <p:clrMapOvr>
+    <a:masterClrMapping/>
+  </p:clrMapOvr>
+  <p:timing>
+    <p:tnLst>
+      <p:par>
+        <p:cTn id="1" dur="indefinite" restart="never" nodeType="tmRoot">
+          <p:childTnLst>
+            <p:seq concurrent="1" nextAc="seek">
+              <p:cTn id="2" dur="indefinite" nodeType="mainSeq">
+                <p:childTnLst>
+                  <p:par>
+                    <p:cTn id="3" fill="hold">
+                      <p:stCondLst>
+                        <p:cond delay="indefinite"/>
+                      </p:stCondLst>
+                      <p:childTnLst>
+                        <p:par>
+                          <p:cTn id="4" fill="hold">
+                            <p:stCondLst>
+                              <p:cond delay="0"/>
+                            </p:stCondLst>
+                            <p:childTnLst>
+                              <p:par>
+                                <p:cTn id="5" presetID="10" presetClass="entr" presetSubtype="0" fill="hold" nodeType="clickEffect">
+                                  <p:stCondLst>
+                                    <p:cond delay="0"/>
+                                  </p:stCondLst>
+                                  <p:childTnLst>
+                                    <p:set>
+                                      <p:cBhvr>
+                                        <p:cTn id="6" dur="1" fill="hold">
+                                          <p:stCondLst>
+                                            <p:cond delay="0"/>
+                                          </p:stCondLst>
+                                        </p:cTn>
+                                        <p:tgtEl>
+                                          <p:spTgt spid="62">
+                                            <p:txEl>
+                                              <p:pRg st="0" end="0"/>
+                                            </p:txEl>
+                                          </p:spTgt>
+                                        </p:tgtEl>
+                                        <p:attrNameLst>
+                                          <p:attrName>style.visibility</p:attrName>
+                                        </p:attrNameLst>
+                                      </p:cBhvr>
+                                      <p:to>
+                                        <p:strVal val="visible"/>
+                                      </p:to>
+                                    </p:set>
+                                    <p:animEffect transition="in" filter="fade">
+                                      <p:cBhvr>
+                                        <p:cTn id="7" dur="1000"/>
+                                        <p:tgtEl>
+                                          <p:spTgt spid="62">
+                                            <p:txEl>
+                                              <p:pRg st="0" end="0"/>
+                                            </p:txEl>
+                                          </p:spTgt>
+                                        </p:tgtEl>
+                                      </p:cBhvr>
+                                    </p:animEffect>
+                                  </p:childTnLst>
+                                </p:cTn>
+                              </p:par>
+                            </p:childTnLst>
+                          </p:cTn>
+                        </p:par>
+                      </p:childTnLst>
+                    </p:cTn>
+                  </p:par>
+                  <p:par>
+                    <p:cTn id="8" fill="hold">
+                      <p:stCondLst>
+                        <p:cond delay="indefinite"/>
+                      </p:stCondLst>
+                      <p:childTnLst>
+                        <p:par>
+                          <p:cTn id="9" fill="hold">
+                            <p:stCondLst>
+                              <p:cond delay="0"/>
+                            </p:stCondLst>
+                            <p:childTnLst>
+                              <p:par>
+                                <p:cTn id="10" presetID="10" presetClass="entr" presetSubtype="0" fill="hold" nodeType="clickEffect">
+                                  <p:stCondLst>
+                                    <p:cond delay="0"/>
+                                  </p:stCondLst>
+                                  <p:childTnLst>
+                                    <p:set>
+                                      <p:cBhvr>
+                                        <p:cTn id="11" dur="1" fill="hold">
+                                          <p:stCondLst>
+                                            <p:cond delay="0"/>
+                                          </p:stCondLst>
+                                        </p:cTn>
+                                        <p:tgtEl>
+                                          <p:spTgt spid="62">
+                                            <p:txEl>
+                                              <p:pRg st="1" end="1"/>
+                                            </p:txEl>
+                                          </p:spTgt>
+                                        </p:tgtEl>
+                                        <p:attrNameLst>
+                                          <p:attrName>style.visibility</p:attrName>
+                                        </p:attrNameLst>
+                                      </p:cBhvr>
+                                      <p:to>
+                                        <p:strVal val="visible"/>
+                                      </p:to>
+                                    </p:set>
+                                    <p:animEffect transition="in" filter="fade">
+                                      <p:cBhvr>
+                                        <p:cTn id="12" dur="1000"/>
+                                        <p:tgtEl>
+                                          <p:spTgt spid="62">
+                                            <p:txEl>
+                                              <p:pRg st="1" end="1"/>
+                                            </p:txEl>
+                                          </p:spTgt>
+                                        </p:tgtEl>
+                                      </p:cBhvr>
+                                    </p:animEffect>
+                                  </p:childTnLst>
+                                </p:cTn>
+                              </p:par>
+                            </p:childTnLst>
+                          </p:cTn>
+                        </p:par>
+                      </p:childTnLst>
+                    </p:cTn>
+                  </p:par>
+                  <p:par>
+                    <p:cTn id="13" fill="hold">
+                      <p:stCondLst>
+                        <p:cond delay="indefinite"/>
+                      </p:stCondLst>
+                      <p:childTnLst>
+                        <p:par>
+                          <p:cTn id="14" fill="hold">
+                            <p:stCondLst>
+                              <p:cond delay="0"/>
+                            </p:stCondLst>
+                            <p:childTnLst>
+                              <p:par>
+                                <p:cTn id="15" presetID="10" presetClass="entr" presetSubtype="0" fill="hold" nodeType="clickEffect">
+                                  <p:stCondLst>
+                                    <p:cond delay="0"/>
+                                  </p:stCondLst>
+                                  <p:childTnLst>
+                                    <p:set>
+                                      <p:cBhvr>
+                                        <p:cTn id="16" dur="1" fill="hold">
+                                          <p:stCondLst>
+                                            <p:cond delay="0"/>
+                                          </p:stCondLst>
+                                        </p:cTn>
+                                        <p:tgtEl>
+                                          <p:spTgt spid="62">
+                                            <p:txEl>
+                                              <p:pRg st="2" end="2"/>
+                                            </p:txEl>
+                                          </p:spTgt>
+                                        </p:tgtEl>
+                                        <p:attrNameLst>
+                                          <p:attrName>style.visibility</p:attrName>
+                                        </p:attrNameLst>
+                                      </p:cBhvr>
+                                      <p:to>
+                                        <p:strVal val="visible"/>
+                                      </p:to>
+                                    </p:set>
+                                    <p:animEffect transition="in" filter="fade">
+                                      <p:cBhvr>
+                                        <p:cTn id="17" dur="1000"/>
+                                        <p:tgtEl>
+                                          <p:spTgt spid="62">
+                                            <p:txEl>
+                                              <p:pRg st="2" end="2"/>
+                                            </p:txEl>
+                                          </p:spTgt>
+                                        </p:tgtEl>
+                                      </p:cBhvr>
+                                    </p:animEffect>
+                                  </p:childTnLst>
+                                </p:cTn>
+                              </p:par>
+                            </p:childTnLst>
+                          </p:cTn>
+                        </p:par>
+                      </p:childTnLst>
+                    </p:cTn>
+                  </p:par>
+                </p:childTnLst>
+              </p:cTn>
+              <p:prevCondLst>
+                <p:cond evt="onPrev" delay="0">
+                  <p:tgtEl>
+                    <p:sldTgt/>
+                  </p:tgtEl>
+                </p:cond>
+              </p:prevCondLst>
+              <p:nextCondLst>
+                <p:cond evt="onNext" delay="0">
+                  <p:tgtEl>
+                    <p:sldTgt/>
+                  </p:tgtEl>
+                </p:cond>
+              </p:nextCondLst>
+            </p:seq>
+          </p:childTnLst>
+        </p:cTn>
+      </p:par>
+    </p:tnLst>
+  </p:timing>
+</p:sld>
+</file>
+
+<file path=ppt/slides/slide4.xml><?xml version="1.0" encoding="utf-8"?>
+<p:sld xmlns:a="http://schemas.openxmlformats.org/drawingml/2006/main" xmlns:r="http://schemas.openxmlformats.org/officeDocument/2006/relationships" xmlns:p="http://schemas.openxmlformats.org/presentationml/2006/main">
+  <p:cSld>
+    <p:spTree>
+      <p:nvGrpSpPr>
+        <p:cNvPr id="1" name="Shape 53"/>
         <p:cNvGrpSpPr/>
         <p:nvPr/>
       </p:nvGrpSpPr>
@@ -6047,7 +8778,9 @@
       <p:sp>
         <p:nvSpPr>
           <p:cNvPr id="54" name="Shape 54"/>
-          <p:cNvSpPr txBox="1"/>
+          <p:cNvSpPr txBox="1">
+            <a:spLocks noGrp="1"/>
+          </p:cNvSpPr>
           <p:nvPr>
             <p:ph type="ctrTitle"/>
           </p:nvPr>
@@ -6062,12 +8795,12 @@
           </a:prstGeom>
         </p:spPr>
         <p:txBody>
-          <a:bodyPr anchorCtr="0" anchor="b" bIns="91425" lIns="91425" spcFirstLastPara="1" rIns="91425" wrap="square" tIns="91425">
+          <a:bodyPr spcFirstLastPara="1" wrap="square" lIns="91425" tIns="91425" rIns="91425" bIns="91425" anchor="b" anchorCtr="0">
             <a:noAutofit/>
           </a:bodyPr>
           <a:lstStyle/>
           <a:p>
-            <a:pPr indent="0" lvl="0" marL="0">
+            <a:pPr marL="0" lvl="0" indent="0">
               <a:spcBef>
                 <a:spcPts val="0"/>
               </a:spcBef>
@@ -6087,9 +8820,11 @@
       <p:sp>
         <p:nvSpPr>
           <p:cNvPr id="55" name="Shape 55"/>
-          <p:cNvSpPr txBox="1"/>
+          <p:cNvSpPr txBox="1">
+            <a:spLocks noGrp="1"/>
+          </p:cNvSpPr>
           <p:nvPr>
-            <p:ph idx="1" type="subTitle"/>
+            <p:ph type="subTitle" idx="1"/>
           </p:nvPr>
         </p:nvSpPr>
         <p:spPr>
@@ -6102,12 +8837,12 @@
           </a:prstGeom>
         </p:spPr>
         <p:txBody>
-          <a:bodyPr anchorCtr="0" anchor="t" bIns="91425" lIns="91425" spcFirstLastPara="1" rIns="91425" wrap="square" tIns="91425">
+          <a:bodyPr spcFirstLastPara="1" wrap="square" lIns="91425" tIns="91425" rIns="91425" bIns="91425" anchor="t" anchorCtr="0">
             <a:noAutofit/>
           </a:bodyPr>
           <a:lstStyle/>
           <a:p>
-            <a:pPr indent="0" lvl="0" marL="0" rtl="0">
+            <a:pPr marL="0" lvl="0" indent="0" rtl="0">
               <a:spcBef>
                 <a:spcPts val="0"/>
               </a:spcBef>
@@ -6144,12 +8879,12 @@
           </a:ln>
         </p:spPr>
         <p:txBody>
-          <a:bodyPr anchorCtr="0" anchor="t" bIns="91425" lIns="91425" spcFirstLastPara="1" rIns="91425" wrap="square" tIns="91425">
+          <a:bodyPr spcFirstLastPara="1" wrap="square" lIns="91425" tIns="91425" rIns="91425" bIns="91425" anchor="t" anchorCtr="0">
             <a:noAutofit/>
           </a:bodyPr>
           <a:lstStyle/>
           <a:p>
-            <a:pPr indent="0" lvl="0" marL="0">
+            <a:pPr marL="0" lvl="0" indent="0">
               <a:spcBef>
                 <a:spcPts val="0"/>
               </a:spcBef>
@@ -6190,12 +8925,12 @@
 </p:sld>
 </file>
 
-<file path=ppt/slides/slide2.xml><?xml version="1.0" encoding="utf-8"?>
-<p:sld xmlns:a="http://schemas.openxmlformats.org/drawingml/2006/main" xmlns:r="http://schemas.openxmlformats.org/officeDocument/2006/relationships" xmlns:mc="http://schemas.openxmlformats.org/markup-compatibility/2006" xmlns:mv="urn:schemas-microsoft-com:mac:vml" xmlns:p="http://schemas.openxmlformats.org/presentationml/2006/main" xmlns:c="http://schemas.openxmlformats.org/drawingml/2006/chart" xmlns:dgm="http://schemas.openxmlformats.org/drawingml/2006/diagram" xmlns:o="urn:schemas-microsoft-com:office:office" xmlns:v="urn:schemas-microsoft-com:vml" xmlns:pvml="urn:schemas-microsoft-com:office:powerpoint" xmlns:com="http://schemas.openxmlformats.org/drawingml/2006/compatibility" xmlns:p14="http://schemas.microsoft.com/office/powerpoint/2010/main" xmlns:p15="http://schemas.microsoft.com/office/powerpoint/2012/main">
+<file path=ppt/slides/slide5.xml><?xml version="1.0" encoding="utf-8"?>
+<p:sld xmlns:a="http://schemas.openxmlformats.org/drawingml/2006/main" xmlns:r="http://schemas.openxmlformats.org/officeDocument/2006/relationships" xmlns:p="http://schemas.openxmlformats.org/presentationml/2006/main">
   <p:cSld>
     <p:spTree>
       <p:nvGrpSpPr>
-        <p:cNvPr id="60" name="Shape 60"/>
+        <p:cNvPr id="1" name="Shape 60"/>
         <p:cNvGrpSpPr/>
         <p:nvPr/>
       </p:nvGrpSpPr>
@@ -6210,7 +8945,9 @@
       <p:sp>
         <p:nvSpPr>
           <p:cNvPr id="61" name="Shape 61"/>
-          <p:cNvSpPr txBox="1"/>
+          <p:cNvSpPr txBox="1">
+            <a:spLocks noGrp="1"/>
+          </p:cNvSpPr>
           <p:nvPr>
             <p:ph type="title"/>
           </p:nvPr>
@@ -6225,12 +8962,12 @@
           </a:prstGeom>
         </p:spPr>
         <p:txBody>
-          <a:bodyPr anchorCtr="0" anchor="t" bIns="91425" lIns="91425" spcFirstLastPara="1" rIns="91425" wrap="square" tIns="91425">
+          <a:bodyPr spcFirstLastPara="1" wrap="square" lIns="91425" tIns="91425" rIns="91425" bIns="91425" anchor="t" anchorCtr="0">
             <a:noAutofit/>
           </a:bodyPr>
           <a:lstStyle/>
           <a:p>
-            <a:pPr indent="0" lvl="0" marL="0" rtl="0">
+            <a:pPr marL="0" lvl="0" indent="0" rtl="0">
               <a:spcBef>
                 <a:spcPts val="0"/>
               </a:spcBef>
@@ -6267,12 +9004,12 @@
           </a:ln>
         </p:spPr>
         <p:txBody>
-          <a:bodyPr anchorCtr="0" anchor="t" bIns="91425" lIns="91425" spcFirstLastPara="1" rIns="91425" wrap="square" tIns="91425">
+          <a:bodyPr spcFirstLastPara="1" wrap="square" lIns="91425" tIns="91425" rIns="91425" bIns="91425" anchor="t" anchorCtr="0">
             <a:noAutofit/>
           </a:bodyPr>
           <a:lstStyle/>
           <a:p>
-            <a:pPr indent="-381000" lvl="0" marL="457200" rtl="0">
+            <a:pPr marL="457200" lvl="0" indent="-381000" rtl="0">
               <a:lnSpc>
                 <a:spcPct val="115000"/>
               </a:lnSpc>
@@ -6303,7 +9040,7 @@
             </a:endParaRPr>
           </a:p>
           <a:p>
-            <a:pPr indent="-381000" lvl="0" marL="457200" rtl="0">
+            <a:pPr marL="457200" lvl="0" indent="-381000" rtl="0">
               <a:lnSpc>
                 <a:spcPct val="115000"/>
               </a:lnSpc>
@@ -6334,7 +9071,7 @@
             </a:endParaRPr>
           </a:p>
           <a:p>
-            <a:pPr indent="-381000" lvl="1" marL="914400" rtl="0">
+            <a:pPr marL="914400" lvl="1" indent="-381000" rtl="0">
               <a:lnSpc>
                 <a:spcPct val="115000"/>
               </a:lnSpc>
@@ -6365,7 +9102,7 @@
             </a:endParaRPr>
           </a:p>
           <a:p>
-            <a:pPr indent="-381000" lvl="1" marL="914400" rtl="0">
+            <a:pPr marL="914400" lvl="1" indent="-381000" rtl="0">
               <a:lnSpc>
                 <a:spcPct val="115000"/>
               </a:lnSpc>
@@ -6405,32 +9142,32 @@
   <p:timing>
     <p:tnLst>
       <p:par>
-        <p:cTn dur="indefinite" nodeType="tmRoot" restart="never">
+        <p:cTn id="1" dur="indefinite" restart="never" nodeType="tmRoot">
           <p:childTnLst>
             <p:seq concurrent="1" nextAc="seek">
-              <p:cTn dur="indefinite" id="2" nodeType="mainSeq">
+              <p:cTn id="2" dur="indefinite" nodeType="mainSeq">
                 <p:childTnLst>
                   <p:par>
-                    <p:cTn fill="hold">
+                    <p:cTn id="3" fill="hold">
                       <p:stCondLst>
                         <p:cond delay="indefinite"/>
                       </p:stCondLst>
                       <p:childTnLst>
                         <p:par>
-                          <p:cTn fill="hold">
+                          <p:cTn id="4" fill="hold">
                             <p:stCondLst>
                               <p:cond delay="0"/>
                             </p:stCondLst>
                             <p:childTnLst>
                               <p:par>
-                                <p:cTn fill="hold" nodeType="clickEffect" presetClass="entr" presetID="10" presetSubtype="0">
+                                <p:cTn id="5" presetID="10" presetClass="entr" presetSubtype="0" fill="hold" nodeType="clickEffect">
                                   <p:stCondLst>
                                     <p:cond delay="0"/>
                                   </p:stCondLst>
                                   <p:childTnLst>
                                     <p:set>
                                       <p:cBhvr>
-                                        <p:cTn dur="1" fill="hold">
+                                        <p:cTn id="6" dur="1" fill="hold">
                                           <p:stCondLst>
                                             <p:cond delay="0"/>
                                           </p:stCondLst>
@@ -6438,7 +9175,7 @@
                                         <p:tgtEl>
                                           <p:spTgt spid="62">
                                             <p:txEl>
-                                              <p:pRg end="0" st="0"/>
+                                              <p:pRg st="0" end="0"/>
                                             </p:txEl>
                                           </p:spTgt>
                                         </p:tgtEl>
@@ -6450,13 +9187,13 @@
                                         <p:strVal val="visible"/>
                                       </p:to>
                                     </p:set>
-                                    <p:animEffect filter="fade" transition="in">
+                                    <p:animEffect transition="in" filter="fade">
                                       <p:cBhvr>
-                                        <p:cTn dur="1000"/>
+                                        <p:cTn id="7" dur="1000"/>
                                         <p:tgtEl>
                                           <p:spTgt spid="62">
                                             <p:txEl>
-                                              <p:pRg end="0" st="0"/>
+                                              <p:pRg st="0" end="0"/>
                                             </p:txEl>
                                           </p:spTgt>
                                         </p:tgtEl>
@@ -6472,26 +9209,26 @@
                     </p:cTn>
                   </p:par>
                   <p:par>
-                    <p:cTn fill="hold">
+                    <p:cTn id="8" fill="hold">
                       <p:stCondLst>
                         <p:cond delay="indefinite"/>
                       </p:stCondLst>
                       <p:childTnLst>
                         <p:par>
-                          <p:cTn fill="hold">
+                          <p:cTn id="9" fill="hold">
                             <p:stCondLst>
                               <p:cond delay="0"/>
                             </p:stCondLst>
                             <p:childTnLst>
                               <p:par>
-                                <p:cTn fill="hold" nodeType="clickEffect" presetClass="entr" presetID="10" presetSubtype="0">
+                                <p:cTn id="10" presetID="10" presetClass="entr" presetSubtype="0" fill="hold" nodeType="clickEffect">
                                   <p:stCondLst>
                                     <p:cond delay="0"/>
                                   </p:stCondLst>
                                   <p:childTnLst>
                                     <p:set>
                                       <p:cBhvr>
-                                        <p:cTn dur="1" fill="hold">
+                                        <p:cTn id="11" dur="1" fill="hold">
                                           <p:stCondLst>
                                             <p:cond delay="0"/>
                                           </p:stCondLst>
@@ -6499,7 +9236,7 @@
                                         <p:tgtEl>
                                           <p:spTgt spid="62">
                                             <p:txEl>
-                                              <p:pRg end="1" st="1"/>
+                                              <p:pRg st="1" end="1"/>
                                             </p:txEl>
                                           </p:spTgt>
                                         </p:tgtEl>
@@ -6511,13 +9248,13 @@
                                         <p:strVal val="visible"/>
                                       </p:to>
                                     </p:set>
-                                    <p:animEffect filter="fade" transition="in">
+                                    <p:animEffect transition="in" filter="fade">
                                       <p:cBhvr>
-                                        <p:cTn dur="1000"/>
+                                        <p:cTn id="12" dur="1000"/>
                                         <p:tgtEl>
                                           <p:spTgt spid="62">
                                             <p:txEl>
-                                              <p:pRg end="1" st="1"/>
+                                              <p:pRg st="1" end="1"/>
                                             </p:txEl>
                                           </p:spTgt>
                                         </p:tgtEl>
@@ -6533,26 +9270,26 @@
                     </p:cTn>
                   </p:par>
                   <p:par>
-                    <p:cTn fill="hold">
+                    <p:cTn id="13" fill="hold">
                       <p:stCondLst>
                         <p:cond delay="indefinite"/>
                       </p:stCondLst>
                       <p:childTnLst>
                         <p:par>
-                          <p:cTn fill="hold">
+                          <p:cTn id="14" fill="hold">
                             <p:stCondLst>
                               <p:cond delay="0"/>
                             </p:stCondLst>
                             <p:childTnLst>
                               <p:par>
-                                <p:cTn fill="hold" nodeType="clickEffect" presetClass="entr" presetID="10" presetSubtype="0">
+                                <p:cTn id="15" presetID="10" presetClass="entr" presetSubtype="0" fill="hold" nodeType="clickEffect">
                                   <p:stCondLst>
                                     <p:cond delay="0"/>
                                   </p:stCondLst>
                                   <p:childTnLst>
                                     <p:set>
                                       <p:cBhvr>
-                                        <p:cTn dur="1" fill="hold">
+                                        <p:cTn id="16" dur="1" fill="hold">
                                           <p:stCondLst>
                                             <p:cond delay="0"/>
                                           </p:stCondLst>
@@ -6560,7 +9297,7 @@
                                         <p:tgtEl>
                                           <p:spTgt spid="62">
                                             <p:txEl>
-                                              <p:pRg end="2" st="2"/>
+                                              <p:pRg st="2" end="2"/>
                                             </p:txEl>
                                           </p:spTgt>
                                         </p:tgtEl>
@@ -6572,13 +9309,13 @@
                                         <p:strVal val="visible"/>
                                       </p:to>
                                     </p:set>
-                                    <p:animEffect filter="fade" transition="in">
+                                    <p:animEffect transition="in" filter="fade">
                                       <p:cBhvr>
-                                        <p:cTn dur="1000"/>
+                                        <p:cTn id="17" dur="1000"/>
                                         <p:tgtEl>
                                           <p:spTgt spid="62">
                                             <p:txEl>
-                                              <p:pRg end="2" st="2"/>
+                                              <p:pRg st="2" end="2"/>
                                             </p:txEl>
                                           </p:spTgt>
                                         </p:tgtEl>
@@ -6594,26 +9331,26 @@
                     </p:cTn>
                   </p:par>
                   <p:par>
-                    <p:cTn fill="hold">
+                    <p:cTn id="18" fill="hold">
                       <p:stCondLst>
                         <p:cond delay="indefinite"/>
                       </p:stCondLst>
                       <p:childTnLst>
                         <p:par>
-                          <p:cTn fill="hold">
+                          <p:cTn id="19" fill="hold">
                             <p:stCondLst>
                               <p:cond delay="0"/>
                             </p:stCondLst>
                             <p:childTnLst>
                               <p:par>
-                                <p:cTn fill="hold" nodeType="clickEffect" presetClass="entr" presetID="10" presetSubtype="0">
+                                <p:cTn id="20" presetID="10" presetClass="entr" presetSubtype="0" fill="hold" nodeType="clickEffect">
                                   <p:stCondLst>
                                     <p:cond delay="0"/>
                                   </p:stCondLst>
                                   <p:childTnLst>
                                     <p:set>
                                       <p:cBhvr>
-                                        <p:cTn dur="1" fill="hold">
+                                        <p:cTn id="21" dur="1" fill="hold">
                                           <p:stCondLst>
                                             <p:cond delay="0"/>
                                           </p:stCondLst>
@@ -6621,7 +9358,7 @@
                                         <p:tgtEl>
                                           <p:spTgt spid="62">
                                             <p:txEl>
-                                              <p:pRg end="3" st="3"/>
+                                              <p:pRg st="3" end="3"/>
                                             </p:txEl>
                                           </p:spTgt>
                                         </p:tgtEl>
@@ -6633,13 +9370,13 @@
                                         <p:strVal val="visible"/>
                                       </p:to>
                                     </p:set>
-                                    <p:animEffect filter="fade" transition="in">
+                                    <p:animEffect transition="in" filter="fade">
                                       <p:cBhvr>
-                                        <p:cTn dur="1000"/>
+                                        <p:cTn id="22" dur="1000"/>
                                         <p:tgtEl>
                                           <p:spTgt spid="62">
                                             <p:txEl>
-                                              <p:pRg end="3" st="3"/>
+                                              <p:pRg st="3" end="3"/>
                                             </p:txEl>
                                           </p:spTgt>
                                         </p:tgtEl>
@@ -6657,14 +9394,14 @@
                 </p:childTnLst>
               </p:cTn>
               <p:prevCondLst>
-                <p:cond evt="onPrev">
+                <p:cond evt="onPrev" delay="0">
                   <p:tgtEl>
                     <p:sldTgt/>
                   </p:tgtEl>
                 </p:cond>
               </p:prevCondLst>
               <p:nextCondLst>
-                <p:cond evt="onNext">
+                <p:cond evt="onNext" delay="0">
                   <p:tgtEl>
                     <p:sldTgt/>
                   </p:tgtEl>
@@ -6679,12 +9416,12 @@
 </p:sld>
 </file>
 
-<file path=ppt/slides/slide3.xml><?xml version="1.0" encoding="utf-8"?>
-<p:sld xmlns:a="http://schemas.openxmlformats.org/drawingml/2006/main" xmlns:r="http://schemas.openxmlformats.org/officeDocument/2006/relationships" xmlns:mc="http://schemas.openxmlformats.org/markup-compatibility/2006" xmlns:mv="urn:schemas-microsoft-com:mac:vml" xmlns:p="http://schemas.openxmlformats.org/presentationml/2006/main" xmlns:c="http://schemas.openxmlformats.org/drawingml/2006/chart" xmlns:dgm="http://schemas.openxmlformats.org/drawingml/2006/diagram" xmlns:o="urn:schemas-microsoft-com:office:office" xmlns:v="urn:schemas-microsoft-com:vml" xmlns:pvml="urn:schemas-microsoft-com:office:powerpoint" xmlns:com="http://schemas.openxmlformats.org/drawingml/2006/compatibility" xmlns:p14="http://schemas.microsoft.com/office/powerpoint/2010/main" xmlns:p15="http://schemas.microsoft.com/office/powerpoint/2012/main">
+<file path=ppt/slides/slide6.xml><?xml version="1.0" encoding="utf-8"?>
+<p:sld xmlns:a="http://schemas.openxmlformats.org/drawingml/2006/main" xmlns:r="http://schemas.openxmlformats.org/officeDocument/2006/relationships" xmlns:p="http://schemas.openxmlformats.org/presentationml/2006/main">
   <p:cSld>
     <p:spTree>
       <p:nvGrpSpPr>
-        <p:cNvPr id="66" name="Shape 66"/>
+        <p:cNvPr id="1" name="Shape 66"/>
         <p:cNvGrpSpPr/>
         <p:nvPr/>
       </p:nvGrpSpPr>
@@ -6699,7 +9436,9 @@
       <p:sp>
         <p:nvSpPr>
           <p:cNvPr id="67" name="Shape 67"/>
-          <p:cNvSpPr txBox="1"/>
+          <p:cNvSpPr txBox="1">
+            <a:spLocks noGrp="1"/>
+          </p:cNvSpPr>
           <p:nvPr>
             <p:ph type="title"/>
           </p:nvPr>
@@ -6714,12 +9453,12 @@
           </a:prstGeom>
         </p:spPr>
         <p:txBody>
-          <a:bodyPr anchorCtr="0" anchor="t" bIns="91425" lIns="91425" spcFirstLastPara="1" rIns="91425" wrap="square" tIns="91425">
+          <a:bodyPr spcFirstLastPara="1" wrap="square" lIns="91425" tIns="91425" rIns="91425" bIns="91425" anchor="t" anchorCtr="0">
             <a:noAutofit/>
           </a:bodyPr>
           <a:lstStyle/>
           <a:p>
-            <a:pPr indent="0" lvl="0" marL="0" rtl="0">
+            <a:pPr marL="0" lvl="0" indent="0" rtl="0">
               <a:spcBef>
                 <a:spcPts val="0"/>
               </a:spcBef>
@@ -6756,12 +9495,12 @@
           </a:ln>
         </p:spPr>
         <p:txBody>
-          <a:bodyPr anchorCtr="0" anchor="t" bIns="91425" lIns="91425" spcFirstLastPara="1" rIns="91425" wrap="square" tIns="91425">
+          <a:bodyPr spcFirstLastPara="1" wrap="square" lIns="91425" tIns="91425" rIns="91425" bIns="91425" anchor="t" anchorCtr="0">
             <a:noAutofit/>
           </a:bodyPr>
           <a:lstStyle/>
           <a:p>
-            <a:pPr indent="-381000" lvl="0" marL="457200" rtl="0">
+            <a:pPr marL="457200" lvl="0" indent="-381000" rtl="0">
               <a:lnSpc>
                 <a:spcPct val="115000"/>
               </a:lnSpc>
@@ -6792,7 +9531,7 @@
             </a:endParaRPr>
           </a:p>
           <a:p>
-            <a:pPr indent="-381000" lvl="0" marL="457200" rtl="0">
+            <a:pPr marL="457200" lvl="0" indent="-381000" rtl="0">
               <a:lnSpc>
                 <a:spcPct val="115000"/>
               </a:lnSpc>
@@ -6823,7 +9562,7 @@
             </a:endParaRPr>
           </a:p>
           <a:p>
-            <a:pPr indent="-381000" lvl="1" marL="914400" rtl="0">
+            <a:pPr marL="914400" lvl="1" indent="-381000" rtl="0">
               <a:lnSpc>
                 <a:spcPct val="115000"/>
               </a:lnSpc>
@@ -6854,7 +9593,7 @@
             </a:endParaRPr>
           </a:p>
           <a:p>
-            <a:pPr indent="-381000" lvl="1" marL="914400" rtl="0">
+            <a:pPr marL="914400" lvl="1" indent="-381000" rtl="0">
               <a:lnSpc>
                 <a:spcPct val="115000"/>
               </a:lnSpc>
@@ -6885,7 +9624,7 @@
             </a:endParaRPr>
           </a:p>
           <a:p>
-            <a:pPr indent="-381000" lvl="1" marL="914400" rtl="0">
+            <a:pPr marL="914400" lvl="1" indent="-381000" rtl="0">
               <a:lnSpc>
                 <a:spcPct val="115000"/>
               </a:lnSpc>
@@ -6925,32 +9664,32 @@
   <p:timing>
     <p:tnLst>
       <p:par>
-        <p:cTn dur="indefinite" nodeType="tmRoot" restart="never">
+        <p:cTn id="1" dur="indefinite" restart="never" nodeType="tmRoot">
           <p:childTnLst>
             <p:seq concurrent="1" nextAc="seek">
-              <p:cTn dur="indefinite" id="2" nodeType="mainSeq">
+              <p:cTn id="2" dur="indefinite" nodeType="mainSeq">
                 <p:childTnLst>
                   <p:par>
-                    <p:cTn fill="hold">
+                    <p:cTn id="3" fill="hold">
                       <p:stCondLst>
                         <p:cond delay="indefinite"/>
                       </p:stCondLst>
                       <p:childTnLst>
                         <p:par>
-                          <p:cTn fill="hold">
+                          <p:cTn id="4" fill="hold">
                             <p:stCondLst>
                               <p:cond delay="0"/>
                             </p:stCondLst>
                             <p:childTnLst>
                               <p:par>
-                                <p:cTn fill="hold" nodeType="clickEffect" presetClass="entr" presetID="10" presetSubtype="0">
+                                <p:cTn id="5" presetID="10" presetClass="entr" presetSubtype="0" fill="hold" nodeType="clickEffect">
                                   <p:stCondLst>
                                     <p:cond delay="0"/>
                                   </p:stCondLst>
                                   <p:childTnLst>
                                     <p:set>
                                       <p:cBhvr>
-                                        <p:cTn dur="1" fill="hold">
+                                        <p:cTn id="6" dur="1" fill="hold">
                                           <p:stCondLst>
                                             <p:cond delay="0"/>
                                           </p:stCondLst>
@@ -6958,7 +9697,7 @@
                                         <p:tgtEl>
                                           <p:spTgt spid="68">
                                             <p:txEl>
-                                              <p:pRg end="0" st="0"/>
+                                              <p:pRg st="0" end="0"/>
                                             </p:txEl>
                                           </p:spTgt>
                                         </p:tgtEl>
@@ -6970,13 +9709,13 @@
                                         <p:strVal val="visible"/>
                                       </p:to>
                                     </p:set>
-                                    <p:animEffect filter="fade" transition="in">
+                                    <p:animEffect transition="in" filter="fade">
                                       <p:cBhvr>
-                                        <p:cTn dur="1000"/>
+                                        <p:cTn id="7" dur="1000"/>
                                         <p:tgtEl>
                                           <p:spTgt spid="68">
                                             <p:txEl>
-                                              <p:pRg end="0" st="0"/>
+                                              <p:pRg st="0" end="0"/>
                                             </p:txEl>
                                           </p:spTgt>
                                         </p:tgtEl>
@@ -6992,26 +9731,26 @@
                     </p:cTn>
                   </p:par>
                   <p:par>
-                    <p:cTn fill="hold">
+                    <p:cTn id="8" fill="hold">
                       <p:stCondLst>
                         <p:cond delay="indefinite"/>
                       </p:stCondLst>
                       <p:childTnLst>
                         <p:par>
-                          <p:cTn fill="hold">
+                          <p:cTn id="9" fill="hold">
                             <p:stCondLst>
                               <p:cond delay="0"/>
                             </p:stCondLst>
                             <p:childTnLst>
                               <p:par>
-                                <p:cTn fill="hold" nodeType="clickEffect" presetClass="entr" presetID="10" presetSubtype="0">
+                                <p:cTn id="10" presetID="10" presetClass="entr" presetSubtype="0" fill="hold" nodeType="clickEffect">
                                   <p:stCondLst>
                                     <p:cond delay="0"/>
                                   </p:stCondLst>
                                   <p:childTnLst>
                                     <p:set>
                                       <p:cBhvr>
-                                        <p:cTn dur="1" fill="hold">
+                                        <p:cTn id="11" dur="1" fill="hold">
                                           <p:stCondLst>
                                             <p:cond delay="0"/>
                                           </p:stCondLst>
@@ -7019,7 +9758,7 @@
                                         <p:tgtEl>
                                           <p:spTgt spid="68">
                                             <p:txEl>
-                                              <p:pRg end="1" st="1"/>
+                                              <p:pRg st="1" end="1"/>
                                             </p:txEl>
                                           </p:spTgt>
                                         </p:tgtEl>
@@ -7031,13 +9770,13 @@
                                         <p:strVal val="visible"/>
                                       </p:to>
                                     </p:set>
-                                    <p:animEffect filter="fade" transition="in">
+                                    <p:animEffect transition="in" filter="fade">
                                       <p:cBhvr>
-                                        <p:cTn dur="1000"/>
+                                        <p:cTn id="12" dur="1000"/>
                                         <p:tgtEl>
                                           <p:spTgt spid="68">
                                             <p:txEl>
-                                              <p:pRg end="1" st="1"/>
+                                              <p:pRg st="1" end="1"/>
                                             </p:txEl>
                                           </p:spTgt>
                                         </p:tgtEl>
@@ -7053,26 +9792,26 @@
                     </p:cTn>
                   </p:par>
                   <p:par>
-                    <p:cTn fill="hold">
+                    <p:cTn id="13" fill="hold">
                       <p:stCondLst>
                         <p:cond delay="indefinite"/>
                       </p:stCondLst>
                       <p:childTnLst>
                         <p:par>
-                          <p:cTn fill="hold">
+                          <p:cTn id="14" fill="hold">
                             <p:stCondLst>
                               <p:cond delay="0"/>
                             </p:stCondLst>
                             <p:childTnLst>
                               <p:par>
-                                <p:cTn fill="hold" nodeType="clickEffect" presetClass="entr" presetID="10" presetSubtype="0">
+                                <p:cTn id="15" presetID="10" presetClass="entr" presetSubtype="0" fill="hold" nodeType="clickEffect">
                                   <p:stCondLst>
                                     <p:cond delay="0"/>
                                   </p:stCondLst>
                                   <p:childTnLst>
                                     <p:set>
                                       <p:cBhvr>
-                                        <p:cTn dur="1" fill="hold">
+                                        <p:cTn id="16" dur="1" fill="hold">
                                           <p:stCondLst>
                                             <p:cond delay="0"/>
                                           </p:stCondLst>
@@ -7080,7 +9819,7 @@
                                         <p:tgtEl>
                                           <p:spTgt spid="68">
                                             <p:txEl>
-                                              <p:pRg end="2" st="2"/>
+                                              <p:pRg st="2" end="2"/>
                                             </p:txEl>
                                           </p:spTgt>
                                         </p:tgtEl>
@@ -7092,13 +9831,13 @@
                                         <p:strVal val="visible"/>
                                       </p:to>
                                     </p:set>
-                                    <p:animEffect filter="fade" transition="in">
+                                    <p:animEffect transition="in" filter="fade">
                                       <p:cBhvr>
-                                        <p:cTn dur="1000"/>
+                                        <p:cTn id="17" dur="1000"/>
                                         <p:tgtEl>
                                           <p:spTgt spid="68">
                                             <p:txEl>
-                                              <p:pRg end="2" st="2"/>
+                                              <p:pRg st="2" end="2"/>
                                             </p:txEl>
                                           </p:spTgt>
                                         </p:tgtEl>
@@ -7114,26 +9853,26 @@
                     </p:cTn>
                   </p:par>
                   <p:par>
-                    <p:cTn fill="hold">
+                    <p:cTn id="18" fill="hold">
                       <p:stCondLst>
                         <p:cond delay="indefinite"/>
                       </p:stCondLst>
                       <p:childTnLst>
                         <p:par>
-                          <p:cTn fill="hold">
+                          <p:cTn id="19" fill="hold">
                             <p:stCondLst>
                               <p:cond delay="0"/>
                             </p:stCondLst>
                             <p:childTnLst>
                               <p:par>
-                                <p:cTn fill="hold" nodeType="clickEffect" presetClass="entr" presetID="10" presetSubtype="0">
+                                <p:cTn id="20" presetID="10" presetClass="entr" presetSubtype="0" fill="hold" nodeType="clickEffect">
                                   <p:stCondLst>
                                     <p:cond delay="0"/>
                                   </p:stCondLst>
                                   <p:childTnLst>
                                     <p:set>
                                       <p:cBhvr>
-                                        <p:cTn dur="1" fill="hold">
+                                        <p:cTn id="21" dur="1" fill="hold">
                                           <p:stCondLst>
                                             <p:cond delay="0"/>
                                           </p:stCondLst>
@@ -7141,7 +9880,7 @@
                                         <p:tgtEl>
                                           <p:spTgt spid="68">
                                             <p:txEl>
-                                              <p:pRg end="3" st="3"/>
+                                              <p:pRg st="3" end="3"/>
                                             </p:txEl>
                                           </p:spTgt>
                                         </p:tgtEl>
@@ -7153,13 +9892,13 @@
                                         <p:strVal val="visible"/>
                                       </p:to>
                                     </p:set>
-                                    <p:animEffect filter="fade" transition="in">
+                                    <p:animEffect transition="in" filter="fade">
                                       <p:cBhvr>
-                                        <p:cTn dur="1000"/>
+                                        <p:cTn id="22" dur="1000"/>
                                         <p:tgtEl>
                                           <p:spTgt spid="68">
                                             <p:txEl>
-                                              <p:pRg end="3" st="3"/>
+                                              <p:pRg st="3" end="3"/>
                                             </p:txEl>
                                           </p:spTgt>
                                         </p:tgtEl>
@@ -7175,26 +9914,26 @@
                     </p:cTn>
                   </p:par>
                   <p:par>
-                    <p:cTn fill="hold">
+                    <p:cTn id="23" fill="hold">
                       <p:stCondLst>
                         <p:cond delay="indefinite"/>
                       </p:stCondLst>
                       <p:childTnLst>
                         <p:par>
-                          <p:cTn fill="hold">
+                          <p:cTn id="24" fill="hold">
                             <p:stCondLst>
                               <p:cond delay="0"/>
                             </p:stCondLst>
                             <p:childTnLst>
                               <p:par>
-                                <p:cTn fill="hold" nodeType="clickEffect" presetClass="entr" presetID="10" presetSubtype="0">
+                                <p:cTn id="25" presetID="10" presetClass="entr" presetSubtype="0" fill="hold" nodeType="clickEffect">
                                   <p:stCondLst>
                                     <p:cond delay="0"/>
                                   </p:stCondLst>
                                   <p:childTnLst>
                                     <p:set>
                                       <p:cBhvr>
-                                        <p:cTn dur="1" fill="hold">
+                                        <p:cTn id="26" dur="1" fill="hold">
                                           <p:stCondLst>
                                             <p:cond delay="0"/>
                                           </p:stCondLst>
@@ -7202,7 +9941,7 @@
                                         <p:tgtEl>
                                           <p:spTgt spid="68">
                                             <p:txEl>
-                                              <p:pRg end="4" st="4"/>
+                                              <p:pRg st="4" end="4"/>
                                             </p:txEl>
                                           </p:spTgt>
                                         </p:tgtEl>
@@ -7214,13 +9953,13 @@
                                         <p:strVal val="visible"/>
                                       </p:to>
                                     </p:set>
-                                    <p:animEffect filter="fade" transition="in">
+                                    <p:animEffect transition="in" filter="fade">
                                       <p:cBhvr>
-                                        <p:cTn dur="1000"/>
+                                        <p:cTn id="27" dur="1000"/>
                                         <p:tgtEl>
                                           <p:spTgt spid="68">
                                             <p:txEl>
-                                              <p:pRg end="4" st="4"/>
+                                              <p:pRg st="4" end="4"/>
                                             </p:txEl>
                                           </p:spTgt>
                                         </p:tgtEl>
@@ -7238,14 +9977,14 @@
                 </p:childTnLst>
               </p:cTn>
               <p:prevCondLst>
-                <p:cond evt="onPrev">
+                <p:cond evt="onPrev" delay="0">
                   <p:tgtEl>
                     <p:sldTgt/>
                   </p:tgtEl>
                 </p:cond>
               </p:prevCondLst>
               <p:nextCondLst>
-                <p:cond evt="onNext">
+                <p:cond evt="onNext" delay="0">
                   <p:tgtEl>
                     <p:sldTgt/>
                   </p:tgtEl>
@@ -7260,12 +9999,12 @@
 </p:sld>
 </file>
 
-<file path=ppt/slides/slide4.xml><?xml version="1.0" encoding="utf-8"?>
-<p:sld xmlns:a="http://schemas.openxmlformats.org/drawingml/2006/main" xmlns:r="http://schemas.openxmlformats.org/officeDocument/2006/relationships" xmlns:mc="http://schemas.openxmlformats.org/markup-compatibility/2006" xmlns:mv="urn:schemas-microsoft-com:mac:vml" xmlns:p="http://schemas.openxmlformats.org/presentationml/2006/main" xmlns:c="http://schemas.openxmlformats.org/drawingml/2006/chart" xmlns:dgm="http://schemas.openxmlformats.org/drawingml/2006/diagram" xmlns:o="urn:schemas-microsoft-com:office:office" xmlns:v="urn:schemas-microsoft-com:vml" xmlns:pvml="urn:schemas-microsoft-com:office:powerpoint" xmlns:com="http://schemas.openxmlformats.org/drawingml/2006/compatibility" xmlns:p14="http://schemas.microsoft.com/office/powerpoint/2010/main" xmlns:p15="http://schemas.microsoft.com/office/powerpoint/2012/main">
+<file path=ppt/slides/slide7.xml><?xml version="1.0" encoding="utf-8"?>
+<p:sld xmlns:a="http://schemas.openxmlformats.org/drawingml/2006/main" xmlns:r="http://schemas.openxmlformats.org/officeDocument/2006/relationships" xmlns:p="http://schemas.openxmlformats.org/presentationml/2006/main">
   <p:cSld>
     <p:spTree>
       <p:nvGrpSpPr>
-        <p:cNvPr id="72" name="Shape 72"/>
+        <p:cNvPr id="1" name="Shape 72"/>
         <p:cNvGrpSpPr/>
         <p:nvPr/>
       </p:nvGrpSpPr>
@@ -7280,7 +10019,9 @@
       <p:sp>
         <p:nvSpPr>
           <p:cNvPr id="73" name="Shape 73"/>
-          <p:cNvSpPr txBox="1"/>
+          <p:cNvSpPr txBox="1">
+            <a:spLocks noGrp="1"/>
+          </p:cNvSpPr>
           <p:nvPr>
             <p:ph type="title"/>
           </p:nvPr>
@@ -7295,12 +10036,12 @@
           </a:prstGeom>
         </p:spPr>
         <p:txBody>
-          <a:bodyPr anchorCtr="0" anchor="t" bIns="91425" lIns="91425" spcFirstLastPara="1" rIns="91425" wrap="square" tIns="91425">
+          <a:bodyPr spcFirstLastPara="1" wrap="square" lIns="91425" tIns="91425" rIns="91425" bIns="91425" anchor="t" anchorCtr="0">
             <a:noAutofit/>
           </a:bodyPr>
           <a:lstStyle/>
           <a:p>
-            <a:pPr indent="0" lvl="0" marL="0" rtl="0">
+            <a:pPr marL="0" lvl="0" indent="0" rtl="0">
               <a:spcBef>
                 <a:spcPts val="0"/>
               </a:spcBef>
@@ -7337,12 +10078,12 @@
           </a:ln>
         </p:spPr>
         <p:txBody>
-          <a:bodyPr anchorCtr="0" anchor="t" bIns="91425" lIns="91425" spcFirstLastPara="1" rIns="91425" wrap="square" tIns="91425">
+          <a:bodyPr spcFirstLastPara="1" wrap="square" lIns="91425" tIns="91425" rIns="91425" bIns="91425" anchor="t" anchorCtr="0">
             <a:noAutofit/>
           </a:bodyPr>
           <a:lstStyle/>
           <a:p>
-            <a:pPr indent="-381000" lvl="0" marL="457200" rtl="0">
+            <a:pPr marL="457200" lvl="0" indent="-381000" rtl="0">
               <a:lnSpc>
                 <a:spcPct val="115000"/>
               </a:lnSpc>
@@ -7359,21 +10100,21 @@
               <a:buChar char="●"/>
             </a:pPr>
             <a:r>
-              <a:rPr lang="en" sz="2400">
+              <a:rPr lang="en" sz="2400" dirty="0">
                 <a:solidFill>
                   <a:srgbClr val="FFFFFF"/>
                 </a:solidFill>
               </a:rPr>
               <a:t>A framework/module that provides MVC style categories and functionality</a:t>
             </a:r>
-            <a:endParaRPr sz="2400">
+            <a:endParaRPr sz="2400" dirty="0">
               <a:solidFill>
                 <a:srgbClr val="FFFFFF"/>
               </a:solidFill>
             </a:endParaRPr>
           </a:p>
           <a:p>
-            <a:pPr indent="-381000" lvl="0" marL="457200" rtl="0">
+            <a:pPr marL="457200" lvl="0" indent="-381000" rtl="0">
               <a:lnSpc>
                 <a:spcPct val="115000"/>
               </a:lnSpc>
@@ -7390,21 +10131,21 @@
               <a:buChar char="●"/>
             </a:pPr>
             <a:r>
-              <a:rPr lang="en" sz="2400">
+              <a:rPr lang="en" sz="2400" dirty="0">
                 <a:solidFill>
                   <a:srgbClr val="FFFFFF"/>
                 </a:solidFill>
               </a:rPr>
               <a:t>Most languages have MVC frameworks available</a:t>
             </a:r>
-            <a:endParaRPr sz="2400">
+            <a:endParaRPr sz="2400" dirty="0">
               <a:solidFill>
                 <a:srgbClr val="FFFFFF"/>
               </a:solidFill>
             </a:endParaRPr>
           </a:p>
           <a:p>
-            <a:pPr indent="-381000" lvl="1" marL="914400" rtl="0">
+            <a:pPr marL="914400" lvl="1" indent="-381000" rtl="0">
               <a:lnSpc>
                 <a:spcPct val="115000"/>
               </a:lnSpc>
@@ -7426,9 +10167,35 @@
                   <a:srgbClr val="FFFFFF"/>
                 </a:solidFill>
               </a:rPr>
-              <a:t>List popular frameworks by language</a:t>
+              <a:t>React (JS)</a:t>
             </a:r>
-            <a:endParaRPr sz="2400">
+          </a:p>
+          <a:p>
+            <a:pPr marL="914400" lvl="1" indent="-381000" rtl="0">
+              <a:lnSpc>
+                <a:spcPct val="115000"/>
+              </a:lnSpc>
+              <a:spcBef>
+                <a:spcPts val="0"/>
+              </a:spcBef>
+              <a:spcAft>
+                <a:spcPts val="0"/>
+              </a:spcAft>
+              <a:buClr>
+                <a:srgbClr val="FFFFFF"/>
+              </a:buClr>
+              <a:buSzPts val="2400"/>
+              <a:buChar char="○"/>
+            </a:pPr>
+            <a:r>
+              <a:rPr lang="en" sz="2400">
+                <a:solidFill>
+                  <a:srgbClr val="FFFFFF"/>
+                </a:solidFill>
+              </a:rPr>
+              <a:t>Spring MVC (Java)</a:t>
+            </a:r>
+            <a:endParaRPr sz="2400" dirty="0">
               <a:solidFill>
                 <a:srgbClr val="FFFFFF"/>
               </a:solidFill>
@@ -7444,32 +10211,32 @@
   <p:timing>
     <p:tnLst>
       <p:par>
-        <p:cTn dur="indefinite" nodeType="tmRoot" restart="never">
+        <p:cTn id="1" dur="indefinite" restart="never" nodeType="tmRoot">
           <p:childTnLst>
             <p:seq concurrent="1" nextAc="seek">
-              <p:cTn dur="indefinite" id="2" nodeType="mainSeq">
+              <p:cTn id="2" dur="indefinite" nodeType="mainSeq">
                 <p:childTnLst>
                   <p:par>
-                    <p:cTn fill="hold">
+                    <p:cTn id="3" fill="hold">
                       <p:stCondLst>
                         <p:cond delay="indefinite"/>
                       </p:stCondLst>
                       <p:childTnLst>
                         <p:par>
-                          <p:cTn fill="hold">
+                          <p:cTn id="4" fill="hold">
                             <p:stCondLst>
                               <p:cond delay="0"/>
                             </p:stCondLst>
                             <p:childTnLst>
                               <p:par>
-                                <p:cTn fill="hold" nodeType="clickEffect" presetClass="entr" presetID="10" presetSubtype="0">
+                                <p:cTn id="5" presetID="10" presetClass="entr" presetSubtype="0" fill="hold" nodeType="clickEffect">
                                   <p:stCondLst>
                                     <p:cond delay="0"/>
                                   </p:stCondLst>
                                   <p:childTnLst>
                                     <p:set>
                                       <p:cBhvr>
-                                        <p:cTn dur="1" fill="hold">
+                                        <p:cTn id="6" dur="1" fill="hold">
                                           <p:stCondLst>
                                             <p:cond delay="0"/>
                                           </p:stCondLst>
@@ -7477,7 +10244,7 @@
                                         <p:tgtEl>
                                           <p:spTgt spid="74">
                                             <p:txEl>
-                                              <p:pRg end="0" st="0"/>
+                                              <p:pRg st="0" end="0"/>
                                             </p:txEl>
                                           </p:spTgt>
                                         </p:tgtEl>
@@ -7489,13 +10256,13 @@
                                         <p:strVal val="visible"/>
                                       </p:to>
                                     </p:set>
-                                    <p:animEffect filter="fade" transition="in">
+                                    <p:animEffect transition="in" filter="fade">
                                       <p:cBhvr>
-                                        <p:cTn dur="1000"/>
+                                        <p:cTn id="7" dur="1000"/>
                                         <p:tgtEl>
                                           <p:spTgt spid="74">
                                             <p:txEl>
-                                              <p:pRg end="0" st="0"/>
+                                              <p:pRg st="0" end="0"/>
                                             </p:txEl>
                                           </p:spTgt>
                                         </p:tgtEl>
@@ -7511,26 +10278,26 @@
                     </p:cTn>
                   </p:par>
                   <p:par>
-                    <p:cTn fill="hold">
+                    <p:cTn id="8" fill="hold">
                       <p:stCondLst>
                         <p:cond delay="indefinite"/>
                       </p:stCondLst>
                       <p:childTnLst>
                         <p:par>
-                          <p:cTn fill="hold">
+                          <p:cTn id="9" fill="hold">
                             <p:stCondLst>
                               <p:cond delay="0"/>
                             </p:stCondLst>
                             <p:childTnLst>
                               <p:par>
-                                <p:cTn fill="hold" nodeType="clickEffect" presetClass="entr" presetID="10" presetSubtype="0">
+                                <p:cTn id="10" presetID="10" presetClass="entr" presetSubtype="0" fill="hold" nodeType="clickEffect">
                                   <p:stCondLst>
                                     <p:cond delay="0"/>
                                   </p:stCondLst>
                                   <p:childTnLst>
                                     <p:set>
                                       <p:cBhvr>
-                                        <p:cTn dur="1" fill="hold">
+                                        <p:cTn id="11" dur="1" fill="hold">
                                           <p:stCondLst>
                                             <p:cond delay="0"/>
                                           </p:stCondLst>
@@ -7538,7 +10305,7 @@
                                         <p:tgtEl>
                                           <p:spTgt spid="74">
                                             <p:txEl>
-                                              <p:pRg end="1" st="1"/>
+                                              <p:pRg st="1" end="1"/>
                                             </p:txEl>
                                           </p:spTgt>
                                         </p:tgtEl>
@@ -7550,13 +10317,13 @@
                                         <p:strVal val="visible"/>
                                       </p:to>
                                     </p:set>
-                                    <p:animEffect filter="fade" transition="in">
+                                    <p:animEffect transition="in" filter="fade">
                                       <p:cBhvr>
-                                        <p:cTn dur="1000"/>
+                                        <p:cTn id="12" dur="1000"/>
                                         <p:tgtEl>
                                           <p:spTgt spid="74">
                                             <p:txEl>
-                                              <p:pRg end="1" st="1"/>
+                                              <p:pRg st="1" end="1"/>
                                             </p:txEl>
                                           </p:spTgt>
                                         </p:tgtEl>
@@ -7572,26 +10339,26 @@
                     </p:cTn>
                   </p:par>
                   <p:par>
-                    <p:cTn fill="hold">
+                    <p:cTn id="13" fill="hold">
                       <p:stCondLst>
                         <p:cond delay="indefinite"/>
                       </p:stCondLst>
                       <p:childTnLst>
                         <p:par>
-                          <p:cTn fill="hold">
+                          <p:cTn id="14" fill="hold">
                             <p:stCondLst>
                               <p:cond delay="0"/>
                             </p:stCondLst>
                             <p:childTnLst>
                               <p:par>
-                                <p:cTn fill="hold" nodeType="clickEffect" presetClass="entr" presetID="10" presetSubtype="0">
+                                <p:cTn id="15" presetID="10" presetClass="entr" presetSubtype="0" fill="hold" nodeType="clickEffect">
                                   <p:stCondLst>
                                     <p:cond delay="0"/>
                                   </p:stCondLst>
                                   <p:childTnLst>
                                     <p:set>
                                       <p:cBhvr>
-                                        <p:cTn dur="1" fill="hold">
+                                        <p:cTn id="16" dur="1" fill="hold">
                                           <p:stCondLst>
                                             <p:cond delay="0"/>
                                           </p:stCondLst>
@@ -7599,7 +10366,7 @@
                                         <p:tgtEl>
                                           <p:spTgt spid="74">
                                             <p:txEl>
-                                              <p:pRg end="2" st="2"/>
+                                              <p:pRg st="2" end="2"/>
                                             </p:txEl>
                                           </p:spTgt>
                                         </p:tgtEl>
@@ -7611,13 +10378,74 @@
                                         <p:strVal val="visible"/>
                                       </p:to>
                                     </p:set>
-                                    <p:animEffect filter="fade" transition="in">
+                                    <p:animEffect transition="in" filter="fade">
                                       <p:cBhvr>
-                                        <p:cTn dur="1000"/>
+                                        <p:cTn id="17" dur="1000"/>
                                         <p:tgtEl>
                                           <p:spTgt spid="74">
                                             <p:txEl>
-                                              <p:pRg end="2" st="2"/>
+                                              <p:pRg st="2" end="2"/>
+                                            </p:txEl>
+                                          </p:spTgt>
+                                        </p:tgtEl>
+                                      </p:cBhvr>
+                                    </p:animEffect>
+                                  </p:childTnLst>
+                                </p:cTn>
+                              </p:par>
+                            </p:childTnLst>
+                          </p:cTn>
+                        </p:par>
+                      </p:childTnLst>
+                    </p:cTn>
+                  </p:par>
+                  <p:par>
+                    <p:cTn id="18" fill="hold">
+                      <p:stCondLst>
+                        <p:cond delay="indefinite"/>
+                      </p:stCondLst>
+                      <p:childTnLst>
+                        <p:par>
+                          <p:cTn id="19" fill="hold">
+                            <p:stCondLst>
+                              <p:cond delay="0"/>
+                            </p:stCondLst>
+                            <p:childTnLst>
+                              <p:par>
+                                <p:cTn id="20" presetID="10" presetClass="entr" presetSubtype="0" fill="hold" nodeType="clickEffect">
+                                  <p:stCondLst>
+                                    <p:cond delay="0"/>
+                                  </p:stCondLst>
+                                  <p:childTnLst>
+                                    <p:set>
+                                      <p:cBhvr>
+                                        <p:cTn id="21" dur="1" fill="hold">
+                                          <p:stCondLst>
+                                            <p:cond delay="0"/>
+                                          </p:stCondLst>
+                                        </p:cTn>
+                                        <p:tgtEl>
+                                          <p:spTgt spid="74">
+                                            <p:txEl>
+                                              <p:pRg st="3" end="3"/>
+                                            </p:txEl>
+                                          </p:spTgt>
+                                        </p:tgtEl>
+                                        <p:attrNameLst>
+                                          <p:attrName>style.visibility</p:attrName>
+                                        </p:attrNameLst>
+                                      </p:cBhvr>
+                                      <p:to>
+                                        <p:strVal val="visible"/>
+                                      </p:to>
+                                    </p:set>
+                                    <p:animEffect transition="in" filter="fade">
+                                      <p:cBhvr>
+                                        <p:cTn id="22" dur="1000"/>
+                                        <p:tgtEl>
+                                          <p:spTgt spid="74">
+                                            <p:txEl>
+                                              <p:pRg st="3" end="3"/>
                                             </p:txEl>
                                           </p:spTgt>
                                         </p:tgtEl>
@@ -7635,14 +10463,14 @@
                 </p:childTnLst>
               </p:cTn>
               <p:prevCondLst>
-                <p:cond evt="onPrev">
+                <p:cond evt="onPrev" delay="0">
                   <p:tgtEl>
                     <p:sldTgt/>
                   </p:tgtEl>
                 </p:cond>
               </p:prevCondLst>
               <p:nextCondLst>
-                <p:cond evt="onNext">
+                <p:cond evt="onNext" delay="0">
                   <p:tgtEl>
                     <p:sldTgt/>
                   </p:tgtEl>
@@ -7657,12 +10485,12 @@
 </p:sld>
 </file>
 
-<file path=ppt/slides/slide5.xml><?xml version="1.0" encoding="utf-8"?>
-<p:sld xmlns:a="http://schemas.openxmlformats.org/drawingml/2006/main" xmlns:r="http://schemas.openxmlformats.org/officeDocument/2006/relationships" xmlns:mc="http://schemas.openxmlformats.org/markup-compatibility/2006" xmlns:mv="urn:schemas-microsoft-com:mac:vml" xmlns:p="http://schemas.openxmlformats.org/presentationml/2006/main" xmlns:c="http://schemas.openxmlformats.org/drawingml/2006/chart" xmlns:dgm="http://schemas.openxmlformats.org/drawingml/2006/diagram" xmlns:o="urn:schemas-microsoft-com:office:office" xmlns:v="urn:schemas-microsoft-com:vml" xmlns:pvml="urn:schemas-microsoft-com:office:powerpoint" xmlns:com="http://schemas.openxmlformats.org/drawingml/2006/compatibility" xmlns:p14="http://schemas.microsoft.com/office/powerpoint/2010/main" xmlns:p15="http://schemas.microsoft.com/office/powerpoint/2012/main">
+<file path=ppt/slides/slide8.xml><?xml version="1.0" encoding="utf-8"?>
+<p:sld xmlns:a="http://schemas.openxmlformats.org/drawingml/2006/main" xmlns:r="http://schemas.openxmlformats.org/officeDocument/2006/relationships" xmlns:p="http://schemas.openxmlformats.org/presentationml/2006/main">
   <p:cSld>
     <p:spTree>
       <p:nvGrpSpPr>
-        <p:cNvPr id="78" name="Shape 78"/>
+        <p:cNvPr id="1" name="Shape 78"/>
         <p:cNvGrpSpPr/>
         <p:nvPr/>
       </p:nvGrpSpPr>
@@ -7677,7 +10505,9 @@
       <p:sp>
         <p:nvSpPr>
           <p:cNvPr id="79" name="Shape 79"/>
-          <p:cNvSpPr txBox="1"/>
+          <p:cNvSpPr txBox="1">
+            <a:spLocks noGrp="1"/>
+          </p:cNvSpPr>
           <p:nvPr>
             <p:ph type="title"/>
           </p:nvPr>
@@ -7692,12 +10522,12 @@
           </a:prstGeom>
         </p:spPr>
         <p:txBody>
-          <a:bodyPr anchorCtr="0" anchor="t" bIns="91425" lIns="91425" spcFirstLastPara="1" rIns="91425" wrap="square" tIns="91425">
+          <a:bodyPr spcFirstLastPara="1" wrap="square" lIns="91425" tIns="91425" rIns="91425" bIns="91425" anchor="t" anchorCtr="0">
             <a:noAutofit/>
           </a:bodyPr>
           <a:lstStyle/>
           <a:p>
-            <a:pPr indent="0" lvl="0" marL="0" rtl="0">
+            <a:pPr marL="0" lvl="0" indent="0" rtl="0">
               <a:spcBef>
                 <a:spcPts val="0"/>
               </a:spcBef>
@@ -7734,12 +10564,12 @@
           </a:ln>
         </p:spPr>
         <p:txBody>
-          <a:bodyPr anchorCtr="0" anchor="t" bIns="91425" lIns="91425" spcFirstLastPara="1" rIns="91425" wrap="square" tIns="91425">
+          <a:bodyPr spcFirstLastPara="1" wrap="square" lIns="91425" tIns="91425" rIns="91425" bIns="91425" anchor="t" anchorCtr="0">
             <a:noAutofit/>
           </a:bodyPr>
           <a:lstStyle/>
           <a:p>
-            <a:pPr indent="-381000" lvl="0" marL="457200" rtl="0">
+            <a:pPr marL="457200" lvl="0" indent="-381000" rtl="0">
               <a:lnSpc>
                 <a:spcPct val="115000"/>
               </a:lnSpc>
@@ -7770,7 +10600,7 @@
             </a:endParaRPr>
           </a:p>
           <a:p>
-            <a:pPr indent="-381000" lvl="0" marL="457200" rtl="0">
+            <a:pPr marL="457200" lvl="0" indent="-381000" rtl="0">
               <a:lnSpc>
                 <a:spcPct val="115000"/>
               </a:lnSpc>
@@ -7801,7 +10631,7 @@
             </a:endParaRPr>
           </a:p>
           <a:p>
-            <a:pPr indent="-381000" lvl="1" marL="914400" rtl="0">
+            <a:pPr marL="914400" lvl="1" indent="-381000" rtl="0">
               <a:lnSpc>
                 <a:spcPct val="115000"/>
               </a:lnSpc>
@@ -7832,7 +10662,7 @@
             </a:endParaRPr>
           </a:p>
           <a:p>
-            <a:pPr indent="-381000" lvl="1" marL="914400" rtl="0">
+            <a:pPr marL="914400" lvl="1" indent="-381000" rtl="0">
               <a:lnSpc>
                 <a:spcPct val="115000"/>
               </a:lnSpc>
@@ -7863,7 +10693,7 @@
             </a:endParaRPr>
           </a:p>
           <a:p>
-            <a:pPr indent="-381000" lvl="1" marL="914400" rtl="0">
+            <a:pPr marL="914400" lvl="1" indent="-381000" rtl="0">
               <a:lnSpc>
                 <a:spcPct val="115000"/>
               </a:lnSpc>
@@ -7903,32 +10733,32 @@
   <p:timing>
     <p:tnLst>
       <p:par>
-        <p:cTn dur="indefinite" nodeType="tmRoot" restart="never">
+        <p:cTn id="1" dur="indefinite" restart="never" nodeType="tmRoot">
           <p:childTnLst>
             <p:seq concurrent="1" nextAc="seek">
-              <p:cTn dur="indefinite" id="2" nodeType="mainSeq">
+              <p:cTn id="2" dur="indefinite" nodeType="mainSeq">
                 <p:childTnLst>
                   <p:par>
-                    <p:cTn fill="hold">
+                    <p:cTn id="3" fill="hold">
                       <p:stCondLst>
                         <p:cond delay="indefinite"/>
                       </p:stCondLst>
                       <p:childTnLst>
                         <p:par>
-                          <p:cTn fill="hold">
+                          <p:cTn id="4" fill="hold">
                             <p:stCondLst>
                               <p:cond delay="0"/>
                             </p:stCondLst>
                             <p:childTnLst>
                               <p:par>
-                                <p:cTn fill="hold" nodeType="clickEffect" presetClass="entr" presetID="10" presetSubtype="0">
+                                <p:cTn id="5" presetID="10" presetClass="entr" presetSubtype="0" fill="hold" nodeType="clickEffect">
                                   <p:stCondLst>
                                     <p:cond delay="0"/>
                                   </p:stCondLst>
                                   <p:childTnLst>
                                     <p:set>
                                       <p:cBhvr>
-                                        <p:cTn dur="1" fill="hold">
+                                        <p:cTn id="6" dur="1" fill="hold">
                                           <p:stCondLst>
                                             <p:cond delay="0"/>
                                           </p:stCondLst>
@@ -7936,7 +10766,7 @@
                                         <p:tgtEl>
                                           <p:spTgt spid="80">
                                             <p:txEl>
-                                              <p:pRg end="0" st="0"/>
+                                              <p:pRg st="0" end="0"/>
                                             </p:txEl>
                                           </p:spTgt>
                                         </p:tgtEl>
@@ -7948,13 +10778,13 @@
                                         <p:strVal val="visible"/>
                                       </p:to>
                                     </p:set>
-                                    <p:animEffect filter="fade" transition="in">
+                                    <p:animEffect transition="in" filter="fade">
                                       <p:cBhvr>
-                                        <p:cTn dur="1000"/>
+                                        <p:cTn id="7" dur="1000"/>
                                         <p:tgtEl>
                                           <p:spTgt spid="80">
                                             <p:txEl>
-                                              <p:pRg end="0" st="0"/>
+                                              <p:pRg st="0" end="0"/>
                                             </p:txEl>
                                           </p:spTgt>
                                         </p:tgtEl>
@@ -7970,26 +10800,26 @@
                     </p:cTn>
                   </p:par>
                   <p:par>
-                    <p:cTn fill="hold">
+                    <p:cTn id="8" fill="hold">
                       <p:stCondLst>
                         <p:cond delay="indefinite"/>
                       </p:stCondLst>
                       <p:childTnLst>
                         <p:par>
-                          <p:cTn fill="hold">
+                          <p:cTn id="9" fill="hold">
                             <p:stCondLst>
                               <p:cond delay="0"/>
                             </p:stCondLst>
                             <p:childTnLst>
                               <p:par>
-                                <p:cTn fill="hold" nodeType="clickEffect" presetClass="entr" presetID="10" presetSubtype="0">
+                                <p:cTn id="10" presetID="10" presetClass="entr" presetSubtype="0" fill="hold" nodeType="clickEffect">
                                   <p:stCondLst>
                                     <p:cond delay="0"/>
                                   </p:stCondLst>
                                   <p:childTnLst>
                                     <p:set>
                                       <p:cBhvr>
-                                        <p:cTn dur="1" fill="hold">
+                                        <p:cTn id="11" dur="1" fill="hold">
                                           <p:stCondLst>
                                             <p:cond delay="0"/>
                                           </p:stCondLst>
@@ -7997,7 +10827,7 @@
                                         <p:tgtEl>
                                           <p:spTgt spid="80">
                                             <p:txEl>
-                                              <p:pRg end="1" st="1"/>
+                                              <p:pRg st="1" end="1"/>
                                             </p:txEl>
                                           </p:spTgt>
                                         </p:tgtEl>
@@ -8009,13 +10839,13 @@
                                         <p:strVal val="visible"/>
                                       </p:to>
                                     </p:set>
-                                    <p:animEffect filter="fade" transition="in">
+                                    <p:animEffect transition="in" filter="fade">
                                       <p:cBhvr>
-                                        <p:cTn dur="1000"/>
+                                        <p:cTn id="12" dur="1000"/>
                                         <p:tgtEl>
                                           <p:spTgt spid="80">
                                             <p:txEl>
-                                              <p:pRg end="1" st="1"/>
+                                              <p:pRg st="1" end="1"/>
                                             </p:txEl>
                                           </p:spTgt>
                                         </p:tgtEl>
@@ -8031,26 +10861,26 @@
                     </p:cTn>
                   </p:par>
                   <p:par>
-                    <p:cTn fill="hold">
+                    <p:cTn id="13" fill="hold">
                       <p:stCondLst>
                         <p:cond delay="indefinite"/>
                       </p:stCondLst>
                       <p:childTnLst>
                         <p:par>
-                          <p:cTn fill="hold">
+                          <p:cTn id="14" fill="hold">
                             <p:stCondLst>
                               <p:cond delay="0"/>
                             </p:stCondLst>
                             <p:childTnLst>
                               <p:par>
-                                <p:cTn fill="hold" nodeType="clickEffect" presetClass="entr" presetID="10" presetSubtype="0">
+                                <p:cTn id="15" presetID="10" presetClass="entr" presetSubtype="0" fill="hold" nodeType="clickEffect">
                                   <p:stCondLst>
                                     <p:cond delay="0"/>
                                   </p:stCondLst>
                                   <p:childTnLst>
                                     <p:set>
                                       <p:cBhvr>
-                                        <p:cTn dur="1" fill="hold">
+                                        <p:cTn id="16" dur="1" fill="hold">
                                           <p:stCondLst>
                                             <p:cond delay="0"/>
                                           </p:stCondLst>
@@ -8058,7 +10888,7 @@
                                         <p:tgtEl>
                                           <p:spTgt spid="80">
                                             <p:txEl>
-                                              <p:pRg end="2" st="2"/>
+                                              <p:pRg st="2" end="2"/>
                                             </p:txEl>
                                           </p:spTgt>
                                         </p:tgtEl>
@@ -8070,13 +10900,13 @@
                                         <p:strVal val="visible"/>
                                       </p:to>
                                     </p:set>
-                                    <p:animEffect filter="fade" transition="in">
+                                    <p:animEffect transition="in" filter="fade">
                                       <p:cBhvr>
-                                        <p:cTn dur="1000"/>
+                                        <p:cTn id="17" dur="1000"/>
                                         <p:tgtEl>
                                           <p:spTgt spid="80">
                                             <p:txEl>
-                                              <p:pRg end="2" st="2"/>
+                                              <p:pRg st="2" end="2"/>
                                             </p:txEl>
                                           </p:spTgt>
                                         </p:tgtEl>
@@ -8092,26 +10922,26 @@
                     </p:cTn>
                   </p:par>
                   <p:par>
-                    <p:cTn fill="hold">
+                    <p:cTn id="18" fill="hold">
                       <p:stCondLst>
                         <p:cond delay="indefinite"/>
                       </p:stCondLst>
                       <p:childTnLst>
                         <p:par>
-                          <p:cTn fill="hold">
+                          <p:cTn id="19" fill="hold">
                             <p:stCondLst>
                               <p:cond delay="0"/>
                             </p:stCondLst>
                             <p:childTnLst>
                               <p:par>
-                                <p:cTn fill="hold" nodeType="clickEffect" presetClass="entr" presetID="10" presetSubtype="0">
+                                <p:cTn id="20" presetID="10" presetClass="entr" presetSubtype="0" fill="hold" nodeType="clickEffect">
                                   <p:stCondLst>
                                     <p:cond delay="0"/>
                                   </p:stCondLst>
                                   <p:childTnLst>
                                     <p:set>
                                       <p:cBhvr>
-                                        <p:cTn dur="1" fill="hold">
+                                        <p:cTn id="21" dur="1" fill="hold">
                                           <p:stCondLst>
                                             <p:cond delay="0"/>
                                           </p:stCondLst>
@@ -8119,7 +10949,7 @@
                                         <p:tgtEl>
                                           <p:spTgt spid="80">
                                             <p:txEl>
-                                              <p:pRg end="3" st="3"/>
+                                              <p:pRg st="3" end="3"/>
                                             </p:txEl>
                                           </p:spTgt>
                                         </p:tgtEl>
@@ -8131,13 +10961,13 @@
                                         <p:strVal val="visible"/>
                                       </p:to>
                                     </p:set>
-                                    <p:animEffect filter="fade" transition="in">
+                                    <p:animEffect transition="in" filter="fade">
                                       <p:cBhvr>
-                                        <p:cTn dur="1000"/>
+                                        <p:cTn id="22" dur="1000"/>
                                         <p:tgtEl>
                                           <p:spTgt spid="80">
                                             <p:txEl>
-                                              <p:pRg end="3" st="3"/>
+                                              <p:pRg st="3" end="3"/>
                                             </p:txEl>
                                           </p:spTgt>
                                         </p:tgtEl>
@@ -8153,26 +10983,26 @@
                     </p:cTn>
                   </p:par>
                   <p:par>
-                    <p:cTn fill="hold">
+                    <p:cTn id="23" fill="hold">
                       <p:stCondLst>
                         <p:cond delay="indefinite"/>
                       </p:stCondLst>
                       <p:childTnLst>
                         <p:par>
-                          <p:cTn fill="hold">
+                          <p:cTn id="24" fill="hold">
                             <p:stCondLst>
                               <p:cond delay="0"/>
                             </p:stCondLst>
                             <p:childTnLst>
                               <p:par>
-                                <p:cTn fill="hold" nodeType="clickEffect" presetClass="entr" presetID="10" presetSubtype="0">
+                                <p:cTn id="25" presetID="10" presetClass="entr" presetSubtype="0" fill="hold" nodeType="clickEffect">
                                   <p:stCondLst>
                                     <p:cond delay="0"/>
                                   </p:stCondLst>
                                   <p:childTnLst>
                                     <p:set>
                                       <p:cBhvr>
-                                        <p:cTn dur="1" fill="hold">
+                                        <p:cTn id="26" dur="1" fill="hold">
                                           <p:stCondLst>
                                             <p:cond delay="0"/>
                                           </p:stCondLst>
@@ -8180,7 +11010,7 @@
                                         <p:tgtEl>
                                           <p:spTgt spid="80">
                                             <p:txEl>
-                                              <p:pRg end="4" st="4"/>
+                                              <p:pRg st="4" end="4"/>
                                             </p:txEl>
                                           </p:spTgt>
                                         </p:tgtEl>
@@ -8192,13 +11022,13 @@
                                         <p:strVal val="visible"/>
                                       </p:to>
                                     </p:set>
-                                    <p:animEffect filter="fade" transition="in">
+                                    <p:animEffect transition="in" filter="fade">
                                       <p:cBhvr>
-                                        <p:cTn dur="1000"/>
+                                        <p:cTn id="27" dur="1000"/>
                                         <p:tgtEl>
                                           <p:spTgt spid="80">
                                             <p:txEl>
-                                              <p:pRg end="4" st="4"/>
+                                              <p:pRg st="4" end="4"/>
                                             </p:txEl>
                                           </p:spTgt>
                                         </p:tgtEl>
@@ -8216,14 +11046,14 @@
                 </p:childTnLst>
               </p:cTn>
               <p:prevCondLst>
-                <p:cond evt="onPrev">
+                <p:cond evt="onPrev" delay="0">
                   <p:tgtEl>
                     <p:sldTgt/>
                   </p:tgtEl>
                 </p:cond>
               </p:prevCondLst>
               <p:nextCondLst>
-                <p:cond evt="onNext">
+                <p:cond evt="onNext" delay="0">
                   <p:tgtEl>
                     <p:sldTgt/>
                   </p:tgtEl>
@@ -8238,12 +11068,12 @@
 </p:sld>
 </file>
 
-<file path=ppt/slides/slide6.xml><?xml version="1.0" encoding="utf-8"?>
-<p:sld xmlns:a="http://schemas.openxmlformats.org/drawingml/2006/main" xmlns:r="http://schemas.openxmlformats.org/officeDocument/2006/relationships" xmlns:mc="http://schemas.openxmlformats.org/markup-compatibility/2006" xmlns:mv="urn:schemas-microsoft-com:mac:vml" xmlns:p="http://schemas.openxmlformats.org/presentationml/2006/main" xmlns:c="http://schemas.openxmlformats.org/drawingml/2006/chart" xmlns:dgm="http://schemas.openxmlformats.org/drawingml/2006/diagram" xmlns:o="urn:schemas-microsoft-com:office:office" xmlns:v="urn:schemas-microsoft-com:vml" xmlns:pvml="urn:schemas-microsoft-com:office:powerpoint" xmlns:com="http://schemas.openxmlformats.org/drawingml/2006/compatibility" xmlns:p14="http://schemas.microsoft.com/office/powerpoint/2010/main" xmlns:p15="http://schemas.microsoft.com/office/powerpoint/2012/main">
+<file path=ppt/slides/slide9.xml><?xml version="1.0" encoding="utf-8"?>
+<p:sld xmlns:a="http://schemas.openxmlformats.org/drawingml/2006/main" xmlns:r="http://schemas.openxmlformats.org/officeDocument/2006/relationships" xmlns:p="http://schemas.openxmlformats.org/presentationml/2006/main">
   <p:cSld>
     <p:spTree>
       <p:nvGrpSpPr>
-        <p:cNvPr id="84" name="Shape 84"/>
+        <p:cNvPr id="1" name="Shape 84"/>
         <p:cNvGrpSpPr/>
         <p:nvPr/>
       </p:nvGrpSpPr>
@@ -8258,7 +11088,9 @@
       <p:sp>
         <p:nvSpPr>
           <p:cNvPr id="85" name="Shape 85"/>
-          <p:cNvSpPr txBox="1"/>
+          <p:cNvSpPr txBox="1">
+            <a:spLocks noGrp="1"/>
+          </p:cNvSpPr>
           <p:nvPr>
             <p:ph type="title"/>
           </p:nvPr>
@@ -8273,12 +11105,12 @@
           </a:prstGeom>
         </p:spPr>
         <p:txBody>
-          <a:bodyPr anchorCtr="0" anchor="t" bIns="91425" lIns="91425" spcFirstLastPara="1" rIns="91425" wrap="square" tIns="91425">
+          <a:bodyPr spcFirstLastPara="1" wrap="square" lIns="91425" tIns="91425" rIns="91425" bIns="91425" anchor="t" anchorCtr="0">
             <a:noAutofit/>
           </a:bodyPr>
           <a:lstStyle/>
           <a:p>
-            <a:pPr indent="0" lvl="0" marL="0" rtl="0">
+            <a:pPr marL="0" lvl="0" indent="0" rtl="0">
               <a:spcBef>
                 <a:spcPts val="0"/>
               </a:spcBef>
@@ -8315,12 +11147,12 @@
           </a:ln>
         </p:spPr>
         <p:txBody>
-          <a:bodyPr anchorCtr="0" anchor="t" bIns="91425" lIns="91425" spcFirstLastPara="1" rIns="91425" wrap="square" tIns="91425">
+          <a:bodyPr spcFirstLastPara="1" wrap="square" lIns="91425" tIns="91425" rIns="91425" bIns="91425" anchor="t" anchorCtr="0">
             <a:noAutofit/>
           </a:bodyPr>
           <a:lstStyle/>
           <a:p>
-            <a:pPr indent="-381000" lvl="0" marL="457200" rtl="0">
+            <a:pPr marL="457200" lvl="0" indent="-381000" rtl="0">
               <a:lnSpc>
                 <a:spcPct val="100000"/>
               </a:lnSpc>
@@ -8351,7 +11183,7 @@
             </a:endParaRPr>
           </a:p>
           <a:p>
-            <a:pPr indent="-381000" lvl="1" marL="914400" rtl="0">
+            <a:pPr marL="914400" lvl="1" indent="-381000" rtl="0">
               <a:lnSpc>
                 <a:spcPct val="100000"/>
               </a:lnSpc>
@@ -8382,7 +11214,7 @@
             </a:endParaRPr>
           </a:p>
           <a:p>
-            <a:pPr indent="-381000" lvl="1" marL="914400" rtl="0">
+            <a:pPr marL="914400" lvl="1" indent="-381000" rtl="0">
               <a:lnSpc>
                 <a:spcPct val="100000"/>
               </a:lnSpc>
@@ -8413,7 +11245,7 @@
             </a:endParaRPr>
           </a:p>
           <a:p>
-            <a:pPr indent="-381000" lvl="1" marL="914400" rtl="0">
+            <a:pPr marL="914400" lvl="1" indent="-381000" rtl="0">
               <a:lnSpc>
                 <a:spcPct val="100000"/>
               </a:lnSpc>
@@ -8444,7 +11276,7 @@
             </a:endParaRPr>
           </a:p>
           <a:p>
-            <a:pPr indent="-381000" lvl="0" marL="457200" rtl="0">
+            <a:pPr marL="457200" lvl="0" indent="-381000" rtl="0">
               <a:lnSpc>
                 <a:spcPct val="100000"/>
               </a:lnSpc>
@@ -8475,7 +11307,7 @@
             </a:endParaRPr>
           </a:p>
           <a:p>
-            <a:pPr indent="-381000" lvl="1" marL="914400" rtl="0">
+            <a:pPr marL="914400" lvl="1" indent="-381000" rtl="0">
               <a:lnSpc>
                 <a:spcPct val="100000"/>
               </a:lnSpc>
@@ -8506,7 +11338,7 @@
             </a:endParaRPr>
           </a:p>
           <a:p>
-            <a:pPr indent="-381000" lvl="2" marL="1371600" rtl="0">
+            <a:pPr marL="1371600" lvl="2" indent="-381000" rtl="0">
               <a:lnSpc>
                 <a:spcPct val="100000"/>
               </a:lnSpc>
@@ -8537,7 +11369,7 @@
             </a:endParaRPr>
           </a:p>
           <a:p>
-            <a:pPr indent="-381000" lvl="2" marL="1371600" rtl="0">
+            <a:pPr marL="1371600" lvl="2" indent="-381000" rtl="0">
               <a:lnSpc>
                 <a:spcPct val="100000"/>
               </a:lnSpc>
@@ -8568,7 +11400,7 @@
             </a:endParaRPr>
           </a:p>
           <a:p>
-            <a:pPr indent="-381000" lvl="1" marL="914400" rtl="0">
+            <a:pPr marL="914400" lvl="1" indent="-381000" rtl="0">
               <a:lnSpc>
                 <a:spcPct val="100000"/>
               </a:lnSpc>
@@ -8599,7 +11431,7 @@
             </a:endParaRPr>
           </a:p>
           <a:p>
-            <a:pPr indent="-381000" lvl="2" marL="1371600" rtl="0">
+            <a:pPr marL="1371600" lvl="2" indent="-381000" rtl="0">
               <a:lnSpc>
                 <a:spcPct val="100000"/>
               </a:lnSpc>
@@ -8639,32 +11471,32 @@
   <p:timing>
     <p:tnLst>
       <p:par>
-        <p:cTn dur="indefinite" nodeType="tmRoot" restart="never">
+        <p:cTn id="1" dur="indefinite" restart="never" nodeType="tmRoot">
           <p:childTnLst>
             <p:seq concurrent="1" nextAc="seek">
-              <p:cTn dur="indefinite" id="2" nodeType="mainSeq">
+              <p:cTn id="2" dur="indefinite" nodeType="mainSeq">
                 <p:childTnLst>
                   <p:par>
-                    <p:cTn fill="hold">
+                    <p:cTn id="3" fill="hold">
                       <p:stCondLst>
                         <p:cond delay="indefinite"/>
                       </p:stCondLst>
                       <p:childTnLst>
                         <p:par>
-                          <p:cTn fill="hold">
+                          <p:cTn id="4" fill="hold">
                             <p:stCondLst>
                               <p:cond delay="0"/>
                             </p:stCondLst>
                             <p:childTnLst>
                               <p:par>
-                                <p:cTn fill="hold" nodeType="clickEffect" presetClass="entr" presetID="10" presetSubtype="0">
+                                <p:cTn id="5" presetID="10" presetClass="entr" presetSubtype="0" fill="hold" nodeType="clickEffect">
                                   <p:stCondLst>
                                     <p:cond delay="0"/>
                                   </p:stCondLst>
                                   <p:childTnLst>
                                     <p:set>
                                       <p:cBhvr>
-                                        <p:cTn dur="1" fill="hold">
+                                        <p:cTn id="6" dur="1" fill="hold">
                                           <p:stCondLst>
                                             <p:cond delay="0"/>
                                           </p:stCondLst>
@@ -8672,7 +11504,7 @@
                                         <p:tgtEl>
                                           <p:spTgt spid="86">
                                             <p:txEl>
-                                              <p:pRg end="0" st="0"/>
+                                              <p:pRg st="0" end="0"/>
                                             </p:txEl>
                                           </p:spTgt>
                                         </p:tgtEl>
@@ -8684,13 +11516,13 @@
                                         <p:strVal val="visible"/>
                                       </p:to>
                                     </p:set>
-                                    <p:animEffect filter="fade" transition="in">
+                                    <p:animEffect transition="in" filter="fade">
                                       <p:cBhvr>
-                                        <p:cTn dur="1000"/>
+                                        <p:cTn id="7" dur="1000"/>
                                         <p:tgtEl>
                                           <p:spTgt spid="86">
                                             <p:txEl>
-                                              <p:pRg end="0" st="0"/>
+                                              <p:pRg st="0" end="0"/>
                                             </p:txEl>
                                           </p:spTgt>
                                         </p:tgtEl>
@@ -8706,26 +11538,26 @@
                     </p:cTn>
                   </p:par>
                   <p:par>
-                    <p:cTn fill="hold">
+                    <p:cTn id="8" fill="hold">
                       <p:stCondLst>
                         <p:cond delay="indefinite"/>
                       </p:stCondLst>
                       <p:childTnLst>
                         <p:par>
-                          <p:cTn fill="hold">
+                          <p:cTn id="9" fill="hold">
                             <p:stCondLst>
                               <p:cond delay="0"/>
                             </p:stCondLst>
                             <p:childTnLst>
                               <p:par>
-                                <p:cTn fill="hold" nodeType="clickEffect" presetClass="entr" presetID="10" presetSubtype="0">
+                                <p:cTn id="10" presetID="10" presetClass="entr" presetSubtype="0" fill="hold" nodeType="clickEffect">
                                   <p:stCondLst>
                                     <p:cond delay="0"/>
                                   </p:stCondLst>
                                   <p:childTnLst>
                                     <p:set>
                                       <p:cBhvr>
-                                        <p:cTn dur="1" fill="hold">
+                                        <p:cTn id="11" dur="1" fill="hold">
                                           <p:stCondLst>
                                             <p:cond delay="0"/>
                                           </p:stCondLst>
@@ -8733,7 +11565,7 @@
                                         <p:tgtEl>
                                           <p:spTgt spid="86">
                                             <p:txEl>
-                                              <p:pRg end="1" st="1"/>
+                                              <p:pRg st="1" end="1"/>
                                             </p:txEl>
                                           </p:spTgt>
                                         </p:tgtEl>
@@ -8745,13 +11577,13 @@
                                         <p:strVal val="visible"/>
                                       </p:to>
                                     </p:set>
-                                    <p:animEffect filter="fade" transition="in">
+                                    <p:animEffect transition="in" filter="fade">
                                       <p:cBhvr>
-                                        <p:cTn dur="1000"/>
+                                        <p:cTn id="12" dur="1000"/>
                                         <p:tgtEl>
                                           <p:spTgt spid="86">
                                             <p:txEl>
-                                              <p:pRg end="1" st="1"/>
+                                              <p:pRg st="1" end="1"/>
                                             </p:txEl>
                                           </p:spTgt>
                                         </p:tgtEl>
@@ -8767,26 +11599,26 @@
                     </p:cTn>
                   </p:par>
                   <p:par>
-                    <p:cTn fill="hold">
+                    <p:cTn id="13" fill="hold">
                       <p:stCondLst>
                         <p:cond delay="indefinite"/>
                       </p:stCondLst>
                       <p:childTnLst>
                         <p:par>
-                          <p:cTn fill="hold">
+                          <p:cTn id="14" fill="hold">
                             <p:stCondLst>
                               <p:cond delay="0"/>
                             </p:stCondLst>
                             <p:childTnLst>
                               <p:par>
-                                <p:cTn fill="hold" nodeType="clickEffect" presetClass="entr" presetID="10" presetSubtype="0">
+                                <p:cTn id="15" presetID="10" presetClass="entr" presetSubtype="0" fill="hold" nodeType="clickEffect">
                                   <p:stCondLst>
                                     <p:cond delay="0"/>
                                   </p:stCondLst>
                                   <p:childTnLst>
                                     <p:set>
                                       <p:cBhvr>
-                                        <p:cTn dur="1" fill="hold">
+                                        <p:cTn id="16" dur="1" fill="hold">
                                           <p:stCondLst>
                                             <p:cond delay="0"/>
                                           </p:stCondLst>
@@ -8794,7 +11626,7 @@
                                         <p:tgtEl>
                                           <p:spTgt spid="86">
                                             <p:txEl>
-                                              <p:pRg end="2" st="2"/>
+                                              <p:pRg st="2" end="2"/>
                                             </p:txEl>
                                           </p:spTgt>
                                         </p:tgtEl>
@@ -8806,13 +11638,13 @@
                                         <p:strVal val="visible"/>
                                       </p:to>
                                     </p:set>
-                                    <p:animEffect filter="fade" transition="in">
+                                    <p:animEffect transition="in" filter="fade">
                                       <p:cBhvr>
-                                        <p:cTn dur="1000"/>
+                                        <p:cTn id="17" dur="1000"/>
                                         <p:tgtEl>
                                           <p:spTgt spid="86">
                                             <p:txEl>
-                                              <p:pRg end="2" st="2"/>
+                                              <p:pRg st="2" end="2"/>
                                             </p:txEl>
                                           </p:spTgt>
                                         </p:tgtEl>
@@ -8828,26 +11660,26 @@
                     </p:cTn>
                   </p:par>
                   <p:par>
-                    <p:cTn fill="hold">
+                    <p:cTn id="18" fill="hold">
                       <p:stCondLst>
                         <p:cond delay="indefinite"/>
                       </p:stCondLst>
                       <p:childTnLst>
                         <p:par>
-                          <p:cTn fill="hold">
+                          <p:cTn id="19" fill="hold">
                             <p:stCondLst>
                               <p:cond delay="0"/>
                             </p:stCondLst>
                             <p:childTnLst>
                               <p:par>
-                                <p:cTn fill="hold" nodeType="clickEffect" presetClass="entr" presetID="10" presetSubtype="0">
+                                <p:cTn id="20" presetID="10" presetClass="entr" presetSubtype="0" fill="hold" nodeType="clickEffect">
                                   <p:stCondLst>
                                     <p:cond delay="0"/>
                                   </p:stCondLst>
                                   <p:childTnLst>
                                     <p:set>
                                       <p:cBhvr>
-                                        <p:cTn dur="1" fill="hold">
+                                        <p:cTn id="21" dur="1" fill="hold">
                                           <p:stCondLst>
                                             <p:cond delay="0"/>
                                           </p:stCondLst>
@@ -8855,7 +11687,7 @@
                                         <p:tgtEl>
                                           <p:spTgt spid="86">
                                             <p:txEl>
-                                              <p:pRg end="3" st="3"/>
+                                              <p:pRg st="3" end="3"/>
                                             </p:txEl>
                                           </p:spTgt>
                                         </p:tgtEl>
@@ -8867,13 +11699,13 @@
                                         <p:strVal val="visible"/>
                                       </p:to>
                                     </p:set>
-                                    <p:animEffect filter="fade" transition="in">
+                                    <p:animEffect transition="in" filter="fade">
                                       <p:cBhvr>
-                                        <p:cTn dur="1000"/>
+                                        <p:cTn id="22" dur="1000"/>
                                         <p:tgtEl>
                                           <p:spTgt spid="86">
                                             <p:txEl>
-                                              <p:pRg end="3" st="3"/>
+                                              <p:pRg st="3" end="3"/>
                                             </p:txEl>
                                           </p:spTgt>
                                         </p:tgtEl>
@@ -8889,26 +11721,26 @@
                     </p:cTn>
                   </p:par>
                   <p:par>
-                    <p:cTn fill="hold">
+                    <p:cTn id="23" fill="hold">
                       <p:stCondLst>
                         <p:cond delay="indefinite"/>
                       </p:stCondLst>
                       <p:childTnLst>
                         <p:par>
-                          <p:cTn fill="hold">
+                          <p:cTn id="24" fill="hold">
                             <p:stCondLst>
                               <p:cond delay="0"/>
                             </p:stCondLst>
                             <p:childTnLst>
                               <p:par>
-                                <p:cTn fill="hold" nodeType="clickEffect" presetClass="entr" presetID="10" presetSubtype="0">
+                                <p:cTn id="25" presetID="10" presetClass="entr" presetSubtype="0" fill="hold" nodeType="clickEffect">
                                   <p:stCondLst>
                                     <p:cond delay="0"/>
                                   </p:stCondLst>
                                   <p:childTnLst>
                                     <p:set>
                                       <p:cBhvr>
-                                        <p:cTn dur="1" fill="hold">
+                                        <p:cTn id="26" dur="1" fill="hold">
                                           <p:stCondLst>
                                             <p:cond delay="0"/>
                                           </p:stCondLst>
@@ -8916,7 +11748,7 @@
                                         <p:tgtEl>
                                           <p:spTgt spid="86">
                                             <p:txEl>
-                                              <p:pRg end="4" st="4"/>
+                                              <p:pRg st="4" end="4"/>
                                             </p:txEl>
                                           </p:spTgt>
                                         </p:tgtEl>
@@ -8928,13 +11760,13 @@
                                         <p:strVal val="visible"/>
                                       </p:to>
                                     </p:set>
-                                    <p:animEffect filter="fade" transition="in">
+                                    <p:animEffect transition="in" filter="fade">
                                       <p:cBhvr>
-                                        <p:cTn dur="1000"/>
+                                        <p:cTn id="27" dur="1000"/>
                                         <p:tgtEl>
                                           <p:spTgt spid="86">
                                             <p:txEl>
-                                              <p:pRg end="4" st="4"/>
+                                              <p:pRg st="4" end="4"/>
                                             </p:txEl>
                                           </p:spTgt>
                                         </p:tgtEl>
@@ -8950,26 +11782,26 @@
                     </p:cTn>
                   </p:par>
                   <p:par>
-                    <p:cTn fill="hold">
+                    <p:cTn id="28" fill="hold">
                       <p:stCondLst>
                         <p:cond delay="indefinite"/>
                       </p:stCondLst>
                       <p:childTnLst>
                         <p:par>
-                          <p:cTn fill="hold">
+                          <p:cTn id="29" fill="hold">
                             <p:stCondLst>
                               <p:cond delay="0"/>
                             </p:stCondLst>
                             <p:childTnLst>
                               <p:par>
-                                <p:cTn fill="hold" nodeType="clickEffect" presetClass="entr" presetID="10" presetSubtype="0">
+                                <p:cTn id="30" presetID="10" presetClass="entr" presetSubtype="0" fill="hold" nodeType="clickEffect">
                                   <p:stCondLst>
                                     <p:cond delay="0"/>
                                   </p:stCondLst>
                                   <p:childTnLst>
                                     <p:set>
                                       <p:cBhvr>
-                                        <p:cTn dur="1" fill="hold">
+                                        <p:cTn id="31" dur="1" fill="hold">
                                           <p:stCondLst>
                                             <p:cond delay="0"/>
                                           </p:stCondLst>
@@ -8977,7 +11809,7 @@
                                         <p:tgtEl>
                                           <p:spTgt spid="86">
                                             <p:txEl>
-                                              <p:pRg end="5" st="5"/>
+                                              <p:pRg st="5" end="5"/>
                                             </p:txEl>
                                           </p:spTgt>
                                         </p:tgtEl>
@@ -8989,13 +11821,13 @@
                                         <p:strVal val="visible"/>
                                       </p:to>
                                     </p:set>
-                                    <p:animEffect filter="fade" transition="in">
+                                    <p:animEffect transition="in" filter="fade">
                                       <p:cBhvr>
-                                        <p:cTn dur="1000"/>
+                                        <p:cTn id="32" dur="1000"/>
                                         <p:tgtEl>
                                           <p:spTgt spid="86">
                                             <p:txEl>
-                                              <p:pRg end="5" st="5"/>
+                                              <p:pRg st="5" end="5"/>
                                             </p:txEl>
                                           </p:spTgt>
                                         </p:tgtEl>
@@ -9011,26 +11843,26 @@
                     </p:cTn>
                   </p:par>
                   <p:par>
-                    <p:cTn fill="hold">
+                    <p:cTn id="33" fill="hold">
                       <p:stCondLst>
                         <p:cond delay="indefinite"/>
                       </p:stCondLst>
                       <p:childTnLst>
                         <p:par>
-                          <p:cTn fill="hold">
+                          <p:cTn id="34" fill="hold">
                             <p:stCondLst>
                               <p:cond delay="0"/>
                             </p:stCondLst>
                             <p:childTnLst>
                               <p:par>
-                                <p:cTn fill="hold" nodeType="clickEffect" presetClass="entr" presetID="10" presetSubtype="0">
+                                <p:cTn id="35" presetID="10" presetClass="entr" presetSubtype="0" fill="hold" nodeType="clickEffect">
                                   <p:stCondLst>
                                     <p:cond delay="0"/>
                                   </p:stCondLst>
                                   <p:childTnLst>
                                     <p:set>
                                       <p:cBhvr>
-                                        <p:cTn dur="1" fill="hold">
+                                        <p:cTn id="36" dur="1" fill="hold">
                                           <p:stCondLst>
                                             <p:cond delay="0"/>
                                           </p:stCondLst>
@@ -9038,7 +11870,7 @@
                                         <p:tgtEl>
                                           <p:spTgt spid="86">
                                             <p:txEl>
-                                              <p:pRg end="6" st="6"/>
+                                              <p:pRg st="6" end="6"/>
                                             </p:txEl>
                                           </p:spTgt>
                                         </p:tgtEl>
@@ -9050,13 +11882,13 @@
                                         <p:strVal val="visible"/>
                                       </p:to>
                                     </p:set>
-                                    <p:animEffect filter="fade" transition="in">
+                                    <p:animEffect transition="in" filter="fade">
                                       <p:cBhvr>
-                                        <p:cTn dur="1000"/>
+                                        <p:cTn id="37" dur="1000"/>
                                         <p:tgtEl>
                                           <p:spTgt spid="86">
                                             <p:txEl>
-                                              <p:pRg end="6" st="6"/>
+                                              <p:pRg st="6" end="6"/>
                                             </p:txEl>
                                           </p:spTgt>
                                         </p:tgtEl>
@@ -9072,26 +11904,26 @@
                     </p:cTn>
                   </p:par>
                   <p:par>
-                    <p:cTn fill="hold">
+                    <p:cTn id="38" fill="hold">
                       <p:stCondLst>
                         <p:cond delay="indefinite"/>
                       </p:stCondLst>
                       <p:childTnLst>
                         <p:par>
-                          <p:cTn fill="hold">
+                          <p:cTn id="39" fill="hold">
                             <p:stCondLst>
                               <p:cond delay="0"/>
                             </p:stCondLst>
                             <p:childTnLst>
                               <p:par>
-                                <p:cTn fill="hold" nodeType="clickEffect" presetClass="entr" presetID="10" presetSubtype="0">
+                                <p:cTn id="40" presetID="10" presetClass="entr" presetSubtype="0" fill="hold" nodeType="clickEffect">
                                   <p:stCondLst>
                                     <p:cond delay="0"/>
                                   </p:stCondLst>
                                   <p:childTnLst>
                                     <p:set>
                                       <p:cBhvr>
-                                        <p:cTn dur="1" fill="hold">
+                                        <p:cTn id="41" dur="1" fill="hold">
                                           <p:stCondLst>
                                             <p:cond delay="0"/>
                                           </p:stCondLst>
@@ -9099,7 +11931,7 @@
                                         <p:tgtEl>
                                           <p:spTgt spid="86">
                                             <p:txEl>
-                                              <p:pRg end="7" st="7"/>
+                                              <p:pRg st="7" end="7"/>
                                             </p:txEl>
                                           </p:spTgt>
                                         </p:tgtEl>
@@ -9111,13 +11943,13 @@
                                         <p:strVal val="visible"/>
                                       </p:to>
                                     </p:set>
-                                    <p:animEffect filter="fade" transition="in">
+                                    <p:animEffect transition="in" filter="fade">
                                       <p:cBhvr>
-                                        <p:cTn dur="1000"/>
+                                        <p:cTn id="42" dur="1000"/>
                                         <p:tgtEl>
                                           <p:spTgt spid="86">
                                             <p:txEl>
-                                              <p:pRg end="7" st="7"/>
+                                              <p:pRg st="7" end="7"/>
                                             </p:txEl>
                                           </p:spTgt>
                                         </p:tgtEl>
@@ -9133,26 +11965,26 @@
                     </p:cTn>
                   </p:par>
                   <p:par>
-                    <p:cTn fill="hold">
+                    <p:cTn id="43" fill="hold">
                       <p:stCondLst>
                         <p:cond delay="indefinite"/>
                       </p:stCondLst>
                       <p:childTnLst>
                         <p:par>
-                          <p:cTn fill="hold">
+                          <p:cTn id="44" fill="hold">
                             <p:stCondLst>
                               <p:cond delay="0"/>
                             </p:stCondLst>
                             <p:childTnLst>
                               <p:par>
-                                <p:cTn fill="hold" nodeType="clickEffect" presetClass="entr" presetID="10" presetSubtype="0">
+                                <p:cTn id="45" presetID="10" presetClass="entr" presetSubtype="0" fill="hold" nodeType="clickEffect">
                                   <p:stCondLst>
                                     <p:cond delay="0"/>
                                   </p:stCondLst>
                                   <p:childTnLst>
                                     <p:set>
                                       <p:cBhvr>
-                                        <p:cTn dur="1" fill="hold">
+                                        <p:cTn id="46" dur="1" fill="hold">
                                           <p:stCondLst>
                                             <p:cond delay="0"/>
                                           </p:stCondLst>
@@ -9160,7 +11992,7 @@
                                         <p:tgtEl>
                                           <p:spTgt spid="86">
                                             <p:txEl>
-                                              <p:pRg end="8" st="8"/>
+                                              <p:pRg st="8" end="8"/>
                                             </p:txEl>
                                           </p:spTgt>
                                         </p:tgtEl>
@@ -9172,13 +12004,13 @@
                                         <p:strVal val="visible"/>
                                       </p:to>
                                     </p:set>
-                                    <p:animEffect filter="fade" transition="in">
+                                    <p:animEffect transition="in" filter="fade">
                                       <p:cBhvr>
-                                        <p:cTn dur="1000"/>
+                                        <p:cTn id="47" dur="1000"/>
                                         <p:tgtEl>
                                           <p:spTgt spid="86">
                                             <p:txEl>
-                                              <p:pRg end="8" st="8"/>
+                                              <p:pRg st="8" end="8"/>
                                             </p:txEl>
                                           </p:spTgt>
                                         </p:tgtEl>
@@ -9194,26 +12026,26 @@
                     </p:cTn>
                   </p:par>
                   <p:par>
-                    <p:cTn fill="hold">
+                    <p:cTn id="48" fill="hold">
                       <p:stCondLst>
                         <p:cond delay="indefinite"/>
                       </p:stCondLst>
                       <p:childTnLst>
                         <p:par>
-                          <p:cTn fill="hold">
+                          <p:cTn id="49" fill="hold">
                             <p:stCondLst>
                               <p:cond delay="0"/>
                             </p:stCondLst>
                             <p:childTnLst>
                               <p:par>
-                                <p:cTn fill="hold" nodeType="clickEffect" presetClass="entr" presetID="10" presetSubtype="0">
+                                <p:cTn id="50" presetID="10" presetClass="entr" presetSubtype="0" fill="hold" nodeType="clickEffect">
                                   <p:stCondLst>
                                     <p:cond delay="0"/>
                                   </p:stCondLst>
                                   <p:childTnLst>
                                     <p:set>
                                       <p:cBhvr>
-                                        <p:cTn dur="1" fill="hold">
+                                        <p:cTn id="51" dur="1" fill="hold">
                                           <p:stCondLst>
                                             <p:cond delay="0"/>
                                           </p:stCondLst>
@@ -9221,7 +12053,7 @@
                                         <p:tgtEl>
                                           <p:spTgt spid="86">
                                             <p:txEl>
-                                              <p:pRg end="9" st="9"/>
+                                              <p:pRg st="9" end="9"/>
                                             </p:txEl>
                                           </p:spTgt>
                                         </p:tgtEl>
@@ -9233,13 +12065,13 @@
                                         <p:strVal val="visible"/>
                                       </p:to>
                                     </p:set>
-                                    <p:animEffect filter="fade" transition="in">
+                                    <p:animEffect transition="in" filter="fade">
                                       <p:cBhvr>
-                                        <p:cTn dur="1000"/>
+                                        <p:cTn id="52" dur="1000"/>
                                         <p:tgtEl>
                                           <p:spTgt spid="86">
                                             <p:txEl>
-                                              <p:pRg end="9" st="9"/>
+                                              <p:pRg st="9" end="9"/>
                                             </p:txEl>
                                           </p:spTgt>
                                         </p:tgtEl>
@@ -9257,867 +12089,14 @@
                 </p:childTnLst>
               </p:cTn>
               <p:prevCondLst>
-                <p:cond evt="onPrev">
+                <p:cond evt="onPrev" delay="0">
                   <p:tgtEl>
                     <p:sldTgt/>
                   </p:tgtEl>
                 </p:cond>
               </p:prevCondLst>
               <p:nextCondLst>
-                <p:cond evt="onNext">
-                  <p:tgtEl>
-                    <p:sldTgt/>
-                  </p:tgtEl>
-                </p:cond>
-              </p:nextCondLst>
-            </p:seq>
-          </p:childTnLst>
-        </p:cTn>
-      </p:par>
-    </p:tnLst>
-  </p:timing>
-</p:sld>
-</file>
-
-<file path=ppt/slides/slide7.xml><?xml version="1.0" encoding="utf-8"?>
-<p:sld xmlns:a="http://schemas.openxmlformats.org/drawingml/2006/main" xmlns:r="http://schemas.openxmlformats.org/officeDocument/2006/relationships" xmlns:mc="http://schemas.openxmlformats.org/markup-compatibility/2006" xmlns:mv="urn:schemas-microsoft-com:mac:vml" xmlns:p="http://schemas.openxmlformats.org/presentationml/2006/main" xmlns:c="http://schemas.openxmlformats.org/drawingml/2006/chart" xmlns:dgm="http://schemas.openxmlformats.org/drawingml/2006/diagram" xmlns:o="urn:schemas-microsoft-com:office:office" xmlns:v="urn:schemas-microsoft-com:vml" xmlns:pvml="urn:schemas-microsoft-com:office:powerpoint" xmlns:com="http://schemas.openxmlformats.org/drawingml/2006/compatibility" xmlns:p14="http://schemas.microsoft.com/office/powerpoint/2010/main" xmlns:p15="http://schemas.microsoft.com/office/powerpoint/2012/main">
-  <p:cSld>
-    <p:spTree>
-      <p:nvGrpSpPr>
-        <p:cNvPr id="90" name="Shape 90"/>
-        <p:cNvGrpSpPr/>
-        <p:nvPr/>
-      </p:nvGrpSpPr>
-      <p:grpSpPr>
-        <a:xfrm>
-          <a:off x="0" y="0"/>
-          <a:ext cx="0" cy="0"/>
-          <a:chOff x="0" y="0"/>
-          <a:chExt cx="0" cy="0"/>
-        </a:xfrm>
-      </p:grpSpPr>
-      <p:sp>
-        <p:nvSpPr>
-          <p:cNvPr id="91" name="Shape 91"/>
-          <p:cNvSpPr txBox="1"/>
-          <p:nvPr>
-            <p:ph type="title"/>
-          </p:nvPr>
-        </p:nvSpPr>
-        <p:spPr>
-          <a:xfrm>
-            <a:off x="62275" y="-124550"/>
-            <a:ext cx="8769900" cy="524700"/>
-          </a:xfrm>
-          <a:prstGeom prst="rect">
-            <a:avLst/>
-          </a:prstGeom>
-        </p:spPr>
-        <p:txBody>
-          <a:bodyPr anchorCtr="0" anchor="t" bIns="91425" lIns="91425" spcFirstLastPara="1" rIns="91425" wrap="square" tIns="91425">
-            <a:noAutofit/>
-          </a:bodyPr>
-          <a:lstStyle/>
-          <a:p>
-            <a:pPr indent="0" lvl="0" marL="0" rtl="0">
-              <a:spcBef>
-                <a:spcPts val="0"/>
-              </a:spcBef>
-              <a:spcAft>
-                <a:spcPts val="0"/>
-              </a:spcAft>
-              <a:buNone/>
-            </a:pPr>
-            <a:r>
-              <a:rPr lang="en" sz="4000"/>
-              <a:t>Configure</a:t>
-            </a:r>
-            <a:r>
-              <a:rPr lang="en" sz="4000"/>
-              <a:t> Relationships with SQLAl...</a:t>
-            </a:r>
-            <a:endParaRPr sz="4000"/>
-          </a:p>
-        </p:txBody>
-      </p:sp>
-      <p:sp>
-        <p:nvSpPr>
-          <p:cNvPr id="92" name="Shape 92"/>
-          <p:cNvSpPr txBox="1"/>
-          <p:nvPr/>
-        </p:nvSpPr>
-        <p:spPr>
-          <a:xfrm>
-            <a:off x="418050" y="658225"/>
-            <a:ext cx="8619300" cy="4349700"/>
-          </a:xfrm>
-          <a:prstGeom prst="rect">
-            <a:avLst/>
-          </a:prstGeom>
-          <a:noFill/>
-          <a:ln>
-            <a:noFill/>
-          </a:ln>
-        </p:spPr>
-        <p:txBody>
-          <a:bodyPr anchorCtr="0" anchor="t" bIns="91425" lIns="91425" spcFirstLastPara="1" rIns="91425" wrap="square" tIns="91425">
-            <a:noAutofit/>
-          </a:bodyPr>
-          <a:lstStyle/>
-          <a:p>
-            <a:pPr indent="-381000" lvl="0" marL="457200" rtl="0">
-              <a:lnSpc>
-                <a:spcPct val="115000"/>
-              </a:lnSpc>
-              <a:spcBef>
-                <a:spcPts val="0"/>
-              </a:spcBef>
-              <a:spcAft>
-                <a:spcPts val="0"/>
-              </a:spcAft>
-              <a:buClr>
-                <a:srgbClr val="FFFFFF"/>
-              </a:buClr>
-              <a:buSzPts val="2400"/>
-              <a:buChar char="●"/>
-            </a:pPr>
-            <a:r>
-              <a:rPr lang="en" sz="2400">
-                <a:solidFill>
-                  <a:srgbClr val="FFFFFF"/>
-                </a:solidFill>
-              </a:rPr>
-              <a:t>class Comic(db.Model):</a:t>
-            </a:r>
-            <a:endParaRPr sz="2400">
-              <a:solidFill>
-                <a:srgbClr val="FFFFFF"/>
-              </a:solidFill>
-            </a:endParaRPr>
-          </a:p>
-          <a:p>
-            <a:pPr indent="-381000" lvl="1" marL="914400" rtl="0">
-              <a:lnSpc>
-                <a:spcPct val="100000"/>
-              </a:lnSpc>
-              <a:spcBef>
-                <a:spcPts val="0"/>
-              </a:spcBef>
-              <a:spcAft>
-                <a:spcPts val="0"/>
-              </a:spcAft>
-              <a:buClr>
-                <a:srgbClr val="FFFFFF"/>
-              </a:buClr>
-              <a:buSzPts val="2400"/>
-              <a:buChar char="○"/>
-            </a:pPr>
-            <a:r>
-              <a:rPr lang="en" sz="2400">
-                <a:solidFill>
-                  <a:srgbClr val="FFFFFF"/>
-                </a:solidFill>
-              </a:rPr>
-              <a:t>id = db.Column(db.Integer, primary_key=True)</a:t>
-            </a:r>
-            <a:endParaRPr sz="2400">
-              <a:solidFill>
-                <a:srgbClr val="FFFFFF"/>
-              </a:solidFill>
-            </a:endParaRPr>
-          </a:p>
-          <a:p>
-            <a:pPr indent="-381000" lvl="1" marL="914400" rtl="0">
-              <a:lnSpc>
-                <a:spcPct val="100000"/>
-              </a:lnSpc>
-              <a:spcBef>
-                <a:spcPts val="0"/>
-              </a:spcBef>
-              <a:spcAft>
-                <a:spcPts val="0"/>
-              </a:spcAft>
-              <a:buClr>
-                <a:srgbClr val="FFFFFF"/>
-              </a:buClr>
-              <a:buSzPts val="2400"/>
-              <a:buChar char="○"/>
-            </a:pPr>
-            <a:r>
-              <a:rPr lang="en" sz="2400">
-                <a:solidFill>
-                  <a:srgbClr val="FFFFFF"/>
-                </a:solidFill>
-              </a:rPr>
-              <a:t>publisher_id = db.Column(db.Integer, ForeignKey("publisher.id"))</a:t>
-            </a:r>
-            <a:endParaRPr sz="2400">
-              <a:solidFill>
-                <a:srgbClr val="FFFFFF"/>
-              </a:solidFill>
-            </a:endParaRPr>
-          </a:p>
-          <a:p>
-            <a:pPr indent="-381000" lvl="1" marL="914400" rtl="0">
-              <a:lnSpc>
-                <a:spcPct val="100000"/>
-              </a:lnSpc>
-              <a:spcBef>
-                <a:spcPts val="0"/>
-              </a:spcBef>
-              <a:spcAft>
-                <a:spcPts val="0"/>
-              </a:spcAft>
-              <a:buClr>
-                <a:srgbClr val="FFFFFF"/>
-              </a:buClr>
-              <a:buSzPts val="2400"/>
-              <a:buChar char="○"/>
-            </a:pPr>
-            <a:r>
-              <a:rPr lang="en" sz="2400">
-                <a:solidFill>
-                  <a:srgbClr val="FFFFFF"/>
-                </a:solidFill>
-              </a:rPr>
-              <a:t>publisher = db.relationship('Publisher')</a:t>
-            </a:r>
-            <a:endParaRPr sz="2400">
-              <a:solidFill>
-                <a:srgbClr val="FFFFFF"/>
-              </a:solidFill>
-            </a:endParaRPr>
-          </a:p>
-          <a:p>
-            <a:pPr indent="-381000" lvl="0" marL="457200" rtl="0">
-              <a:lnSpc>
-                <a:spcPct val="115000"/>
-              </a:lnSpc>
-              <a:spcBef>
-                <a:spcPts val="1000"/>
-              </a:spcBef>
-              <a:spcAft>
-                <a:spcPts val="0"/>
-              </a:spcAft>
-              <a:buClr>
-                <a:srgbClr val="FFFFFF"/>
-              </a:buClr>
-              <a:buSzPts val="2400"/>
-              <a:buChar char="●"/>
-            </a:pPr>
-            <a:r>
-              <a:rPr lang="en" sz="2400">
-                <a:solidFill>
-                  <a:srgbClr val="FFFFFF"/>
-                </a:solidFill>
-              </a:rPr>
-              <a:t>class Publisher(db.Model):</a:t>
-            </a:r>
-            <a:endParaRPr sz="2400">
-              <a:solidFill>
-                <a:srgbClr val="FFFFFF"/>
-              </a:solidFill>
-            </a:endParaRPr>
-          </a:p>
-          <a:p>
-            <a:pPr indent="-381000" lvl="1" marL="914400" rtl="0">
-              <a:lnSpc>
-                <a:spcPct val="115000"/>
-              </a:lnSpc>
-              <a:spcBef>
-                <a:spcPts val="0"/>
-              </a:spcBef>
-              <a:spcAft>
-                <a:spcPts val="0"/>
-              </a:spcAft>
-              <a:buClr>
-                <a:srgbClr val="FFFFFF"/>
-              </a:buClr>
-              <a:buSzPts val="2400"/>
-              <a:buChar char="○"/>
-            </a:pPr>
-            <a:r>
-              <a:rPr lang="en" sz="2400">
-                <a:solidFill>
-                  <a:srgbClr val="FFFFFF"/>
-                </a:solidFill>
-              </a:rPr>
-              <a:t>id = db.Column(db.Integer, primary_key=True)</a:t>
-            </a:r>
-            <a:endParaRPr sz="2400">
-              <a:solidFill>
-                <a:srgbClr val="FFFFFF"/>
-              </a:solidFill>
-            </a:endParaRPr>
-          </a:p>
-          <a:p>
-            <a:pPr indent="0" lvl="0" marL="0" rtl="0">
-              <a:lnSpc>
-                <a:spcPct val="100000"/>
-              </a:lnSpc>
-              <a:spcBef>
-                <a:spcPts val="0"/>
-              </a:spcBef>
-              <a:spcAft>
-                <a:spcPts val="0"/>
-              </a:spcAft>
-              <a:buNone/>
-            </a:pPr>
-            <a:r>
-              <a:rPr lang="en" sz="2400">
-                <a:solidFill>
-                  <a:srgbClr val="FFFFFF"/>
-                </a:solidFill>
-              </a:rPr>
-              <a:t>comic = Comic.query.get(id)</a:t>
-            </a:r>
-            <a:endParaRPr sz="2400">
-              <a:solidFill>
-                <a:srgbClr val="FFFFFF"/>
-              </a:solidFill>
-            </a:endParaRPr>
-          </a:p>
-          <a:p>
-            <a:pPr indent="0" lvl="0" marL="0" rtl="0">
-              <a:lnSpc>
-                <a:spcPct val="100000"/>
-              </a:lnSpc>
-              <a:spcBef>
-                <a:spcPts val="0"/>
-              </a:spcBef>
-              <a:spcAft>
-                <a:spcPts val="0"/>
-              </a:spcAft>
-              <a:buNone/>
-            </a:pPr>
-            <a:r>
-              <a:rPr lang="en" sz="2400">
-                <a:solidFill>
-                  <a:srgbClr val="FFFFFF"/>
-                </a:solidFill>
-              </a:rPr>
-              <a:t>comic.publisher.name</a:t>
-            </a:r>
-            <a:endParaRPr sz="2400">
-              <a:solidFill>
-                <a:srgbClr val="FFFFFF"/>
-              </a:solidFill>
-            </a:endParaRPr>
-          </a:p>
-        </p:txBody>
-      </p:sp>
-    </p:spTree>
-  </p:cSld>
-  <p:clrMapOvr>
-    <a:masterClrMapping/>
-  </p:clrMapOvr>
-  <p:timing>
-    <p:tnLst>
-      <p:par>
-        <p:cTn dur="indefinite" nodeType="tmRoot" restart="never">
-          <p:childTnLst>
-            <p:seq concurrent="1" nextAc="seek">
-              <p:cTn dur="indefinite" id="2" nodeType="mainSeq">
-                <p:childTnLst>
-                  <p:par>
-                    <p:cTn fill="hold">
-                      <p:stCondLst>
-                        <p:cond delay="indefinite"/>
-                      </p:stCondLst>
-                      <p:childTnLst>
-                        <p:par>
-                          <p:cTn fill="hold">
-                            <p:stCondLst>
-                              <p:cond delay="0"/>
-                            </p:stCondLst>
-                            <p:childTnLst>
-                              <p:par>
-                                <p:cTn fill="hold" nodeType="clickEffect" presetClass="entr" presetID="10" presetSubtype="0">
-                                  <p:stCondLst>
-                                    <p:cond delay="0"/>
-                                  </p:stCondLst>
-                                  <p:childTnLst>
-                                    <p:set>
-                                      <p:cBhvr>
-                                        <p:cTn dur="1" fill="hold">
-                                          <p:stCondLst>
-                                            <p:cond delay="0"/>
-                                          </p:stCondLst>
-                                        </p:cTn>
-                                        <p:tgtEl>
-                                          <p:spTgt spid="92">
-                                            <p:txEl>
-                                              <p:pRg end="0" st="0"/>
-                                            </p:txEl>
-                                          </p:spTgt>
-                                        </p:tgtEl>
-                                        <p:attrNameLst>
-                                          <p:attrName>style.visibility</p:attrName>
-                                        </p:attrNameLst>
-                                      </p:cBhvr>
-                                      <p:to>
-                                        <p:strVal val="visible"/>
-                                      </p:to>
-                                    </p:set>
-                                    <p:animEffect filter="fade" transition="in">
-                                      <p:cBhvr>
-                                        <p:cTn dur="1000"/>
-                                        <p:tgtEl>
-                                          <p:spTgt spid="92">
-                                            <p:txEl>
-                                              <p:pRg end="0" st="0"/>
-                                            </p:txEl>
-                                          </p:spTgt>
-                                        </p:tgtEl>
-                                      </p:cBhvr>
-                                    </p:animEffect>
-                                  </p:childTnLst>
-                                </p:cTn>
-                              </p:par>
-                            </p:childTnLst>
-                          </p:cTn>
-                        </p:par>
-                      </p:childTnLst>
-                    </p:cTn>
-                  </p:par>
-                  <p:par>
-                    <p:cTn fill="hold">
-                      <p:stCondLst>
-                        <p:cond delay="indefinite"/>
-                      </p:stCondLst>
-                      <p:childTnLst>
-                        <p:par>
-                          <p:cTn fill="hold">
-                            <p:stCondLst>
-                              <p:cond delay="0"/>
-                            </p:stCondLst>
-                            <p:childTnLst>
-                              <p:par>
-                                <p:cTn fill="hold" nodeType="clickEffect" presetClass="entr" presetID="10" presetSubtype="0">
-                                  <p:stCondLst>
-                                    <p:cond delay="0"/>
-                                  </p:stCondLst>
-                                  <p:childTnLst>
-                                    <p:set>
-                                      <p:cBhvr>
-                                        <p:cTn dur="1" fill="hold">
-                                          <p:stCondLst>
-                                            <p:cond delay="0"/>
-                                          </p:stCondLst>
-                                        </p:cTn>
-                                        <p:tgtEl>
-                                          <p:spTgt spid="92">
-                                            <p:txEl>
-                                              <p:pRg end="1" st="1"/>
-                                            </p:txEl>
-                                          </p:spTgt>
-                                        </p:tgtEl>
-                                        <p:attrNameLst>
-                                          <p:attrName>style.visibility</p:attrName>
-                                        </p:attrNameLst>
-                                      </p:cBhvr>
-                                      <p:to>
-                                        <p:strVal val="visible"/>
-                                      </p:to>
-                                    </p:set>
-                                    <p:animEffect filter="fade" transition="in">
-                                      <p:cBhvr>
-                                        <p:cTn dur="1000"/>
-                                        <p:tgtEl>
-                                          <p:spTgt spid="92">
-                                            <p:txEl>
-                                              <p:pRg end="1" st="1"/>
-                                            </p:txEl>
-                                          </p:spTgt>
-                                        </p:tgtEl>
-                                      </p:cBhvr>
-                                    </p:animEffect>
-                                  </p:childTnLst>
-                                </p:cTn>
-                              </p:par>
-                            </p:childTnLst>
-                          </p:cTn>
-                        </p:par>
-                      </p:childTnLst>
-                    </p:cTn>
-                  </p:par>
-                  <p:par>
-                    <p:cTn fill="hold">
-                      <p:stCondLst>
-                        <p:cond delay="indefinite"/>
-                      </p:stCondLst>
-                      <p:childTnLst>
-                        <p:par>
-                          <p:cTn fill="hold">
-                            <p:stCondLst>
-                              <p:cond delay="0"/>
-                            </p:stCondLst>
-                            <p:childTnLst>
-                              <p:par>
-                                <p:cTn fill="hold" nodeType="clickEffect" presetClass="entr" presetID="10" presetSubtype="0">
-                                  <p:stCondLst>
-                                    <p:cond delay="0"/>
-                                  </p:stCondLst>
-                                  <p:childTnLst>
-                                    <p:set>
-                                      <p:cBhvr>
-                                        <p:cTn dur="1" fill="hold">
-                                          <p:stCondLst>
-                                            <p:cond delay="0"/>
-                                          </p:stCondLst>
-                                        </p:cTn>
-                                        <p:tgtEl>
-                                          <p:spTgt spid="92">
-                                            <p:txEl>
-                                              <p:pRg end="2" st="2"/>
-                                            </p:txEl>
-                                          </p:spTgt>
-                                        </p:tgtEl>
-                                        <p:attrNameLst>
-                                          <p:attrName>style.visibility</p:attrName>
-                                        </p:attrNameLst>
-                                      </p:cBhvr>
-                                      <p:to>
-                                        <p:strVal val="visible"/>
-                                      </p:to>
-                                    </p:set>
-                                    <p:animEffect filter="fade" transition="in">
-                                      <p:cBhvr>
-                                        <p:cTn dur="1000"/>
-                                        <p:tgtEl>
-                                          <p:spTgt spid="92">
-                                            <p:txEl>
-                                              <p:pRg end="2" st="2"/>
-                                            </p:txEl>
-                                          </p:spTgt>
-                                        </p:tgtEl>
-                                      </p:cBhvr>
-                                    </p:animEffect>
-                                  </p:childTnLst>
-                                </p:cTn>
-                              </p:par>
-                            </p:childTnLst>
-                          </p:cTn>
-                        </p:par>
-                      </p:childTnLst>
-                    </p:cTn>
-                  </p:par>
-                  <p:par>
-                    <p:cTn fill="hold">
-                      <p:stCondLst>
-                        <p:cond delay="indefinite"/>
-                      </p:stCondLst>
-                      <p:childTnLst>
-                        <p:par>
-                          <p:cTn fill="hold">
-                            <p:stCondLst>
-                              <p:cond delay="0"/>
-                            </p:stCondLst>
-                            <p:childTnLst>
-                              <p:par>
-                                <p:cTn fill="hold" nodeType="clickEffect" presetClass="entr" presetID="10" presetSubtype="0">
-                                  <p:stCondLst>
-                                    <p:cond delay="0"/>
-                                  </p:stCondLst>
-                                  <p:childTnLst>
-                                    <p:set>
-                                      <p:cBhvr>
-                                        <p:cTn dur="1" fill="hold">
-                                          <p:stCondLst>
-                                            <p:cond delay="0"/>
-                                          </p:stCondLst>
-                                        </p:cTn>
-                                        <p:tgtEl>
-                                          <p:spTgt spid="92">
-                                            <p:txEl>
-                                              <p:pRg end="3" st="3"/>
-                                            </p:txEl>
-                                          </p:spTgt>
-                                        </p:tgtEl>
-                                        <p:attrNameLst>
-                                          <p:attrName>style.visibility</p:attrName>
-                                        </p:attrNameLst>
-                                      </p:cBhvr>
-                                      <p:to>
-                                        <p:strVal val="visible"/>
-                                      </p:to>
-                                    </p:set>
-                                    <p:animEffect filter="fade" transition="in">
-                                      <p:cBhvr>
-                                        <p:cTn dur="1000"/>
-                                        <p:tgtEl>
-                                          <p:spTgt spid="92">
-                                            <p:txEl>
-                                              <p:pRg end="3" st="3"/>
-                                            </p:txEl>
-                                          </p:spTgt>
-                                        </p:tgtEl>
-                                      </p:cBhvr>
-                                    </p:animEffect>
-                                  </p:childTnLst>
-                                </p:cTn>
-                              </p:par>
-                            </p:childTnLst>
-                          </p:cTn>
-                        </p:par>
-                      </p:childTnLst>
-                    </p:cTn>
-                  </p:par>
-                  <p:par>
-                    <p:cTn fill="hold">
-                      <p:stCondLst>
-                        <p:cond delay="indefinite"/>
-                      </p:stCondLst>
-                      <p:childTnLst>
-                        <p:par>
-                          <p:cTn fill="hold">
-                            <p:stCondLst>
-                              <p:cond delay="0"/>
-                            </p:stCondLst>
-                            <p:childTnLst>
-                              <p:par>
-                                <p:cTn fill="hold" nodeType="clickEffect" presetClass="entr" presetID="10" presetSubtype="0">
-                                  <p:stCondLst>
-                                    <p:cond delay="0"/>
-                                  </p:stCondLst>
-                                  <p:childTnLst>
-                                    <p:set>
-                                      <p:cBhvr>
-                                        <p:cTn dur="1" fill="hold">
-                                          <p:stCondLst>
-                                            <p:cond delay="0"/>
-                                          </p:stCondLst>
-                                        </p:cTn>
-                                        <p:tgtEl>
-                                          <p:spTgt spid="92">
-                                            <p:txEl>
-                                              <p:pRg end="4" st="4"/>
-                                            </p:txEl>
-                                          </p:spTgt>
-                                        </p:tgtEl>
-                                        <p:attrNameLst>
-                                          <p:attrName>style.visibility</p:attrName>
-                                        </p:attrNameLst>
-                                      </p:cBhvr>
-                                      <p:to>
-                                        <p:strVal val="visible"/>
-                                      </p:to>
-                                    </p:set>
-                                    <p:animEffect filter="fade" transition="in">
-                                      <p:cBhvr>
-                                        <p:cTn dur="1000"/>
-                                        <p:tgtEl>
-                                          <p:spTgt spid="92">
-                                            <p:txEl>
-                                              <p:pRg end="4" st="4"/>
-                                            </p:txEl>
-                                          </p:spTgt>
-                                        </p:tgtEl>
-                                      </p:cBhvr>
-                                    </p:animEffect>
-                                  </p:childTnLst>
-                                </p:cTn>
-                              </p:par>
-                            </p:childTnLst>
-                          </p:cTn>
-                        </p:par>
-                      </p:childTnLst>
-                    </p:cTn>
-                  </p:par>
-                  <p:par>
-                    <p:cTn fill="hold">
-                      <p:stCondLst>
-                        <p:cond delay="indefinite"/>
-                      </p:stCondLst>
-                      <p:childTnLst>
-                        <p:par>
-                          <p:cTn fill="hold">
-                            <p:stCondLst>
-                              <p:cond delay="0"/>
-                            </p:stCondLst>
-                            <p:childTnLst>
-                              <p:par>
-                                <p:cTn fill="hold" nodeType="clickEffect" presetClass="entr" presetID="10" presetSubtype="0">
-                                  <p:stCondLst>
-                                    <p:cond delay="0"/>
-                                  </p:stCondLst>
-                                  <p:childTnLst>
-                                    <p:set>
-                                      <p:cBhvr>
-                                        <p:cTn dur="1" fill="hold">
-                                          <p:stCondLst>
-                                            <p:cond delay="0"/>
-                                          </p:stCondLst>
-                                        </p:cTn>
-                                        <p:tgtEl>
-                                          <p:spTgt spid="92">
-                                            <p:txEl>
-                                              <p:pRg end="5" st="5"/>
-                                            </p:txEl>
-                                          </p:spTgt>
-                                        </p:tgtEl>
-                                        <p:attrNameLst>
-                                          <p:attrName>style.visibility</p:attrName>
-                                        </p:attrNameLst>
-                                      </p:cBhvr>
-                                      <p:to>
-                                        <p:strVal val="visible"/>
-                                      </p:to>
-                                    </p:set>
-                                    <p:animEffect filter="fade" transition="in">
-                                      <p:cBhvr>
-                                        <p:cTn dur="1000"/>
-                                        <p:tgtEl>
-                                          <p:spTgt spid="92">
-                                            <p:txEl>
-                                              <p:pRg end="5" st="5"/>
-                                            </p:txEl>
-                                          </p:spTgt>
-                                        </p:tgtEl>
-                                      </p:cBhvr>
-                                    </p:animEffect>
-                                  </p:childTnLst>
-                                </p:cTn>
-                              </p:par>
-                            </p:childTnLst>
-                          </p:cTn>
-                        </p:par>
-                      </p:childTnLst>
-                    </p:cTn>
-                  </p:par>
-                  <p:par>
-                    <p:cTn fill="hold">
-                      <p:stCondLst>
-                        <p:cond delay="indefinite"/>
-                      </p:stCondLst>
-                      <p:childTnLst>
-                        <p:par>
-                          <p:cTn fill="hold">
-                            <p:stCondLst>
-                              <p:cond delay="0"/>
-                            </p:stCondLst>
-                            <p:childTnLst>
-                              <p:par>
-                                <p:cTn fill="hold" nodeType="clickEffect" presetClass="entr" presetID="10" presetSubtype="0">
-                                  <p:stCondLst>
-                                    <p:cond delay="0"/>
-                                  </p:stCondLst>
-                                  <p:childTnLst>
-                                    <p:set>
-                                      <p:cBhvr>
-                                        <p:cTn dur="1" fill="hold">
-                                          <p:stCondLst>
-                                            <p:cond delay="0"/>
-                                          </p:stCondLst>
-                                        </p:cTn>
-                                        <p:tgtEl>
-                                          <p:spTgt spid="92">
-                                            <p:txEl>
-                                              <p:pRg end="6" st="6"/>
-                                            </p:txEl>
-                                          </p:spTgt>
-                                        </p:tgtEl>
-                                        <p:attrNameLst>
-                                          <p:attrName>style.visibility</p:attrName>
-                                        </p:attrNameLst>
-                                      </p:cBhvr>
-                                      <p:to>
-                                        <p:strVal val="visible"/>
-                                      </p:to>
-                                    </p:set>
-                                    <p:animEffect filter="fade" transition="in">
-                                      <p:cBhvr>
-                                        <p:cTn dur="1000"/>
-                                        <p:tgtEl>
-                                          <p:spTgt spid="92">
-                                            <p:txEl>
-                                              <p:pRg end="6" st="6"/>
-                                            </p:txEl>
-                                          </p:spTgt>
-                                        </p:tgtEl>
-                                      </p:cBhvr>
-                                    </p:animEffect>
-                                  </p:childTnLst>
-                                </p:cTn>
-                              </p:par>
-                            </p:childTnLst>
-                          </p:cTn>
-                        </p:par>
-                      </p:childTnLst>
-                    </p:cTn>
-                  </p:par>
-                  <p:par>
-                    <p:cTn fill="hold">
-                      <p:stCondLst>
-                        <p:cond delay="indefinite"/>
-                      </p:stCondLst>
-                      <p:childTnLst>
-                        <p:par>
-                          <p:cTn fill="hold">
-                            <p:stCondLst>
-                              <p:cond delay="0"/>
-                            </p:stCondLst>
-                            <p:childTnLst>
-                              <p:par>
-                                <p:cTn fill="hold" nodeType="clickEffect" presetClass="entr" presetID="10" presetSubtype="0">
-                                  <p:stCondLst>
-                                    <p:cond delay="0"/>
-                                  </p:stCondLst>
-                                  <p:childTnLst>
-                                    <p:set>
-                                      <p:cBhvr>
-                                        <p:cTn dur="1" fill="hold">
-                                          <p:stCondLst>
-                                            <p:cond delay="0"/>
-                                          </p:stCondLst>
-                                        </p:cTn>
-                                        <p:tgtEl>
-                                          <p:spTgt spid="92">
-                                            <p:txEl>
-                                              <p:pRg end="7" st="7"/>
-                                            </p:txEl>
-                                          </p:spTgt>
-                                        </p:tgtEl>
-                                        <p:attrNameLst>
-                                          <p:attrName>style.visibility</p:attrName>
-                                        </p:attrNameLst>
-                                      </p:cBhvr>
-                                      <p:to>
-                                        <p:strVal val="visible"/>
-                                      </p:to>
-                                    </p:set>
-                                    <p:animEffect filter="fade" transition="in">
-                                      <p:cBhvr>
-                                        <p:cTn dur="1000"/>
-                                        <p:tgtEl>
-                                          <p:spTgt spid="92">
-                                            <p:txEl>
-                                              <p:pRg end="7" st="7"/>
-                                            </p:txEl>
-                                          </p:spTgt>
-                                        </p:tgtEl>
-                                      </p:cBhvr>
-                                    </p:animEffect>
-                                  </p:childTnLst>
-                                </p:cTn>
-                              </p:par>
-                            </p:childTnLst>
-                          </p:cTn>
-                        </p:par>
-                      </p:childTnLst>
-                    </p:cTn>
-                  </p:par>
-                </p:childTnLst>
-              </p:cTn>
-              <p:prevCondLst>
-                <p:cond evt="onPrev">
-                  <p:tgtEl>
-                    <p:sldTgt/>
-                  </p:tgtEl>
-                </p:cond>
-              </p:prevCondLst>
-              <p:nextCondLst>
-                <p:cond evt="onNext">
+                <p:cond evt="onNext" delay="0">
                   <p:tgtEl>
                     <p:sldTgt/>
                   </p:tgtEl>
@@ -10133,7 +12112,7 @@
 </file>
 
 <file path=ppt/theme/theme1.xml><?xml version="1.0" encoding="utf-8"?>
-<a:theme xmlns:a="http://schemas.openxmlformats.org/drawingml/2006/main" xmlns:r="http://schemas.openxmlformats.org/officeDocument/2006/relationships" name="Simple Dark">
+<a:theme xmlns:a="http://schemas.openxmlformats.org/drawingml/2006/main" name="Simple Dark">
   <a:themeElements>
     <a:clrScheme name="Simple Dark">
       <a:dk1>
@@ -10408,11 +12387,13 @@
       </a:bgFillStyleLst>
     </a:fmtScheme>
   </a:themeElements>
+  <a:objectDefaults/>
+  <a:extraClrSchemeLst/>
 </a:theme>
 </file>
 
 <file path=ppt/theme/theme2.xml><?xml version="1.0" encoding="utf-8"?>
-<a:theme xmlns:a="http://schemas.openxmlformats.org/drawingml/2006/main" xmlns:r="http://schemas.openxmlformats.org/officeDocument/2006/relationships">
+<a:theme xmlns:a="http://schemas.openxmlformats.org/drawingml/2006/main">
   <a:themeElements>
     <a:clrScheme name="Default">
       <a:dk1>
@@ -10687,5 +12668,7 @@
       </a:bgFillStyleLst>
     </a:fmtScheme>
   </a:themeElements>
+  <a:objectDefaults/>
+  <a:extraClrSchemeLst/>
 </a:theme>
 </file>